--- a/Presentation/PPT/Presentation 3.pptx
+++ b/Presentation/PPT/Presentation 3.pptx
@@ -5,41 +5,42 @@
     <p:sldMasterId id="2147483664" r:id="rId2"/>
   </p:sldMasterIdLst>
   <p:notesMasterIdLst>
-    <p:notesMasterId r:id="rId32"/>
+    <p:notesMasterId r:id="rId33"/>
   </p:notesMasterIdLst>
   <p:handoutMasterIdLst>
-    <p:handoutMasterId r:id="rId33"/>
+    <p:handoutMasterId r:id="rId34"/>
   </p:handoutMasterIdLst>
   <p:sldIdLst>
     <p:sldId id="256" r:id="rId3"/>
     <p:sldId id="257" r:id="rId4"/>
     <p:sldId id="263" r:id="rId5"/>
-    <p:sldId id="282" r:id="rId6"/>
-    <p:sldId id="281" r:id="rId7"/>
-    <p:sldId id="258" r:id="rId8"/>
+    <p:sldId id="258" r:id="rId6"/>
+    <p:sldId id="282" r:id="rId7"/>
+    <p:sldId id="281" r:id="rId8"/>
     <p:sldId id="264" r:id="rId9"/>
     <p:sldId id="291" r:id="rId10"/>
     <p:sldId id="266" r:id="rId11"/>
     <p:sldId id="267" r:id="rId12"/>
     <p:sldId id="292" r:id="rId13"/>
     <p:sldId id="269" r:id="rId14"/>
-    <p:sldId id="270" r:id="rId15"/>
-    <p:sldId id="279" r:id="rId16"/>
-    <p:sldId id="272" r:id="rId17"/>
-    <p:sldId id="294" r:id="rId18"/>
-    <p:sldId id="273" r:id="rId19"/>
-    <p:sldId id="293" r:id="rId20"/>
-    <p:sldId id="274" r:id="rId21"/>
-    <p:sldId id="275" r:id="rId22"/>
-    <p:sldId id="284" r:id="rId23"/>
-    <p:sldId id="283" r:id="rId24"/>
-    <p:sldId id="285" r:id="rId25"/>
-    <p:sldId id="280" r:id="rId26"/>
-    <p:sldId id="286" r:id="rId27"/>
-    <p:sldId id="287" r:id="rId28"/>
-    <p:sldId id="288" r:id="rId29"/>
-    <p:sldId id="289" r:id="rId30"/>
-    <p:sldId id="290" r:id="rId31"/>
+    <p:sldId id="295" r:id="rId15"/>
+    <p:sldId id="270" r:id="rId16"/>
+    <p:sldId id="279" r:id="rId17"/>
+    <p:sldId id="272" r:id="rId18"/>
+    <p:sldId id="294" r:id="rId19"/>
+    <p:sldId id="273" r:id="rId20"/>
+    <p:sldId id="293" r:id="rId21"/>
+    <p:sldId id="274" r:id="rId22"/>
+    <p:sldId id="275" r:id="rId23"/>
+    <p:sldId id="284" r:id="rId24"/>
+    <p:sldId id="283" r:id="rId25"/>
+    <p:sldId id="285" r:id="rId26"/>
+    <p:sldId id="280" r:id="rId27"/>
+    <p:sldId id="286" r:id="rId28"/>
+    <p:sldId id="287" r:id="rId29"/>
+    <p:sldId id="288" r:id="rId30"/>
+    <p:sldId id="289" r:id="rId31"/>
+    <p:sldId id="290" r:id="rId32"/>
   </p:sldIdLst>
   <p:sldSz cx="9144000" cy="6858000" type="screen4x3"/>
   <p:notesSz cx="6997700" cy="9283700"/>
@@ -3152,6 +3153,753 @@
 </file>
 
 <file path=ppt/diagrams/colors5.xml><?xml version="1.0" encoding="utf-8"?>
+<dgm:colorsDef xmlns:dgm="http://schemas.openxmlformats.org/drawingml/2006/diagram" xmlns:a="http://schemas.openxmlformats.org/drawingml/2006/main" uniqueId="urn:microsoft.com/office/officeart/2005/8/colors/accent1_2">
+  <dgm:title val=""/>
+  <dgm:desc val=""/>
+  <dgm:catLst>
+    <dgm:cat type="accent1" pri="11200"/>
+  </dgm:catLst>
+  <dgm:styleLbl name="node0">
+    <dgm:fillClrLst meth="repeat">
+      <a:schemeClr val="accent1"/>
+    </dgm:fillClrLst>
+    <dgm:linClrLst meth="repeat">
+      <a:schemeClr val="lt1"/>
+    </dgm:linClrLst>
+    <dgm:effectClrLst/>
+    <dgm:txLinClrLst/>
+    <dgm:txFillClrLst/>
+    <dgm:txEffectClrLst/>
+  </dgm:styleLbl>
+  <dgm:styleLbl name="alignNode1">
+    <dgm:fillClrLst meth="repeat">
+      <a:schemeClr val="accent1"/>
+    </dgm:fillClrLst>
+    <dgm:linClrLst meth="repeat">
+      <a:schemeClr val="accent1"/>
+    </dgm:linClrLst>
+    <dgm:effectClrLst/>
+    <dgm:txLinClrLst/>
+    <dgm:txFillClrLst/>
+    <dgm:txEffectClrLst/>
+  </dgm:styleLbl>
+  <dgm:styleLbl name="node1">
+    <dgm:fillClrLst meth="repeat">
+      <a:schemeClr val="accent1"/>
+    </dgm:fillClrLst>
+    <dgm:linClrLst meth="repeat">
+      <a:schemeClr val="lt1"/>
+    </dgm:linClrLst>
+    <dgm:effectClrLst/>
+    <dgm:txLinClrLst/>
+    <dgm:txFillClrLst/>
+    <dgm:txEffectClrLst/>
+  </dgm:styleLbl>
+  <dgm:styleLbl name="lnNode1">
+    <dgm:fillClrLst meth="repeat">
+      <a:schemeClr val="accent1"/>
+    </dgm:fillClrLst>
+    <dgm:linClrLst meth="repeat">
+      <a:schemeClr val="lt1"/>
+    </dgm:linClrLst>
+    <dgm:effectClrLst/>
+    <dgm:txLinClrLst/>
+    <dgm:txFillClrLst/>
+    <dgm:txEffectClrLst/>
+  </dgm:styleLbl>
+  <dgm:styleLbl name="vennNode1">
+    <dgm:fillClrLst meth="repeat">
+      <a:schemeClr val="accent1">
+        <a:alpha val="50000"/>
+      </a:schemeClr>
+    </dgm:fillClrLst>
+    <dgm:linClrLst meth="repeat">
+      <a:schemeClr val="lt1"/>
+    </dgm:linClrLst>
+    <dgm:effectClrLst/>
+    <dgm:txLinClrLst/>
+    <dgm:txFillClrLst/>
+    <dgm:txEffectClrLst/>
+  </dgm:styleLbl>
+  <dgm:styleLbl name="node2">
+    <dgm:fillClrLst meth="repeat">
+      <a:schemeClr val="accent1"/>
+    </dgm:fillClrLst>
+    <dgm:linClrLst meth="repeat">
+      <a:schemeClr val="lt1"/>
+    </dgm:linClrLst>
+    <dgm:effectClrLst/>
+    <dgm:txLinClrLst/>
+    <dgm:txFillClrLst/>
+    <dgm:txEffectClrLst/>
+  </dgm:styleLbl>
+  <dgm:styleLbl name="node3">
+    <dgm:fillClrLst meth="repeat">
+      <a:schemeClr val="accent1"/>
+    </dgm:fillClrLst>
+    <dgm:linClrLst meth="repeat">
+      <a:schemeClr val="lt1"/>
+    </dgm:linClrLst>
+    <dgm:effectClrLst/>
+    <dgm:txLinClrLst/>
+    <dgm:txFillClrLst/>
+    <dgm:txEffectClrLst/>
+  </dgm:styleLbl>
+  <dgm:styleLbl name="node4">
+    <dgm:fillClrLst meth="repeat">
+      <a:schemeClr val="accent1"/>
+    </dgm:fillClrLst>
+    <dgm:linClrLst meth="repeat">
+      <a:schemeClr val="lt1"/>
+    </dgm:linClrLst>
+    <dgm:effectClrLst/>
+    <dgm:txLinClrLst/>
+    <dgm:txFillClrLst/>
+    <dgm:txEffectClrLst/>
+  </dgm:styleLbl>
+  <dgm:styleLbl name="fgImgPlace1">
+    <dgm:fillClrLst meth="repeat">
+      <a:schemeClr val="accent1">
+        <a:tint val="50000"/>
+      </a:schemeClr>
+    </dgm:fillClrLst>
+    <dgm:linClrLst meth="repeat">
+      <a:schemeClr val="lt1"/>
+    </dgm:linClrLst>
+    <dgm:effectClrLst/>
+    <dgm:txLinClrLst/>
+    <dgm:txFillClrLst meth="repeat">
+      <a:schemeClr val="lt1"/>
+    </dgm:txFillClrLst>
+    <dgm:txEffectClrLst/>
+  </dgm:styleLbl>
+  <dgm:styleLbl name="alignImgPlace1">
+    <dgm:fillClrLst meth="repeat">
+      <a:schemeClr val="accent1">
+        <a:tint val="50000"/>
+      </a:schemeClr>
+    </dgm:fillClrLst>
+    <dgm:linClrLst meth="repeat">
+      <a:schemeClr val="lt1"/>
+    </dgm:linClrLst>
+    <dgm:effectClrLst/>
+    <dgm:txLinClrLst/>
+    <dgm:txFillClrLst meth="repeat">
+      <a:schemeClr val="lt1"/>
+    </dgm:txFillClrLst>
+    <dgm:txEffectClrLst/>
+  </dgm:styleLbl>
+  <dgm:styleLbl name="bgImgPlace1">
+    <dgm:fillClrLst meth="repeat">
+      <a:schemeClr val="accent1">
+        <a:tint val="50000"/>
+      </a:schemeClr>
+    </dgm:fillClrLst>
+    <dgm:linClrLst meth="repeat">
+      <a:schemeClr val="lt1"/>
+    </dgm:linClrLst>
+    <dgm:effectClrLst/>
+    <dgm:txLinClrLst/>
+    <dgm:txFillClrLst meth="repeat">
+      <a:schemeClr val="lt1"/>
+    </dgm:txFillClrLst>
+    <dgm:txEffectClrLst/>
+  </dgm:styleLbl>
+  <dgm:styleLbl name="sibTrans2D1">
+    <dgm:fillClrLst meth="repeat">
+      <a:schemeClr val="accent1">
+        <a:tint val="60000"/>
+      </a:schemeClr>
+    </dgm:fillClrLst>
+    <dgm:linClrLst meth="repeat">
+      <a:schemeClr val="accent1">
+        <a:tint val="60000"/>
+      </a:schemeClr>
+    </dgm:linClrLst>
+    <dgm:effectClrLst/>
+    <dgm:txLinClrLst/>
+    <dgm:txFillClrLst/>
+    <dgm:txEffectClrLst/>
+  </dgm:styleLbl>
+  <dgm:styleLbl name="fgSibTrans2D1">
+    <dgm:fillClrLst meth="repeat">
+      <a:schemeClr val="accent1">
+        <a:tint val="60000"/>
+      </a:schemeClr>
+    </dgm:fillClrLst>
+    <dgm:linClrLst meth="repeat">
+      <a:schemeClr val="accent1">
+        <a:tint val="60000"/>
+      </a:schemeClr>
+    </dgm:linClrLst>
+    <dgm:effectClrLst/>
+    <dgm:txLinClrLst/>
+    <dgm:txFillClrLst/>
+    <dgm:txEffectClrLst/>
+  </dgm:styleLbl>
+  <dgm:styleLbl name="bgSibTrans2D1">
+    <dgm:fillClrLst meth="repeat">
+      <a:schemeClr val="accent1">
+        <a:tint val="60000"/>
+      </a:schemeClr>
+    </dgm:fillClrLst>
+    <dgm:linClrLst meth="repeat">
+      <a:schemeClr val="accent1">
+        <a:tint val="60000"/>
+      </a:schemeClr>
+    </dgm:linClrLst>
+    <dgm:effectClrLst/>
+    <dgm:txLinClrLst/>
+    <dgm:txFillClrLst/>
+    <dgm:txEffectClrLst/>
+  </dgm:styleLbl>
+  <dgm:styleLbl name="sibTrans1D1">
+    <dgm:fillClrLst meth="repeat">
+      <a:schemeClr val="accent1"/>
+    </dgm:fillClrLst>
+    <dgm:linClrLst meth="repeat">
+      <a:schemeClr val="accent1"/>
+    </dgm:linClrLst>
+    <dgm:effectClrLst/>
+    <dgm:txLinClrLst/>
+    <dgm:txFillClrLst meth="repeat">
+      <a:schemeClr val="tx1"/>
+    </dgm:txFillClrLst>
+    <dgm:txEffectClrLst/>
+  </dgm:styleLbl>
+  <dgm:styleLbl name="callout">
+    <dgm:fillClrLst meth="repeat">
+      <a:schemeClr val="accent1"/>
+    </dgm:fillClrLst>
+    <dgm:linClrLst meth="repeat">
+      <a:schemeClr val="accent1">
+        <a:tint val="50000"/>
+      </a:schemeClr>
+    </dgm:linClrLst>
+    <dgm:effectClrLst/>
+    <dgm:txLinClrLst/>
+    <dgm:txFillClrLst meth="repeat">
+      <a:schemeClr val="tx1"/>
+    </dgm:txFillClrLst>
+    <dgm:txEffectClrLst/>
+  </dgm:styleLbl>
+  <dgm:styleLbl name="asst0">
+    <dgm:fillClrLst meth="repeat">
+      <a:schemeClr val="accent1"/>
+    </dgm:fillClrLst>
+    <dgm:linClrLst meth="repeat">
+      <a:schemeClr val="lt1"/>
+    </dgm:linClrLst>
+    <dgm:effectClrLst/>
+    <dgm:txLinClrLst/>
+    <dgm:txFillClrLst/>
+    <dgm:txEffectClrLst/>
+  </dgm:styleLbl>
+  <dgm:styleLbl name="asst1">
+    <dgm:fillClrLst meth="repeat">
+      <a:schemeClr val="accent1"/>
+    </dgm:fillClrLst>
+    <dgm:linClrLst meth="repeat">
+      <a:schemeClr val="lt1"/>
+    </dgm:linClrLst>
+    <dgm:effectClrLst/>
+    <dgm:txLinClrLst/>
+    <dgm:txFillClrLst/>
+    <dgm:txEffectClrLst/>
+  </dgm:styleLbl>
+  <dgm:styleLbl name="asst2">
+    <dgm:fillClrLst meth="repeat">
+      <a:schemeClr val="accent1"/>
+    </dgm:fillClrLst>
+    <dgm:linClrLst meth="repeat">
+      <a:schemeClr val="lt1"/>
+    </dgm:linClrLst>
+    <dgm:effectClrLst/>
+    <dgm:txLinClrLst/>
+    <dgm:txFillClrLst/>
+    <dgm:txEffectClrLst/>
+  </dgm:styleLbl>
+  <dgm:styleLbl name="asst3">
+    <dgm:fillClrLst meth="repeat">
+      <a:schemeClr val="accent1"/>
+    </dgm:fillClrLst>
+    <dgm:linClrLst meth="repeat">
+      <a:schemeClr val="lt1"/>
+    </dgm:linClrLst>
+    <dgm:effectClrLst/>
+    <dgm:txLinClrLst/>
+    <dgm:txFillClrLst/>
+    <dgm:txEffectClrLst/>
+  </dgm:styleLbl>
+  <dgm:styleLbl name="asst4">
+    <dgm:fillClrLst meth="repeat">
+      <a:schemeClr val="accent1"/>
+    </dgm:fillClrLst>
+    <dgm:linClrLst meth="repeat">
+      <a:schemeClr val="lt1"/>
+    </dgm:linClrLst>
+    <dgm:effectClrLst/>
+    <dgm:txLinClrLst/>
+    <dgm:txFillClrLst/>
+    <dgm:txEffectClrLst/>
+  </dgm:styleLbl>
+  <dgm:styleLbl name="parChTrans2D1">
+    <dgm:fillClrLst meth="repeat">
+      <a:schemeClr val="accent1">
+        <a:tint val="60000"/>
+      </a:schemeClr>
+    </dgm:fillClrLst>
+    <dgm:linClrLst meth="repeat">
+      <a:schemeClr val="accent1">
+        <a:tint val="60000"/>
+      </a:schemeClr>
+    </dgm:linClrLst>
+    <dgm:effectClrLst/>
+    <dgm:txLinClrLst/>
+    <dgm:txFillClrLst meth="repeat">
+      <a:schemeClr val="lt1"/>
+    </dgm:txFillClrLst>
+    <dgm:txEffectClrLst/>
+  </dgm:styleLbl>
+  <dgm:styleLbl name="parChTrans2D2">
+    <dgm:fillClrLst meth="repeat">
+      <a:schemeClr val="accent1"/>
+    </dgm:fillClrLst>
+    <dgm:linClrLst meth="repeat">
+      <a:schemeClr val="accent1"/>
+    </dgm:linClrLst>
+    <dgm:effectClrLst/>
+    <dgm:txLinClrLst/>
+    <dgm:txFillClrLst meth="repeat">
+      <a:schemeClr val="lt1"/>
+    </dgm:txFillClrLst>
+    <dgm:txEffectClrLst/>
+  </dgm:styleLbl>
+  <dgm:styleLbl name="parChTrans2D3">
+    <dgm:fillClrLst meth="repeat">
+      <a:schemeClr val="accent1"/>
+    </dgm:fillClrLst>
+    <dgm:linClrLst meth="repeat">
+      <a:schemeClr val="accent1"/>
+    </dgm:linClrLst>
+    <dgm:effectClrLst/>
+    <dgm:txLinClrLst/>
+    <dgm:txFillClrLst meth="repeat">
+      <a:schemeClr val="lt1"/>
+    </dgm:txFillClrLst>
+    <dgm:txEffectClrLst/>
+  </dgm:styleLbl>
+  <dgm:styleLbl name="parChTrans2D4">
+    <dgm:fillClrLst meth="repeat">
+      <a:schemeClr val="accent1"/>
+    </dgm:fillClrLst>
+    <dgm:linClrLst meth="repeat">
+      <a:schemeClr val="accent1"/>
+    </dgm:linClrLst>
+    <dgm:effectClrLst/>
+    <dgm:txLinClrLst/>
+    <dgm:txFillClrLst meth="repeat">
+      <a:schemeClr val="lt1"/>
+    </dgm:txFillClrLst>
+    <dgm:txEffectClrLst/>
+  </dgm:styleLbl>
+  <dgm:styleLbl name="parChTrans1D1">
+    <dgm:fillClrLst meth="repeat">
+      <a:schemeClr val="accent1"/>
+    </dgm:fillClrLst>
+    <dgm:linClrLst meth="repeat">
+      <a:schemeClr val="accent1">
+        <a:shade val="60000"/>
+      </a:schemeClr>
+    </dgm:linClrLst>
+    <dgm:effectClrLst/>
+    <dgm:txLinClrLst/>
+    <dgm:txFillClrLst meth="repeat">
+      <a:schemeClr val="tx1"/>
+    </dgm:txFillClrLst>
+    <dgm:txEffectClrLst/>
+  </dgm:styleLbl>
+  <dgm:styleLbl name="parChTrans1D2">
+    <dgm:fillClrLst meth="repeat">
+      <a:schemeClr val="accent1"/>
+    </dgm:fillClrLst>
+    <dgm:linClrLst meth="repeat">
+      <a:schemeClr val="accent1">
+        <a:shade val="60000"/>
+      </a:schemeClr>
+    </dgm:linClrLst>
+    <dgm:effectClrLst/>
+    <dgm:txLinClrLst/>
+    <dgm:txFillClrLst meth="repeat">
+      <a:schemeClr val="tx1"/>
+    </dgm:txFillClrLst>
+    <dgm:txEffectClrLst/>
+  </dgm:styleLbl>
+  <dgm:styleLbl name="parChTrans1D3">
+    <dgm:fillClrLst meth="repeat">
+      <a:schemeClr val="accent1"/>
+    </dgm:fillClrLst>
+    <dgm:linClrLst meth="repeat">
+      <a:schemeClr val="accent1">
+        <a:shade val="80000"/>
+      </a:schemeClr>
+    </dgm:linClrLst>
+    <dgm:effectClrLst/>
+    <dgm:txLinClrLst/>
+    <dgm:txFillClrLst meth="repeat">
+      <a:schemeClr val="tx1"/>
+    </dgm:txFillClrLst>
+    <dgm:txEffectClrLst/>
+  </dgm:styleLbl>
+  <dgm:styleLbl name="parChTrans1D4">
+    <dgm:fillClrLst meth="repeat">
+      <a:schemeClr val="accent1"/>
+    </dgm:fillClrLst>
+    <dgm:linClrLst meth="repeat">
+      <a:schemeClr val="accent1">
+        <a:shade val="80000"/>
+      </a:schemeClr>
+    </dgm:linClrLst>
+    <dgm:effectClrLst/>
+    <dgm:txLinClrLst/>
+    <dgm:txFillClrLst meth="repeat">
+      <a:schemeClr val="tx1"/>
+    </dgm:txFillClrLst>
+    <dgm:txEffectClrLst/>
+  </dgm:styleLbl>
+  <dgm:styleLbl name="fgAcc1">
+    <dgm:fillClrLst meth="repeat">
+      <a:schemeClr val="lt1">
+        <a:alpha val="90000"/>
+      </a:schemeClr>
+    </dgm:fillClrLst>
+    <dgm:linClrLst meth="repeat">
+      <a:schemeClr val="accent1"/>
+    </dgm:linClrLst>
+    <dgm:effectClrLst/>
+    <dgm:txLinClrLst/>
+    <dgm:txFillClrLst meth="repeat">
+      <a:schemeClr val="dk1"/>
+    </dgm:txFillClrLst>
+    <dgm:txEffectClrLst/>
+  </dgm:styleLbl>
+  <dgm:styleLbl name="conFgAcc1">
+    <dgm:fillClrLst meth="repeat">
+      <a:schemeClr val="lt1">
+        <a:alpha val="90000"/>
+      </a:schemeClr>
+    </dgm:fillClrLst>
+    <dgm:linClrLst meth="repeat">
+      <a:schemeClr val="accent1"/>
+    </dgm:linClrLst>
+    <dgm:effectClrLst/>
+    <dgm:txLinClrLst/>
+    <dgm:txFillClrLst meth="repeat">
+      <a:schemeClr val="dk1"/>
+    </dgm:txFillClrLst>
+    <dgm:txEffectClrLst/>
+  </dgm:styleLbl>
+  <dgm:styleLbl name="alignAcc1">
+    <dgm:fillClrLst meth="repeat">
+      <a:schemeClr val="lt1">
+        <a:alpha val="90000"/>
+      </a:schemeClr>
+    </dgm:fillClrLst>
+    <dgm:linClrLst meth="repeat">
+      <a:schemeClr val="accent1"/>
+    </dgm:linClrLst>
+    <dgm:effectClrLst/>
+    <dgm:txLinClrLst/>
+    <dgm:txFillClrLst meth="repeat">
+      <a:schemeClr val="dk1"/>
+    </dgm:txFillClrLst>
+    <dgm:txEffectClrLst/>
+  </dgm:styleLbl>
+  <dgm:styleLbl name="trAlignAcc1">
+    <dgm:fillClrLst meth="repeat">
+      <a:schemeClr val="lt1">
+        <a:alpha val="40000"/>
+      </a:schemeClr>
+    </dgm:fillClrLst>
+    <dgm:linClrLst meth="repeat">
+      <a:schemeClr val="accent1"/>
+    </dgm:linClrLst>
+    <dgm:effectClrLst/>
+    <dgm:txLinClrLst/>
+    <dgm:txFillClrLst meth="repeat">
+      <a:schemeClr val="dk1"/>
+    </dgm:txFillClrLst>
+    <dgm:txEffectClrLst/>
+  </dgm:styleLbl>
+  <dgm:styleLbl name="bgAcc1">
+    <dgm:fillClrLst meth="repeat">
+      <a:schemeClr val="lt1">
+        <a:alpha val="90000"/>
+      </a:schemeClr>
+    </dgm:fillClrLst>
+    <dgm:linClrLst meth="repeat">
+      <a:schemeClr val="accent1"/>
+    </dgm:linClrLst>
+    <dgm:effectClrLst/>
+    <dgm:txLinClrLst/>
+    <dgm:txFillClrLst meth="repeat">
+      <a:schemeClr val="dk1"/>
+    </dgm:txFillClrLst>
+    <dgm:txEffectClrLst/>
+  </dgm:styleLbl>
+  <dgm:styleLbl name="solidFgAcc1">
+    <dgm:fillClrLst meth="repeat">
+      <a:schemeClr val="lt1"/>
+    </dgm:fillClrLst>
+    <dgm:linClrLst meth="repeat">
+      <a:schemeClr val="accent1"/>
+    </dgm:linClrLst>
+    <dgm:effectClrLst/>
+    <dgm:txLinClrLst/>
+    <dgm:txFillClrLst meth="repeat">
+      <a:schemeClr val="dk1"/>
+    </dgm:txFillClrLst>
+    <dgm:txEffectClrLst/>
+  </dgm:styleLbl>
+  <dgm:styleLbl name="solidAlignAcc1">
+    <dgm:fillClrLst meth="repeat">
+      <a:schemeClr val="lt1"/>
+    </dgm:fillClrLst>
+    <dgm:linClrLst meth="repeat">
+      <a:schemeClr val="accent1"/>
+    </dgm:linClrLst>
+    <dgm:effectClrLst/>
+    <dgm:txLinClrLst/>
+    <dgm:txFillClrLst meth="repeat">
+      <a:schemeClr val="dk1"/>
+    </dgm:txFillClrLst>
+    <dgm:txEffectClrLst/>
+  </dgm:styleLbl>
+  <dgm:styleLbl name="solidBgAcc1">
+    <dgm:fillClrLst meth="repeat">
+      <a:schemeClr val="lt1"/>
+    </dgm:fillClrLst>
+    <dgm:linClrLst meth="repeat">
+      <a:schemeClr val="accent1"/>
+    </dgm:linClrLst>
+    <dgm:effectClrLst/>
+    <dgm:txLinClrLst/>
+    <dgm:txFillClrLst meth="repeat">
+      <a:schemeClr val="dk1"/>
+    </dgm:txFillClrLst>
+    <dgm:txEffectClrLst/>
+  </dgm:styleLbl>
+  <dgm:styleLbl name="fgAccFollowNode1">
+    <dgm:fillClrLst meth="repeat">
+      <a:schemeClr val="accent1">
+        <a:alpha val="90000"/>
+        <a:tint val="40000"/>
+      </a:schemeClr>
+    </dgm:fillClrLst>
+    <dgm:linClrLst meth="repeat">
+      <a:schemeClr val="accent1">
+        <a:alpha val="90000"/>
+        <a:tint val="40000"/>
+      </a:schemeClr>
+    </dgm:linClrLst>
+    <dgm:effectClrLst/>
+    <dgm:txLinClrLst/>
+    <dgm:txFillClrLst meth="repeat">
+      <a:schemeClr val="dk1"/>
+    </dgm:txFillClrLst>
+    <dgm:txEffectClrLst/>
+  </dgm:styleLbl>
+  <dgm:styleLbl name="alignAccFollowNode1">
+    <dgm:fillClrLst meth="repeat">
+      <a:schemeClr val="accent1">
+        <a:alpha val="90000"/>
+        <a:tint val="40000"/>
+      </a:schemeClr>
+    </dgm:fillClrLst>
+    <dgm:linClrLst meth="repeat">
+      <a:schemeClr val="accent1">
+        <a:alpha val="90000"/>
+        <a:tint val="40000"/>
+      </a:schemeClr>
+    </dgm:linClrLst>
+    <dgm:effectClrLst/>
+    <dgm:txLinClrLst/>
+    <dgm:txFillClrLst meth="repeat">
+      <a:schemeClr val="dk1"/>
+    </dgm:txFillClrLst>
+    <dgm:txEffectClrLst/>
+  </dgm:styleLbl>
+  <dgm:styleLbl name="bgAccFollowNode1">
+    <dgm:fillClrLst meth="repeat">
+      <a:schemeClr val="accent1">
+        <a:alpha val="90000"/>
+        <a:tint val="40000"/>
+      </a:schemeClr>
+    </dgm:fillClrLst>
+    <dgm:linClrLst meth="repeat">
+      <a:schemeClr val="accent1">
+        <a:alpha val="90000"/>
+        <a:tint val="40000"/>
+      </a:schemeClr>
+    </dgm:linClrLst>
+    <dgm:effectClrLst/>
+    <dgm:txLinClrLst/>
+    <dgm:txFillClrLst meth="repeat">
+      <a:schemeClr val="dk1"/>
+    </dgm:txFillClrLst>
+    <dgm:txEffectClrLst/>
+  </dgm:styleLbl>
+  <dgm:styleLbl name="fgAcc0">
+    <dgm:fillClrLst meth="repeat">
+      <a:schemeClr val="lt1">
+        <a:alpha val="90000"/>
+      </a:schemeClr>
+    </dgm:fillClrLst>
+    <dgm:linClrLst meth="repeat">
+      <a:schemeClr val="accent1"/>
+    </dgm:linClrLst>
+    <dgm:effectClrLst/>
+    <dgm:txLinClrLst/>
+    <dgm:txFillClrLst meth="repeat">
+      <a:schemeClr val="dk1"/>
+    </dgm:txFillClrLst>
+    <dgm:txEffectClrLst/>
+  </dgm:styleLbl>
+  <dgm:styleLbl name="fgAcc2">
+    <dgm:fillClrLst meth="repeat">
+      <a:schemeClr val="lt1">
+        <a:alpha val="90000"/>
+      </a:schemeClr>
+    </dgm:fillClrLst>
+    <dgm:linClrLst meth="repeat">
+      <a:schemeClr val="accent1"/>
+    </dgm:linClrLst>
+    <dgm:effectClrLst/>
+    <dgm:txLinClrLst/>
+    <dgm:txFillClrLst meth="repeat">
+      <a:schemeClr val="dk1"/>
+    </dgm:txFillClrLst>
+    <dgm:txEffectClrLst/>
+  </dgm:styleLbl>
+  <dgm:styleLbl name="fgAcc3">
+    <dgm:fillClrLst meth="repeat">
+      <a:schemeClr val="lt1">
+        <a:alpha val="90000"/>
+      </a:schemeClr>
+    </dgm:fillClrLst>
+    <dgm:linClrLst meth="repeat">
+      <a:schemeClr val="accent1"/>
+    </dgm:linClrLst>
+    <dgm:effectClrLst/>
+    <dgm:txLinClrLst/>
+    <dgm:txFillClrLst meth="repeat">
+      <a:schemeClr val="dk1"/>
+    </dgm:txFillClrLst>
+    <dgm:txEffectClrLst/>
+  </dgm:styleLbl>
+  <dgm:styleLbl name="fgAcc4">
+    <dgm:fillClrLst meth="repeat">
+      <a:schemeClr val="lt1">
+        <a:alpha val="90000"/>
+      </a:schemeClr>
+    </dgm:fillClrLst>
+    <dgm:linClrLst meth="repeat">
+      <a:schemeClr val="accent1"/>
+    </dgm:linClrLst>
+    <dgm:effectClrLst/>
+    <dgm:txLinClrLst/>
+    <dgm:txFillClrLst meth="repeat">
+      <a:schemeClr val="dk1"/>
+    </dgm:txFillClrLst>
+    <dgm:txEffectClrLst/>
+  </dgm:styleLbl>
+  <dgm:styleLbl name="bgShp">
+    <dgm:fillClrLst meth="repeat">
+      <a:schemeClr val="accent1">
+        <a:tint val="40000"/>
+      </a:schemeClr>
+    </dgm:fillClrLst>
+    <dgm:linClrLst meth="repeat">
+      <a:schemeClr val="accent1"/>
+    </dgm:linClrLst>
+    <dgm:effectClrLst/>
+    <dgm:txLinClrLst/>
+    <dgm:txFillClrLst meth="repeat">
+      <a:schemeClr val="dk1"/>
+    </dgm:txFillClrLst>
+    <dgm:txEffectClrLst/>
+  </dgm:styleLbl>
+  <dgm:styleLbl name="dkBgShp">
+    <dgm:fillClrLst meth="repeat">
+      <a:schemeClr val="accent1">
+        <a:shade val="80000"/>
+      </a:schemeClr>
+    </dgm:fillClrLst>
+    <dgm:linClrLst meth="repeat">
+      <a:schemeClr val="accent1"/>
+    </dgm:linClrLst>
+    <dgm:effectClrLst/>
+    <dgm:txLinClrLst/>
+    <dgm:txFillClrLst meth="repeat">
+      <a:schemeClr val="lt1"/>
+    </dgm:txFillClrLst>
+    <dgm:txEffectClrLst/>
+  </dgm:styleLbl>
+  <dgm:styleLbl name="trBgShp">
+    <dgm:fillClrLst meth="repeat">
+      <a:schemeClr val="accent1">
+        <a:tint val="50000"/>
+        <a:alpha val="40000"/>
+      </a:schemeClr>
+    </dgm:fillClrLst>
+    <dgm:linClrLst meth="repeat">
+      <a:schemeClr val="accent1"/>
+    </dgm:linClrLst>
+    <dgm:effectClrLst/>
+    <dgm:txLinClrLst/>
+    <dgm:txFillClrLst meth="repeat">
+      <a:schemeClr val="lt1"/>
+    </dgm:txFillClrLst>
+    <dgm:txEffectClrLst/>
+  </dgm:styleLbl>
+  <dgm:styleLbl name="fgShp">
+    <dgm:fillClrLst meth="repeat">
+      <a:schemeClr val="accent1">
+        <a:tint val="60000"/>
+      </a:schemeClr>
+    </dgm:fillClrLst>
+    <dgm:linClrLst meth="repeat">
+      <a:schemeClr val="lt1"/>
+    </dgm:linClrLst>
+    <dgm:effectClrLst/>
+    <dgm:txLinClrLst/>
+    <dgm:txFillClrLst meth="repeat">
+      <a:schemeClr val="dk1"/>
+    </dgm:txFillClrLst>
+    <dgm:txEffectClrLst/>
+  </dgm:styleLbl>
+  <dgm:styleLbl name="revTx">
+    <dgm:fillClrLst meth="repeat">
+      <a:schemeClr val="lt1">
+        <a:alpha val="0"/>
+      </a:schemeClr>
+    </dgm:fillClrLst>
+    <dgm:linClrLst meth="repeat">
+      <a:schemeClr val="dk1">
+        <a:alpha val="0"/>
+      </a:schemeClr>
+    </dgm:linClrLst>
+    <dgm:effectClrLst/>
+    <dgm:txLinClrLst/>
+    <dgm:txFillClrLst meth="repeat">
+      <a:schemeClr val="tx1"/>
+    </dgm:txFillClrLst>
+    <dgm:txEffectClrLst/>
+  </dgm:styleLbl>
+</dgm:colorsDef>
+</file>
+
+<file path=ppt/diagrams/colors6.xml><?xml version="1.0" encoding="utf-8"?>
 <dgm:colorsDef xmlns:dgm="http://schemas.openxmlformats.org/drawingml/2006/diagram" xmlns:a="http://schemas.openxmlformats.org/drawingml/2006/main" uniqueId="urn:microsoft.com/office/officeart/2005/8/colors/accent1_2">
   <dgm:title val=""/>
   <dgm:desc val=""/>
@@ -4941,6 +5689,264 @@
 <file path=ppt/diagrams/data4.xml><?xml version="1.0" encoding="utf-8"?>
 <dgm:dataModel xmlns:dgm="http://schemas.openxmlformats.org/drawingml/2006/diagram" xmlns:a="http://schemas.openxmlformats.org/drawingml/2006/main">
   <dgm:ptLst>
+    <dgm:pt modelId="{97D3F531-5BB8-4D17-AED5-6BBCBB23F6B2}" type="doc">
+      <dgm:prSet loTypeId="urn:microsoft.com/office/officeart/2005/8/layout/funnel1" loCatId="relationship" qsTypeId="urn:microsoft.com/office/officeart/2005/8/quickstyle/simple1" qsCatId="simple" csTypeId="urn:microsoft.com/office/officeart/2005/8/colors/accent1_2" csCatId="accent1" phldr="1"/>
+      <dgm:spPr/>
+      <dgm:t>
+        <a:bodyPr/>
+        <a:lstStyle/>
+        <a:p>
+          <a:endParaRPr lang="en-US"/>
+        </a:p>
+      </dgm:t>
+    </dgm:pt>
+    <dgm:pt modelId="{51C1408F-8BEC-4902-8014-463AC54AC5A2}">
+      <dgm:prSet phldrT="[Text]" custT="1"/>
+      <dgm:spPr/>
+      <dgm:t>
+        <a:bodyPr/>
+        <a:lstStyle/>
+        <a:p>
+          <a:r>
+            <a:rPr lang="en-US" sz="1400" dirty="0"/>
+            <a:t>Travel Agency</a:t>
+          </a:r>
+        </a:p>
+        <a:p>
+          <a:r>
+            <a:rPr lang="en-US" sz="1400" dirty="0"/>
+            <a:t>Travel Company Website</a:t>
+          </a:r>
+        </a:p>
+        <a:p>
+          <a:r>
+            <a:rPr lang="en-US" sz="1400" dirty="0"/>
+            <a:t>D.O.T</a:t>
+          </a:r>
+        </a:p>
+      </dgm:t>
+    </dgm:pt>
+    <dgm:pt modelId="{23975A75-A249-4A82-B8E8-AE0AFC2E39A1}" type="parTrans" cxnId="{2B2A0BC7-B164-4463-A69C-CA4570B5DE57}">
+      <dgm:prSet/>
+      <dgm:spPr/>
+      <dgm:t>
+        <a:bodyPr/>
+        <a:lstStyle/>
+        <a:p>
+          <a:endParaRPr lang="en-US"/>
+        </a:p>
+      </dgm:t>
+    </dgm:pt>
+    <dgm:pt modelId="{A30C63DE-1802-4586-AE67-8D72C78F4841}" type="sibTrans" cxnId="{2B2A0BC7-B164-4463-A69C-CA4570B5DE57}">
+      <dgm:prSet/>
+      <dgm:spPr/>
+      <dgm:t>
+        <a:bodyPr/>
+        <a:lstStyle/>
+        <a:p>
+          <a:endParaRPr lang="en-US"/>
+        </a:p>
+      </dgm:t>
+    </dgm:pt>
+    <dgm:pt modelId="{826DF2FB-628A-4CDB-8003-E6D0347A5117}">
+      <dgm:prSet phldrT="[Text]"/>
+      <dgm:spPr/>
+      <dgm:t>
+        <a:bodyPr/>
+        <a:lstStyle/>
+        <a:p>
+          <a:r>
+            <a:rPr lang="en-US" dirty="0"/>
+            <a:t>Social Media Ads</a:t>
+          </a:r>
+        </a:p>
+        <a:p>
+          <a:r>
+            <a:rPr lang="en-US" dirty="0"/>
+            <a:t>Influencer’s Blog</a:t>
+          </a:r>
+        </a:p>
+      </dgm:t>
+    </dgm:pt>
+    <dgm:pt modelId="{A65B6F5D-05E6-4F11-A599-1211BF87A973}" type="parTrans" cxnId="{A398D454-D6F1-45FA-8969-16B6318672C1}">
+      <dgm:prSet/>
+      <dgm:spPr/>
+      <dgm:t>
+        <a:bodyPr/>
+        <a:lstStyle/>
+        <a:p>
+          <a:endParaRPr lang="en-US"/>
+        </a:p>
+      </dgm:t>
+    </dgm:pt>
+    <dgm:pt modelId="{E6FF1FB0-054C-4F4E-B89A-71E298D5A324}" type="sibTrans" cxnId="{A398D454-D6F1-45FA-8969-16B6318672C1}">
+      <dgm:prSet/>
+      <dgm:spPr/>
+      <dgm:t>
+        <a:bodyPr/>
+        <a:lstStyle/>
+        <a:p>
+          <a:endParaRPr lang="en-US"/>
+        </a:p>
+      </dgm:t>
+    </dgm:pt>
+    <dgm:pt modelId="{95919428-F01C-476E-BFBD-352D28C559A7}">
+      <dgm:prSet phldrT="[Text]"/>
+      <dgm:spPr/>
+      <dgm:t>
+        <a:bodyPr/>
+        <a:lstStyle/>
+        <a:p>
+          <a:r>
+            <a:rPr lang="en-US" dirty="0"/>
+            <a:t>Customer’s Feedback</a:t>
+          </a:r>
+        </a:p>
+      </dgm:t>
+    </dgm:pt>
+    <dgm:pt modelId="{34BEF668-2EE4-4C7F-BBB4-97A5A7C49737}" type="parTrans" cxnId="{A2301E7F-89D0-4365-A8A6-ED10C5CDDE33}">
+      <dgm:prSet/>
+      <dgm:spPr/>
+      <dgm:t>
+        <a:bodyPr/>
+        <a:lstStyle/>
+        <a:p>
+          <a:endParaRPr lang="en-US"/>
+        </a:p>
+      </dgm:t>
+    </dgm:pt>
+    <dgm:pt modelId="{35A521F6-C114-4F36-98EE-382D6BE0A5AD}" type="sibTrans" cxnId="{A2301E7F-89D0-4365-A8A6-ED10C5CDDE33}">
+      <dgm:prSet/>
+      <dgm:spPr/>
+      <dgm:t>
+        <a:bodyPr/>
+        <a:lstStyle/>
+        <a:p>
+          <a:endParaRPr lang="en-US"/>
+        </a:p>
+      </dgm:t>
+    </dgm:pt>
+    <dgm:pt modelId="{C992637A-2047-4D63-A1B2-5AADA53B026E}">
+      <dgm:prSet phldrT="[Text]"/>
+      <dgm:spPr/>
+      <dgm:t>
+        <a:bodyPr/>
+        <a:lstStyle/>
+        <a:p>
+          <a:r>
+            <a:rPr lang="en-US" dirty="0"/>
+            <a:t>Sales Funnel</a:t>
+          </a:r>
+        </a:p>
+      </dgm:t>
+    </dgm:pt>
+    <dgm:pt modelId="{50590985-D4E8-42D7-A67C-601FC80B26D9}" type="parTrans" cxnId="{178018AF-AC7A-414F-AE48-18B92482AD6D}">
+      <dgm:prSet/>
+      <dgm:spPr/>
+      <dgm:t>
+        <a:bodyPr/>
+        <a:lstStyle/>
+        <a:p>
+          <a:endParaRPr lang="en-US"/>
+        </a:p>
+      </dgm:t>
+    </dgm:pt>
+    <dgm:pt modelId="{A72D8A17-1A2A-471D-8E91-8468FC51AB1E}" type="sibTrans" cxnId="{178018AF-AC7A-414F-AE48-18B92482AD6D}">
+      <dgm:prSet/>
+      <dgm:spPr/>
+      <dgm:t>
+        <a:bodyPr/>
+        <a:lstStyle/>
+        <a:p>
+          <a:endParaRPr lang="en-US"/>
+        </a:p>
+      </dgm:t>
+    </dgm:pt>
+    <dgm:pt modelId="{43484FC9-1A94-4170-A19A-405BEE3BCDDD}" type="pres">
+      <dgm:prSet presAssocID="{97D3F531-5BB8-4D17-AED5-6BBCBB23F6B2}" presName="Name0" presStyleCnt="0">
+        <dgm:presLayoutVars>
+          <dgm:chMax val="4"/>
+          <dgm:resizeHandles val="exact"/>
+        </dgm:presLayoutVars>
+      </dgm:prSet>
+      <dgm:spPr/>
+    </dgm:pt>
+    <dgm:pt modelId="{571C7BC7-835E-4EBC-BFDC-A8906B97BC5F}" type="pres">
+      <dgm:prSet presAssocID="{97D3F531-5BB8-4D17-AED5-6BBCBB23F6B2}" presName="ellipse" presStyleLbl="trBgShp" presStyleIdx="0" presStyleCnt="1"/>
+      <dgm:spPr/>
+    </dgm:pt>
+    <dgm:pt modelId="{4DE91573-F76F-4026-8941-FDDC137A47E4}" type="pres">
+      <dgm:prSet presAssocID="{97D3F531-5BB8-4D17-AED5-6BBCBB23F6B2}" presName="arrow1" presStyleLbl="fgShp" presStyleIdx="0" presStyleCnt="1"/>
+      <dgm:spPr/>
+    </dgm:pt>
+    <dgm:pt modelId="{375E99DE-0465-4A0E-9213-ADD7140DC951}" type="pres">
+      <dgm:prSet presAssocID="{97D3F531-5BB8-4D17-AED5-6BBCBB23F6B2}" presName="rectangle" presStyleLbl="revTx" presStyleIdx="0" presStyleCnt="1">
+        <dgm:presLayoutVars>
+          <dgm:bulletEnabled val="1"/>
+        </dgm:presLayoutVars>
+      </dgm:prSet>
+      <dgm:spPr/>
+    </dgm:pt>
+    <dgm:pt modelId="{EEFF9738-13B3-4A3C-B745-BA430F6F7E51}" type="pres">
+      <dgm:prSet presAssocID="{826DF2FB-628A-4CDB-8003-E6D0347A5117}" presName="item1" presStyleLbl="node1" presStyleIdx="0" presStyleCnt="3">
+        <dgm:presLayoutVars>
+          <dgm:bulletEnabled val="1"/>
+        </dgm:presLayoutVars>
+      </dgm:prSet>
+      <dgm:spPr/>
+    </dgm:pt>
+    <dgm:pt modelId="{D1957E61-FF5C-4E9F-8C0B-89A40F2944AF}" type="pres">
+      <dgm:prSet presAssocID="{95919428-F01C-476E-BFBD-352D28C559A7}" presName="item2" presStyleLbl="node1" presStyleIdx="1" presStyleCnt="3" custLinFactNeighborY="1843">
+        <dgm:presLayoutVars>
+          <dgm:bulletEnabled val="1"/>
+        </dgm:presLayoutVars>
+      </dgm:prSet>
+      <dgm:spPr/>
+    </dgm:pt>
+    <dgm:pt modelId="{1DF77DD4-42DA-4C2F-A2AD-618DA802347D}" type="pres">
+      <dgm:prSet presAssocID="{C992637A-2047-4D63-A1B2-5AADA53B026E}" presName="item3" presStyleLbl="node1" presStyleIdx="2" presStyleCnt="3">
+        <dgm:presLayoutVars>
+          <dgm:bulletEnabled val="1"/>
+        </dgm:presLayoutVars>
+      </dgm:prSet>
+      <dgm:spPr/>
+    </dgm:pt>
+    <dgm:pt modelId="{DFFE7824-1935-459E-93CD-BD36A34B5DD1}" type="pres">
+      <dgm:prSet presAssocID="{97D3F531-5BB8-4D17-AED5-6BBCBB23F6B2}" presName="funnel" presStyleLbl="trAlignAcc1" presStyleIdx="0" presStyleCnt="1" custLinFactNeighborX="258" custLinFactNeighborY="-400"/>
+      <dgm:spPr/>
+    </dgm:pt>
+  </dgm:ptLst>
+  <dgm:cxnLst>
+    <dgm:cxn modelId="{0490F928-176A-4F2C-AE04-F1762680F5E3}" type="presOf" srcId="{95919428-F01C-476E-BFBD-352D28C559A7}" destId="{EEFF9738-13B3-4A3C-B745-BA430F6F7E51}" srcOrd="0" destOrd="0" presId="urn:microsoft.com/office/officeart/2005/8/layout/funnel1"/>
+    <dgm:cxn modelId="{A398D454-D6F1-45FA-8969-16B6318672C1}" srcId="{97D3F531-5BB8-4D17-AED5-6BBCBB23F6B2}" destId="{826DF2FB-628A-4CDB-8003-E6D0347A5117}" srcOrd="1" destOrd="0" parTransId="{A65B6F5D-05E6-4F11-A599-1211BF87A973}" sibTransId="{E6FF1FB0-054C-4F4E-B89A-71E298D5A324}"/>
+    <dgm:cxn modelId="{A2301E7F-89D0-4365-A8A6-ED10C5CDDE33}" srcId="{97D3F531-5BB8-4D17-AED5-6BBCBB23F6B2}" destId="{95919428-F01C-476E-BFBD-352D28C559A7}" srcOrd="2" destOrd="0" parTransId="{34BEF668-2EE4-4C7F-BBB4-97A5A7C49737}" sibTransId="{35A521F6-C114-4F36-98EE-382D6BE0A5AD}"/>
+    <dgm:cxn modelId="{9B294AAB-FD51-4CF9-86CA-527835A56B9E}" type="presOf" srcId="{51C1408F-8BEC-4902-8014-463AC54AC5A2}" destId="{1DF77DD4-42DA-4C2F-A2AD-618DA802347D}" srcOrd="0" destOrd="0" presId="urn:microsoft.com/office/officeart/2005/8/layout/funnel1"/>
+    <dgm:cxn modelId="{178018AF-AC7A-414F-AE48-18B92482AD6D}" srcId="{97D3F531-5BB8-4D17-AED5-6BBCBB23F6B2}" destId="{C992637A-2047-4D63-A1B2-5AADA53B026E}" srcOrd="3" destOrd="0" parTransId="{50590985-D4E8-42D7-A67C-601FC80B26D9}" sibTransId="{A72D8A17-1A2A-471D-8E91-8468FC51AB1E}"/>
+    <dgm:cxn modelId="{2B2A0BC7-B164-4463-A69C-CA4570B5DE57}" srcId="{97D3F531-5BB8-4D17-AED5-6BBCBB23F6B2}" destId="{51C1408F-8BEC-4902-8014-463AC54AC5A2}" srcOrd="0" destOrd="0" parTransId="{23975A75-A249-4A82-B8E8-AE0AFC2E39A1}" sibTransId="{A30C63DE-1802-4586-AE67-8D72C78F4841}"/>
+    <dgm:cxn modelId="{FA2373D7-954E-4DEA-A0CA-45F7FBC453AE}" type="presOf" srcId="{97D3F531-5BB8-4D17-AED5-6BBCBB23F6B2}" destId="{43484FC9-1A94-4170-A19A-405BEE3BCDDD}" srcOrd="0" destOrd="0" presId="urn:microsoft.com/office/officeart/2005/8/layout/funnel1"/>
+    <dgm:cxn modelId="{05097EEA-EDFD-4028-932D-AD6D7C6B9632}" type="presOf" srcId="{826DF2FB-628A-4CDB-8003-E6D0347A5117}" destId="{D1957E61-FF5C-4E9F-8C0B-89A40F2944AF}" srcOrd="0" destOrd="0" presId="urn:microsoft.com/office/officeart/2005/8/layout/funnel1"/>
+    <dgm:cxn modelId="{94DFE2F9-E215-4629-9BD6-5E118B61B34C}" type="presOf" srcId="{C992637A-2047-4D63-A1B2-5AADA53B026E}" destId="{375E99DE-0465-4A0E-9213-ADD7140DC951}" srcOrd="0" destOrd="0" presId="urn:microsoft.com/office/officeart/2005/8/layout/funnel1"/>
+    <dgm:cxn modelId="{3FB54B73-303B-4154-9AED-06108B42A359}" type="presParOf" srcId="{43484FC9-1A94-4170-A19A-405BEE3BCDDD}" destId="{571C7BC7-835E-4EBC-BFDC-A8906B97BC5F}" srcOrd="0" destOrd="0" presId="urn:microsoft.com/office/officeart/2005/8/layout/funnel1"/>
+    <dgm:cxn modelId="{B454F4F8-A4BD-487D-92FA-2CC6E422238D}" type="presParOf" srcId="{43484FC9-1A94-4170-A19A-405BEE3BCDDD}" destId="{4DE91573-F76F-4026-8941-FDDC137A47E4}" srcOrd="1" destOrd="0" presId="urn:microsoft.com/office/officeart/2005/8/layout/funnel1"/>
+    <dgm:cxn modelId="{ABBE4A8E-4698-49F4-A340-8D7968721F37}" type="presParOf" srcId="{43484FC9-1A94-4170-A19A-405BEE3BCDDD}" destId="{375E99DE-0465-4A0E-9213-ADD7140DC951}" srcOrd="2" destOrd="0" presId="urn:microsoft.com/office/officeart/2005/8/layout/funnel1"/>
+    <dgm:cxn modelId="{7CE3A4FE-4565-4F1E-B778-156597460DC0}" type="presParOf" srcId="{43484FC9-1A94-4170-A19A-405BEE3BCDDD}" destId="{EEFF9738-13B3-4A3C-B745-BA430F6F7E51}" srcOrd="3" destOrd="0" presId="urn:microsoft.com/office/officeart/2005/8/layout/funnel1"/>
+    <dgm:cxn modelId="{DED91D7F-AB44-445E-B882-06D158693D34}" type="presParOf" srcId="{43484FC9-1A94-4170-A19A-405BEE3BCDDD}" destId="{D1957E61-FF5C-4E9F-8C0B-89A40F2944AF}" srcOrd="4" destOrd="0" presId="urn:microsoft.com/office/officeart/2005/8/layout/funnel1"/>
+    <dgm:cxn modelId="{A6B6DAB2-232E-437F-A247-CABB29FE7BBE}" type="presParOf" srcId="{43484FC9-1A94-4170-A19A-405BEE3BCDDD}" destId="{1DF77DD4-42DA-4C2F-A2AD-618DA802347D}" srcOrd="5" destOrd="0" presId="urn:microsoft.com/office/officeart/2005/8/layout/funnel1"/>
+    <dgm:cxn modelId="{AC3D74B0-3B0A-4FAC-942F-BC78474809F7}" type="presParOf" srcId="{43484FC9-1A94-4170-A19A-405BEE3BCDDD}" destId="{DFFE7824-1935-459E-93CD-BD36A34B5DD1}" srcOrd="6" destOrd="0" presId="urn:microsoft.com/office/officeart/2005/8/layout/funnel1"/>
+  </dgm:cxnLst>
+  <dgm:bg/>
+  <dgm:whole/>
+  <dgm:extLst>
+    <a:ext uri="http://schemas.microsoft.com/office/drawing/2008/diagram">
+      <dsp:dataModelExt xmlns:dsp="http://schemas.microsoft.com/office/drawing/2008/diagram" relId="rId7" minVer="http://schemas.openxmlformats.org/drawingml/2006/diagram"/>
+    </a:ext>
+  </dgm:extLst>
+</dgm:dataModel>
+</file>
+
+<file path=ppt/diagrams/data5.xml><?xml version="1.0" encoding="utf-8"?>
+<dgm:dataModel xmlns:dgm="http://schemas.openxmlformats.org/drawingml/2006/diagram" xmlns:a="http://schemas.openxmlformats.org/drawingml/2006/main">
+  <dgm:ptLst>
     <dgm:pt modelId="{FF7764D9-07D2-455C-AE21-A7639F77AFDC}" type="doc">
       <dgm:prSet loTypeId="urn:diagrams.loki3.com/VaryingWidthList" loCatId="list" qsTypeId="urn:microsoft.com/office/officeart/2005/8/quickstyle/simple1" qsCatId="simple" csTypeId="urn:microsoft.com/office/officeart/2005/8/colors/accent1_2" csCatId="accent1" phldr="1"/>
       <dgm:spPr/>
@@ -5223,13 +6229,13 @@
   <dgm:whole/>
   <dgm:extLst>
     <a:ext uri="http://schemas.microsoft.com/office/drawing/2008/diagram">
-      <dsp:dataModelExt xmlns:dsp="http://schemas.microsoft.com/office/drawing/2008/diagram" relId="rId6" minVer="http://schemas.openxmlformats.org/drawingml/2006/diagram"/>
+      <dsp:dataModelExt xmlns:dsp="http://schemas.microsoft.com/office/drawing/2008/diagram" relId="rId7" minVer="http://schemas.openxmlformats.org/drawingml/2006/diagram"/>
     </a:ext>
   </dgm:extLst>
 </dgm:dataModel>
 </file>
 
-<file path=ppt/diagrams/data5.xml><?xml version="1.0" encoding="utf-8"?>
+<file path=ppt/diagrams/data6.xml><?xml version="1.0" encoding="utf-8"?>
 <dgm:dataModel xmlns:dgm="http://schemas.openxmlformats.org/drawingml/2006/diagram" xmlns:a="http://schemas.openxmlformats.org/drawingml/2006/main">
   <dgm:ptLst>
     <dgm:pt modelId="{FF7764D9-07D2-455C-AE21-A7639F77AFDC}" type="doc">
@@ -7037,6 +8043,500 @@
       <dsp:cNvGrpSpPr/>
     </dsp:nvGrpSpPr>
     <dsp:grpSpPr/>
+    <dsp:sp modelId="{571C7BC7-835E-4EBC-BFDC-A8906B97BC5F}">
+      <dsp:nvSpPr>
+        <dsp:cNvPr id="0" name=""/>
+        <dsp:cNvSpPr/>
+      </dsp:nvSpPr>
+      <dsp:spPr>
+        <a:xfrm>
+          <a:off x="1804115" y="231100"/>
+          <a:ext cx="4586459" cy="1592816"/>
+        </a:xfrm>
+        <a:prstGeom prst="ellipse">
+          <a:avLst/>
+        </a:prstGeom>
+        <a:solidFill>
+          <a:schemeClr val="accent1">
+            <a:tint val="50000"/>
+            <a:alpha val="40000"/>
+            <a:hueOff val="0"/>
+            <a:satOff val="0"/>
+            <a:lumOff val="0"/>
+            <a:alphaOff val="0"/>
+          </a:schemeClr>
+        </a:solidFill>
+        <a:ln>
+          <a:noFill/>
+        </a:ln>
+        <a:effectLst/>
+      </dsp:spPr>
+      <dsp:style>
+        <a:lnRef idx="0">
+          <a:scrgbClr r="0" g="0" b="0"/>
+        </a:lnRef>
+        <a:fillRef idx="1">
+          <a:scrgbClr r="0" g="0" b="0"/>
+        </a:fillRef>
+        <a:effectRef idx="0">
+          <a:scrgbClr r="0" g="0" b="0"/>
+        </a:effectRef>
+        <a:fontRef idx="minor"/>
+      </dsp:style>
+    </dsp:sp>
+    <dsp:sp modelId="{4DE91573-F76F-4026-8941-FDDC137A47E4}">
+      <dsp:nvSpPr>
+        <dsp:cNvPr id="0" name=""/>
+        <dsp:cNvSpPr/>
+      </dsp:nvSpPr>
+      <dsp:spPr>
+        <a:xfrm>
+          <a:off x="3660031" y="4131368"/>
+          <a:ext cx="888848" cy="568863"/>
+        </a:xfrm>
+        <a:prstGeom prst="downArrow">
+          <a:avLst/>
+        </a:prstGeom>
+        <a:solidFill>
+          <a:schemeClr val="accent1">
+            <a:tint val="60000"/>
+            <a:hueOff val="0"/>
+            <a:satOff val="0"/>
+            <a:lumOff val="0"/>
+            <a:alphaOff val="0"/>
+          </a:schemeClr>
+        </a:solidFill>
+        <a:ln w="42500" cap="flat" cmpd="sng" algn="ctr">
+          <a:solidFill>
+            <a:schemeClr val="lt1">
+              <a:hueOff val="0"/>
+              <a:satOff val="0"/>
+              <a:lumOff val="0"/>
+              <a:alphaOff val="0"/>
+            </a:schemeClr>
+          </a:solidFill>
+          <a:prstDash val="solid"/>
+        </a:ln>
+        <a:effectLst/>
+      </dsp:spPr>
+      <dsp:style>
+        <a:lnRef idx="2">
+          <a:scrgbClr r="0" g="0" b="0"/>
+        </a:lnRef>
+        <a:fillRef idx="1">
+          <a:scrgbClr r="0" g="0" b="0"/>
+        </a:fillRef>
+        <a:effectRef idx="0">
+          <a:scrgbClr r="0" g="0" b="0"/>
+        </a:effectRef>
+        <a:fontRef idx="minor"/>
+      </dsp:style>
+    </dsp:sp>
+    <dsp:sp modelId="{375E99DE-0465-4A0E-9213-ADD7140DC951}">
+      <dsp:nvSpPr>
+        <dsp:cNvPr id="0" name=""/>
+        <dsp:cNvSpPr/>
+      </dsp:nvSpPr>
+      <dsp:spPr>
+        <a:xfrm>
+          <a:off x="1971218" y="4586459"/>
+          <a:ext cx="4266474" cy="1066618"/>
+        </a:xfrm>
+        <a:prstGeom prst="rect">
+          <a:avLst/>
+        </a:prstGeom>
+        <a:noFill/>
+        <a:ln>
+          <a:noFill/>
+        </a:ln>
+        <a:effectLst/>
+      </dsp:spPr>
+      <dsp:style>
+        <a:lnRef idx="0">
+          <a:scrgbClr r="0" g="0" b="0"/>
+        </a:lnRef>
+        <a:fillRef idx="0">
+          <a:scrgbClr r="0" g="0" b="0"/>
+        </a:fillRef>
+        <a:effectRef idx="0">
+          <a:scrgbClr r="0" g="0" b="0"/>
+        </a:effectRef>
+        <a:fontRef idx="minor"/>
+      </dsp:style>
+      <dsp:txBody>
+        <a:bodyPr spcFirstLastPara="0" vert="horz" wrap="square" lIns="263144" tIns="263144" rIns="263144" bIns="263144" numCol="1" spcCol="1270" anchor="ctr" anchorCtr="0">
+          <a:noAutofit/>
+        </a:bodyPr>
+        <a:lstStyle/>
+        <a:p>
+          <a:pPr marL="0" lvl="0" indent="0" algn="ctr" defTabSz="1644650">
+            <a:lnSpc>
+              <a:spcPct val="90000"/>
+            </a:lnSpc>
+            <a:spcBef>
+              <a:spcPct val="0"/>
+            </a:spcBef>
+            <a:spcAft>
+              <a:spcPct val="35000"/>
+            </a:spcAft>
+            <a:buNone/>
+          </a:pPr>
+          <a:r>
+            <a:rPr lang="en-US" sz="3700" kern="1200" dirty="0"/>
+            <a:t>Sales Funnel</a:t>
+          </a:r>
+        </a:p>
+      </dsp:txBody>
+      <dsp:txXfrm>
+        <a:off x="1971218" y="4586459"/>
+        <a:ext cx="4266474" cy="1066618"/>
+      </dsp:txXfrm>
+    </dsp:sp>
+    <dsp:sp modelId="{EEFF9738-13B3-4A3C-B745-BA430F6F7E51}">
+      <dsp:nvSpPr>
+        <dsp:cNvPr id="0" name=""/>
+        <dsp:cNvSpPr/>
+      </dsp:nvSpPr>
+      <dsp:spPr>
+        <a:xfrm>
+          <a:off x="3471595" y="1946934"/>
+          <a:ext cx="1599927" cy="1599927"/>
+        </a:xfrm>
+        <a:prstGeom prst="ellipse">
+          <a:avLst/>
+        </a:prstGeom>
+        <a:solidFill>
+          <a:schemeClr val="accent1">
+            <a:hueOff val="0"/>
+            <a:satOff val="0"/>
+            <a:lumOff val="0"/>
+            <a:alphaOff val="0"/>
+          </a:schemeClr>
+        </a:solidFill>
+        <a:ln w="42500" cap="flat" cmpd="sng" algn="ctr">
+          <a:solidFill>
+            <a:schemeClr val="lt1">
+              <a:hueOff val="0"/>
+              <a:satOff val="0"/>
+              <a:lumOff val="0"/>
+              <a:alphaOff val="0"/>
+            </a:schemeClr>
+          </a:solidFill>
+          <a:prstDash val="solid"/>
+        </a:ln>
+        <a:effectLst/>
+      </dsp:spPr>
+      <dsp:style>
+        <a:lnRef idx="2">
+          <a:scrgbClr r="0" g="0" b="0"/>
+        </a:lnRef>
+        <a:fillRef idx="1">
+          <a:scrgbClr r="0" g="0" b="0"/>
+        </a:fillRef>
+        <a:effectRef idx="0">
+          <a:scrgbClr r="0" g="0" b="0"/>
+        </a:effectRef>
+        <a:fontRef idx="minor">
+          <a:schemeClr val="lt1"/>
+        </a:fontRef>
+      </dsp:style>
+      <dsp:txBody>
+        <a:bodyPr spcFirstLastPara="0" vert="horz" wrap="square" lIns="17780" tIns="17780" rIns="17780" bIns="17780" numCol="1" spcCol="1270" anchor="ctr" anchorCtr="0">
+          <a:noAutofit/>
+        </a:bodyPr>
+        <a:lstStyle/>
+        <a:p>
+          <a:pPr marL="0" lvl="0" indent="0" algn="ctr" defTabSz="622300">
+            <a:lnSpc>
+              <a:spcPct val="90000"/>
+            </a:lnSpc>
+            <a:spcBef>
+              <a:spcPct val="0"/>
+            </a:spcBef>
+            <a:spcAft>
+              <a:spcPct val="35000"/>
+            </a:spcAft>
+            <a:buNone/>
+          </a:pPr>
+          <a:r>
+            <a:rPr lang="en-US" sz="1400" kern="1200" dirty="0"/>
+            <a:t>Customer’s Feedback</a:t>
+          </a:r>
+        </a:p>
+      </dsp:txBody>
+      <dsp:txXfrm>
+        <a:off x="3705899" y="2181238"/>
+        <a:ext cx="1131319" cy="1131319"/>
+      </dsp:txXfrm>
+    </dsp:sp>
+    <dsp:sp modelId="{D1957E61-FF5C-4E9F-8C0B-89A40F2944AF}">
+      <dsp:nvSpPr>
+        <dsp:cNvPr id="0" name=""/>
+        <dsp:cNvSpPr/>
+      </dsp:nvSpPr>
+      <dsp:spPr>
+        <a:xfrm>
+          <a:off x="2326758" y="776119"/>
+          <a:ext cx="1599927" cy="1599927"/>
+        </a:xfrm>
+        <a:prstGeom prst="ellipse">
+          <a:avLst/>
+        </a:prstGeom>
+        <a:solidFill>
+          <a:schemeClr val="accent1">
+            <a:hueOff val="0"/>
+            <a:satOff val="0"/>
+            <a:lumOff val="0"/>
+            <a:alphaOff val="0"/>
+          </a:schemeClr>
+        </a:solidFill>
+        <a:ln w="42500" cap="flat" cmpd="sng" algn="ctr">
+          <a:solidFill>
+            <a:schemeClr val="lt1">
+              <a:hueOff val="0"/>
+              <a:satOff val="0"/>
+              <a:lumOff val="0"/>
+              <a:alphaOff val="0"/>
+            </a:schemeClr>
+          </a:solidFill>
+          <a:prstDash val="solid"/>
+        </a:ln>
+        <a:effectLst/>
+      </dsp:spPr>
+      <dsp:style>
+        <a:lnRef idx="2">
+          <a:scrgbClr r="0" g="0" b="0"/>
+        </a:lnRef>
+        <a:fillRef idx="1">
+          <a:scrgbClr r="0" g="0" b="0"/>
+        </a:fillRef>
+        <a:effectRef idx="0">
+          <a:scrgbClr r="0" g="0" b="0"/>
+        </a:effectRef>
+        <a:fontRef idx="minor">
+          <a:schemeClr val="lt1"/>
+        </a:fontRef>
+      </dsp:style>
+      <dsp:txBody>
+        <a:bodyPr spcFirstLastPara="0" vert="horz" wrap="square" lIns="17780" tIns="17780" rIns="17780" bIns="17780" numCol="1" spcCol="1270" anchor="ctr" anchorCtr="0">
+          <a:noAutofit/>
+        </a:bodyPr>
+        <a:lstStyle/>
+        <a:p>
+          <a:pPr marL="0" lvl="0" indent="0" algn="ctr" defTabSz="622300">
+            <a:lnSpc>
+              <a:spcPct val="90000"/>
+            </a:lnSpc>
+            <a:spcBef>
+              <a:spcPct val="0"/>
+            </a:spcBef>
+            <a:spcAft>
+              <a:spcPct val="35000"/>
+            </a:spcAft>
+            <a:buNone/>
+          </a:pPr>
+          <a:r>
+            <a:rPr lang="en-US" sz="1400" kern="1200" dirty="0"/>
+            <a:t>Social Media Ads</a:t>
+          </a:r>
+        </a:p>
+        <a:p>
+          <a:pPr marL="0" lvl="0" indent="0" algn="ctr" defTabSz="622300">
+            <a:lnSpc>
+              <a:spcPct val="90000"/>
+            </a:lnSpc>
+            <a:spcBef>
+              <a:spcPct val="0"/>
+            </a:spcBef>
+            <a:spcAft>
+              <a:spcPct val="35000"/>
+            </a:spcAft>
+            <a:buNone/>
+          </a:pPr>
+          <a:r>
+            <a:rPr lang="en-US" sz="1400" kern="1200" dirty="0"/>
+            <a:t>Influencer’s Blog</a:t>
+          </a:r>
+        </a:p>
+      </dsp:txBody>
+      <dsp:txXfrm>
+        <a:off x="2561062" y="1010423"/>
+        <a:ext cx="1131319" cy="1131319"/>
+      </dsp:txXfrm>
+    </dsp:sp>
+    <dsp:sp modelId="{1DF77DD4-42DA-4C2F-A2AD-618DA802347D}">
+      <dsp:nvSpPr>
+        <dsp:cNvPr id="0" name=""/>
+        <dsp:cNvSpPr/>
+      </dsp:nvSpPr>
+      <dsp:spPr>
+        <a:xfrm>
+          <a:off x="3962240" y="359805"/>
+          <a:ext cx="1599927" cy="1599927"/>
+        </a:xfrm>
+        <a:prstGeom prst="ellipse">
+          <a:avLst/>
+        </a:prstGeom>
+        <a:solidFill>
+          <a:schemeClr val="accent1">
+            <a:hueOff val="0"/>
+            <a:satOff val="0"/>
+            <a:lumOff val="0"/>
+            <a:alphaOff val="0"/>
+          </a:schemeClr>
+        </a:solidFill>
+        <a:ln w="42500" cap="flat" cmpd="sng" algn="ctr">
+          <a:solidFill>
+            <a:schemeClr val="lt1">
+              <a:hueOff val="0"/>
+              <a:satOff val="0"/>
+              <a:lumOff val="0"/>
+              <a:alphaOff val="0"/>
+            </a:schemeClr>
+          </a:solidFill>
+          <a:prstDash val="solid"/>
+        </a:ln>
+        <a:effectLst/>
+      </dsp:spPr>
+      <dsp:style>
+        <a:lnRef idx="2">
+          <a:scrgbClr r="0" g="0" b="0"/>
+        </a:lnRef>
+        <a:fillRef idx="1">
+          <a:scrgbClr r="0" g="0" b="0"/>
+        </a:fillRef>
+        <a:effectRef idx="0">
+          <a:scrgbClr r="0" g="0" b="0"/>
+        </a:effectRef>
+        <a:fontRef idx="minor">
+          <a:schemeClr val="lt1"/>
+        </a:fontRef>
+      </dsp:style>
+      <dsp:txBody>
+        <a:bodyPr spcFirstLastPara="0" vert="horz" wrap="square" lIns="17780" tIns="17780" rIns="17780" bIns="17780" numCol="1" spcCol="1270" anchor="ctr" anchorCtr="0">
+          <a:noAutofit/>
+        </a:bodyPr>
+        <a:lstStyle/>
+        <a:p>
+          <a:pPr marL="0" lvl="0" indent="0" algn="ctr" defTabSz="622300">
+            <a:lnSpc>
+              <a:spcPct val="90000"/>
+            </a:lnSpc>
+            <a:spcBef>
+              <a:spcPct val="0"/>
+            </a:spcBef>
+            <a:spcAft>
+              <a:spcPct val="35000"/>
+            </a:spcAft>
+            <a:buNone/>
+          </a:pPr>
+          <a:r>
+            <a:rPr lang="en-US" sz="1400" kern="1200" dirty="0"/>
+            <a:t>Travel Agency</a:t>
+          </a:r>
+        </a:p>
+        <a:p>
+          <a:pPr marL="0" lvl="0" indent="0" algn="ctr" defTabSz="622300">
+            <a:lnSpc>
+              <a:spcPct val="90000"/>
+            </a:lnSpc>
+            <a:spcBef>
+              <a:spcPct val="0"/>
+            </a:spcBef>
+            <a:spcAft>
+              <a:spcPct val="35000"/>
+            </a:spcAft>
+            <a:buNone/>
+          </a:pPr>
+          <a:r>
+            <a:rPr lang="en-US" sz="1400" kern="1200" dirty="0"/>
+            <a:t>Travel Company Website</a:t>
+          </a:r>
+        </a:p>
+        <a:p>
+          <a:pPr marL="0" lvl="0" indent="0" algn="ctr" defTabSz="622300">
+            <a:lnSpc>
+              <a:spcPct val="90000"/>
+            </a:lnSpc>
+            <a:spcBef>
+              <a:spcPct val="0"/>
+            </a:spcBef>
+            <a:spcAft>
+              <a:spcPct val="35000"/>
+            </a:spcAft>
+            <a:buNone/>
+          </a:pPr>
+          <a:r>
+            <a:rPr lang="en-US" sz="1400" kern="1200" dirty="0"/>
+            <a:t>D.O.T</a:t>
+          </a:r>
+        </a:p>
+      </dsp:txBody>
+      <dsp:txXfrm>
+        <a:off x="4196544" y="594109"/>
+        <a:ext cx="1131319" cy="1131319"/>
+      </dsp:txXfrm>
+    </dsp:sp>
+    <dsp:sp modelId="{DFFE7824-1935-459E-93CD-BD36A34B5DD1}">
+      <dsp:nvSpPr>
+        <dsp:cNvPr id="0" name=""/>
+        <dsp:cNvSpPr/>
+      </dsp:nvSpPr>
+      <dsp:spPr>
+        <a:xfrm>
+          <a:off x="1628521" y="19625"/>
+          <a:ext cx="4977553" cy="3982042"/>
+        </a:xfrm>
+        <a:prstGeom prst="funnel">
+          <a:avLst/>
+        </a:prstGeom>
+        <a:solidFill>
+          <a:schemeClr val="lt1">
+            <a:alpha val="40000"/>
+            <a:hueOff val="0"/>
+            <a:satOff val="0"/>
+            <a:lumOff val="0"/>
+            <a:alphaOff val="0"/>
+          </a:schemeClr>
+        </a:solidFill>
+        <a:ln w="9525" cap="flat" cmpd="sng" algn="ctr">
+          <a:solidFill>
+            <a:schemeClr val="accent1">
+              <a:hueOff val="0"/>
+              <a:satOff val="0"/>
+              <a:lumOff val="0"/>
+              <a:alphaOff val="0"/>
+            </a:schemeClr>
+          </a:solidFill>
+          <a:prstDash val="solid"/>
+        </a:ln>
+        <a:effectLst/>
+      </dsp:spPr>
+      <dsp:style>
+        <a:lnRef idx="1">
+          <a:scrgbClr r="0" g="0" b="0"/>
+        </a:lnRef>
+        <a:fillRef idx="1">
+          <a:scrgbClr r="0" g="0" b="0"/>
+        </a:fillRef>
+        <a:effectRef idx="0">
+          <a:scrgbClr r="0" g="0" b="0"/>
+        </a:effectRef>
+        <a:fontRef idx="minor"/>
+      </dsp:style>
+    </dsp:sp>
+  </dsp:spTree>
+</dsp:drawing>
+</file>
+
+<file path=ppt/diagrams/drawing5.xml><?xml version="1.0" encoding="utf-8"?>
+<dsp:drawing xmlns:dgm="http://schemas.openxmlformats.org/drawingml/2006/diagram" xmlns:dsp="http://schemas.microsoft.com/office/drawing/2008/diagram" xmlns:a="http://schemas.openxmlformats.org/drawingml/2006/main">
+  <dsp:spTree>
+    <dsp:nvGrpSpPr>
+      <dsp:cNvPr id="0" name=""/>
+      <dsp:cNvGrpSpPr/>
+    </dsp:nvGrpSpPr>
+    <dsp:grpSpPr/>
     <dsp:sp modelId="{3479001B-9D36-4F74-983E-DAA29F9FC5C5}">
       <dsp:nvSpPr>
         <dsp:cNvPr id="0" name=""/>
@@ -7426,7 +8926,7 @@
 </dsp:drawing>
 </file>
 
-<file path=ppt/diagrams/drawing5.xml><?xml version="1.0" encoding="utf-8"?>
+<file path=ppt/diagrams/drawing6.xml><?xml version="1.0" encoding="utf-8"?>
 <dsp:drawing xmlns:dgm="http://schemas.openxmlformats.org/drawingml/2006/diagram" xmlns:dsp="http://schemas.microsoft.com/office/drawing/2008/diagram" xmlns:a="http://schemas.openxmlformats.org/drawingml/2006/main">
   <dsp:spTree>
     <dsp:nvGrpSpPr>
@@ -8211,6 +9711,324 @@
 </file>
 
 <file path=ppt/diagrams/layout4.xml><?xml version="1.0" encoding="utf-8"?>
+<dgm:layoutDef xmlns:dgm="http://schemas.openxmlformats.org/drawingml/2006/diagram" xmlns:a="http://schemas.openxmlformats.org/drawingml/2006/main" uniqueId="urn:microsoft.com/office/officeart/2005/8/layout/funnel1">
+  <dgm:title val=""/>
+  <dgm:desc val=""/>
+  <dgm:catLst>
+    <dgm:cat type="relationship" pri="2000"/>
+    <dgm:cat type="process" pri="27000"/>
+  </dgm:catLst>
+  <dgm:sampData>
+    <dgm:dataModel>
+      <dgm:ptLst>
+        <dgm:pt modelId="0" type="doc"/>
+        <dgm:pt modelId="1">
+          <dgm:prSet phldr="1"/>
+        </dgm:pt>
+        <dgm:pt modelId="2">
+          <dgm:prSet phldr="1"/>
+        </dgm:pt>
+        <dgm:pt modelId="3">
+          <dgm:prSet phldr="1"/>
+        </dgm:pt>
+        <dgm:pt modelId="4">
+          <dgm:prSet phldr="1"/>
+        </dgm:pt>
+      </dgm:ptLst>
+      <dgm:cxnLst>
+        <dgm:cxn modelId="5" srcId="0" destId="1" srcOrd="0" destOrd="0"/>
+        <dgm:cxn modelId="6" srcId="0" destId="2" srcOrd="1" destOrd="0"/>
+        <dgm:cxn modelId="7" srcId="0" destId="3" srcOrd="2" destOrd="0"/>
+        <dgm:cxn modelId="8" srcId="0" destId="4" srcOrd="3" destOrd="0"/>
+      </dgm:cxnLst>
+      <dgm:bg/>
+      <dgm:whole/>
+    </dgm:dataModel>
+  </dgm:sampData>
+  <dgm:styleData>
+    <dgm:dataModel>
+      <dgm:ptLst>
+        <dgm:pt modelId="0" type="doc"/>
+        <dgm:pt modelId="1"/>
+        <dgm:pt modelId="2"/>
+      </dgm:ptLst>
+      <dgm:cxnLst>
+        <dgm:cxn modelId="3" srcId="0" destId="1" srcOrd="0" destOrd="0"/>
+        <dgm:cxn modelId="4" srcId="0" destId="2" srcOrd="1" destOrd="0"/>
+      </dgm:cxnLst>
+      <dgm:bg/>
+      <dgm:whole/>
+    </dgm:dataModel>
+  </dgm:styleData>
+  <dgm:clrData>
+    <dgm:dataModel>
+      <dgm:ptLst>
+        <dgm:pt modelId="0" type="doc"/>
+        <dgm:pt modelId="1"/>
+        <dgm:pt modelId="2"/>
+        <dgm:pt modelId="3"/>
+        <dgm:pt modelId="4"/>
+      </dgm:ptLst>
+      <dgm:cxnLst>
+        <dgm:cxn modelId="5" srcId="0" destId="1" srcOrd="0" destOrd="0"/>
+        <dgm:cxn modelId="6" srcId="0" destId="2" srcOrd="1" destOrd="0"/>
+        <dgm:cxn modelId="7" srcId="0" destId="3" srcOrd="2" destOrd="0"/>
+        <dgm:cxn modelId="8" srcId="0" destId="4" srcOrd="3" destOrd="0"/>
+      </dgm:cxnLst>
+      <dgm:bg/>
+      <dgm:whole/>
+    </dgm:dataModel>
+  </dgm:clrData>
+  <dgm:layoutNode name="Name0">
+    <dgm:varLst>
+      <dgm:chMax val="4"/>
+      <dgm:resizeHandles val="exact"/>
+    </dgm:varLst>
+    <dgm:alg type="composite">
+      <dgm:param type="ar" val="1.25"/>
+    </dgm:alg>
+    <dgm:shape xmlns:r="http://schemas.openxmlformats.org/officeDocument/2006/relationships" r:blip="">
+      <dgm:adjLst/>
+    </dgm:shape>
+    <dgm:presOf/>
+    <dgm:choose name="Name1">
+      <dgm:if name="Name2" axis="ch" ptType="node" func="cnt" op="equ" val="2">
+        <dgm:constrLst>
+          <dgm:constr type="w" for="ch" forName="ellipse" refType="w" fact="0.645"/>
+          <dgm:constr type="h" for="ch" forName="ellipse" refType="h" fact="0.28"/>
+          <dgm:constr type="t" for="ch" forName="ellipse" refType="w" fact="0.0275"/>
+          <dgm:constr type="l" for="ch" forName="ellipse" refType="w" fact="0.0265"/>
+          <dgm:constr type="w" for="ch" forName="arrow1" refType="w" fact="0.125"/>
+          <dgm:constr type="h" for="ch" forName="arrow1" refType="h" fact="0.1"/>
+          <dgm:constr type="t" for="ch" forName="arrow1" refType="h" fact="0.72"/>
+          <dgm:constr type="l" for="ch" forName="arrow1" refType="w" fact="0.2875"/>
+          <dgm:constr type="w" for="ch" forName="rectangle" refType="w" fact="0.6"/>
+          <dgm:constr type="h" for="ch" forName="rectangle" refType="w" refFor="ch" refForName="rectangle" fact="0.25"/>
+          <dgm:constr type="t" for="ch" forName="rectangle" refType="h" fact="0.8"/>
+          <dgm:constr type="l" for="ch" forName="rectangle" refType="w" fact="0.05"/>
+          <dgm:constr type="w" for="ch" forName="item1" refType="w" fact="0.35"/>
+          <dgm:constr type="h" for="ch" forName="item1" refType="w" fact="0.35"/>
+          <dgm:constr type="t" for="ch" forName="item1" refType="h" fact="0.05"/>
+          <dgm:constr type="l" for="ch" forName="item1" refType="w" fact="0.125"/>
+          <dgm:constr type="primFontSz" for="ch" forName="item1" op="equ" val="65"/>
+          <dgm:constr type="w" for="ch" forName="funnel" refType="w" fact="0.7"/>
+          <dgm:constr type="h" for="ch" forName="funnel" refType="h" fact="0.7"/>
+          <dgm:constr type="t" for="ch" forName="funnel"/>
+          <dgm:constr type="l" for="ch" forName="funnel"/>
+        </dgm:constrLst>
+      </dgm:if>
+      <dgm:else name="Name3">
+        <dgm:constrLst>
+          <dgm:constr type="w" for="ch" forName="ellipse" refType="w" fact="0.645"/>
+          <dgm:constr type="h" for="ch" forName="ellipse" refType="h" fact="0.28"/>
+          <dgm:constr type="t" for="ch" forName="ellipse" refType="w" fact="0.0275"/>
+          <dgm:constr type="l" for="ch" forName="ellipse" refType="w" fact="0.0265"/>
+          <dgm:constr type="w" for="ch" forName="arrow1" refType="w" fact="0.125"/>
+          <dgm:constr type="h" for="ch" forName="arrow1" refType="h" fact="0.1"/>
+          <dgm:constr type="t" for="ch" forName="arrow1" refType="h" fact="0.72"/>
+          <dgm:constr type="l" for="ch" forName="arrow1" refType="w" fact="0.2875"/>
+          <dgm:constr type="w" for="ch" forName="rectangle" refType="w" fact="0.6"/>
+          <dgm:constr type="h" for="ch" forName="rectangle" refType="w" refFor="ch" refForName="rectangle" fact="0.25"/>
+          <dgm:constr type="t" for="ch" forName="rectangle" refType="h" fact="0.8"/>
+          <dgm:constr type="l" for="ch" forName="rectangle" refType="w" fact="0.05"/>
+          <dgm:constr type="primFontSz" for="ch" forName="rectangle" val="65"/>
+          <dgm:constr type="w" for="ch" forName="item1" refType="w" fact="0.225"/>
+          <dgm:constr type="h" for="ch" forName="item1" refType="w" fact="0.225"/>
+          <dgm:constr type="t" for="ch" forName="item1" refType="h" fact="0.336"/>
+          <dgm:constr type="l" for="ch" forName="item1" refType="w" fact="0.261"/>
+          <dgm:constr type="primFontSz" for="ch" forName="item1" val="65"/>
+          <dgm:constr type="w" for="ch" forName="item2" refType="w" fact="0.225"/>
+          <dgm:constr type="h" for="ch" forName="item2" refType="w" fact="0.225"/>
+          <dgm:constr type="t" for="ch" forName="item2" refType="h" fact="0.125"/>
+          <dgm:constr type="l" for="ch" forName="item2" refType="w" fact="0.1"/>
+          <dgm:constr type="primFontSz" for="ch" forName="item2" refType="primFontSz" refFor="ch" refForName="item1" op="equ"/>
+          <dgm:constr type="w" for="ch" forName="item3" refType="w" fact="0.225"/>
+          <dgm:constr type="h" for="ch" forName="item3" refType="w" fact="0.225"/>
+          <dgm:constr type="t" for="ch" forName="item3" refType="h" fact="0.057"/>
+          <dgm:constr type="l" for="ch" forName="item3" refType="w" fact="0.33"/>
+          <dgm:constr type="primFontSz" for="ch" forName="item3" refType="primFontSz" refFor="ch" refForName="item1" op="equ"/>
+          <dgm:constr type="w" for="ch" forName="funnel" refType="w" fact="0.7"/>
+          <dgm:constr type="h" for="ch" forName="funnel" refType="h" fact="0.7"/>
+          <dgm:constr type="t" for="ch" forName="funnel"/>
+          <dgm:constr type="l" for="ch" forName="funnel"/>
+        </dgm:constrLst>
+      </dgm:else>
+    </dgm:choose>
+    <dgm:ruleLst/>
+    <dgm:choose name="Name4">
+      <dgm:if name="Name5" axis="ch" ptType="node" func="cnt" op="gte" val="1">
+        <dgm:layoutNode name="ellipse" styleLbl="trBgShp">
+          <dgm:alg type="sp"/>
+          <dgm:shape xmlns:r="http://schemas.openxmlformats.org/officeDocument/2006/relationships" type="ellipse" r:blip="">
+            <dgm:adjLst/>
+          </dgm:shape>
+          <dgm:presOf/>
+          <dgm:constrLst/>
+          <dgm:ruleLst/>
+        </dgm:layoutNode>
+        <dgm:layoutNode name="arrow1" styleLbl="fgShp">
+          <dgm:alg type="sp"/>
+          <dgm:shape xmlns:r="http://schemas.openxmlformats.org/officeDocument/2006/relationships" type="downArrow" r:blip="">
+            <dgm:adjLst/>
+          </dgm:shape>
+          <dgm:presOf/>
+          <dgm:constrLst/>
+          <dgm:ruleLst/>
+        </dgm:layoutNode>
+        <dgm:layoutNode name="rectangle" styleLbl="revTx">
+          <dgm:varLst>
+            <dgm:bulletEnabled val="1"/>
+          </dgm:varLst>
+          <dgm:alg type="tx">
+            <dgm:param type="txAnchorHorzCh" val="ctr"/>
+          </dgm:alg>
+          <dgm:shape xmlns:r="http://schemas.openxmlformats.org/officeDocument/2006/relationships" type="rect" r:blip="">
+            <dgm:adjLst/>
+          </dgm:shape>
+          <dgm:choose name="Name6">
+            <dgm:if name="Name7" axis="ch" ptType="node" func="cnt" op="equ" val="1">
+              <dgm:presOf axis="ch desOrSelf" ptType="node node" st="1 1" cnt="1 0"/>
+            </dgm:if>
+            <dgm:if name="Name8" axis="ch" ptType="node" func="cnt" op="equ" val="2">
+              <dgm:presOf axis="ch desOrSelf" ptType="node node" st="2 1" cnt="1 0"/>
+            </dgm:if>
+            <dgm:if name="Name9" axis="ch" ptType="node" func="cnt" op="equ" val="3">
+              <dgm:presOf axis="ch desOrSelf" ptType="node node" st="3 1" cnt="1 0"/>
+            </dgm:if>
+            <dgm:else name="Name10">
+              <dgm:presOf axis="ch desOrSelf" ptType="node node" st="4 1" cnt="1 0"/>
+            </dgm:else>
+          </dgm:choose>
+          <dgm:constrLst/>
+          <dgm:ruleLst>
+            <dgm:rule type="primFontSz" val="5" fact="NaN" max="NaN"/>
+          </dgm:ruleLst>
+        </dgm:layoutNode>
+        <dgm:forEach name="Name11" axis="ch" ptType="node" st="2" cnt="1">
+          <dgm:layoutNode name="item1" styleLbl="node1">
+            <dgm:varLst>
+              <dgm:bulletEnabled val="1"/>
+            </dgm:varLst>
+            <dgm:alg type="tx">
+              <dgm:param type="txAnchorVertCh" val="mid"/>
+            </dgm:alg>
+            <dgm:shape xmlns:r="http://schemas.openxmlformats.org/officeDocument/2006/relationships" type="ellipse" r:blip="">
+              <dgm:adjLst/>
+            </dgm:shape>
+            <dgm:choose name="Name12">
+              <dgm:if name="Name13" axis="root ch" ptType="all node" func="cnt" op="equ" val="1">
+                <dgm:presOf/>
+              </dgm:if>
+              <dgm:if name="Name14" axis="root ch" ptType="all node" func="cnt" op="equ" val="2">
+                <dgm:presOf axis="root ch desOrSelf" ptType="all node node" st="1 1 1" cnt="0 1 0"/>
+              </dgm:if>
+              <dgm:if name="Name15" axis="root ch" ptType="all node" func="cnt" op="equ" val="3">
+                <dgm:presOf axis="root ch desOrSelf" ptType="all node node" st="1 2 1" cnt="0 1 0"/>
+              </dgm:if>
+              <dgm:else name="Name16">
+                <dgm:presOf axis="root ch desOrSelf" ptType="all node node" st="1 3 1" cnt="0 1 0"/>
+              </dgm:else>
+            </dgm:choose>
+            <dgm:constrLst>
+              <dgm:constr type="tMarg" refType="primFontSz" fact="0.1"/>
+              <dgm:constr type="bMarg" refType="primFontSz" fact="0.1"/>
+              <dgm:constr type="lMarg" refType="primFontSz" fact="0.1"/>
+              <dgm:constr type="rMarg" refType="primFontSz" fact="0.1"/>
+            </dgm:constrLst>
+            <dgm:ruleLst>
+              <dgm:rule type="primFontSz" val="5" fact="NaN" max="NaN"/>
+            </dgm:ruleLst>
+          </dgm:layoutNode>
+        </dgm:forEach>
+        <dgm:forEach name="Name17" axis="ch" ptType="node" st="3" cnt="1">
+          <dgm:layoutNode name="item2" styleLbl="node1">
+            <dgm:varLst>
+              <dgm:bulletEnabled val="1"/>
+            </dgm:varLst>
+            <dgm:alg type="tx">
+              <dgm:param type="txAnchorVertCh" val="mid"/>
+            </dgm:alg>
+            <dgm:shape xmlns:r="http://schemas.openxmlformats.org/officeDocument/2006/relationships" type="ellipse" r:blip="">
+              <dgm:adjLst/>
+            </dgm:shape>
+            <dgm:choose name="Name18">
+              <dgm:if name="Name19" axis="root ch" ptType="all node" func="cnt" op="equ" val="1">
+                <dgm:presOf/>
+              </dgm:if>
+              <dgm:if name="Name20" axis="root ch" ptType="all node" func="cnt" op="equ" val="2">
+                <dgm:presOf/>
+              </dgm:if>
+              <dgm:if name="Name21" axis="root ch" ptType="all node" func="cnt" op="equ" val="3">
+                <dgm:presOf axis="root ch desOrSelf" ptType="all node node" st="1 1 1" cnt="0 1 0"/>
+              </dgm:if>
+              <dgm:else name="Name22">
+                <dgm:presOf axis="root ch desOrSelf" ptType="all node node" st="1 2 1" cnt="0 1 0"/>
+              </dgm:else>
+            </dgm:choose>
+            <dgm:constrLst>
+              <dgm:constr type="tMarg" refType="primFontSz" fact="0.1"/>
+              <dgm:constr type="bMarg" refType="primFontSz" fact="0.1"/>
+              <dgm:constr type="lMarg" refType="primFontSz" fact="0.1"/>
+              <dgm:constr type="rMarg" refType="primFontSz" fact="0.1"/>
+            </dgm:constrLst>
+            <dgm:ruleLst>
+              <dgm:rule type="primFontSz" val="5" fact="NaN" max="NaN"/>
+            </dgm:ruleLst>
+          </dgm:layoutNode>
+        </dgm:forEach>
+        <dgm:forEach name="Name23" axis="ch" ptType="node" st="4" cnt="1">
+          <dgm:layoutNode name="item3" styleLbl="node1">
+            <dgm:varLst>
+              <dgm:bulletEnabled val="1"/>
+            </dgm:varLst>
+            <dgm:alg type="tx">
+              <dgm:param type="txAnchorVertCh" val="mid"/>
+            </dgm:alg>
+            <dgm:shape xmlns:r="http://schemas.openxmlformats.org/officeDocument/2006/relationships" type="ellipse" r:blip="">
+              <dgm:adjLst/>
+            </dgm:shape>
+            <dgm:choose name="Name24">
+              <dgm:if name="Name25" axis="root ch" ptType="all node" func="cnt" op="equ" val="1">
+                <dgm:presOf/>
+              </dgm:if>
+              <dgm:if name="Name26" axis="root ch" ptType="all node" func="cnt" op="equ" val="2">
+                <dgm:presOf/>
+              </dgm:if>
+              <dgm:if name="Name27" axis="root ch" ptType="all node" func="cnt" op="equ" val="3">
+                <dgm:presOf/>
+              </dgm:if>
+              <dgm:else name="Name28">
+                <dgm:presOf axis="root ch desOrSelf" ptType="all node node" st="1 1 1" cnt="0 1 0"/>
+              </dgm:else>
+            </dgm:choose>
+            <dgm:constrLst>
+              <dgm:constr type="tMarg" refType="primFontSz" fact="0.1"/>
+              <dgm:constr type="bMarg" refType="primFontSz" fact="0.1"/>
+              <dgm:constr type="lMarg" refType="primFontSz" fact="0.1"/>
+              <dgm:constr type="rMarg" refType="primFontSz" fact="0.1"/>
+            </dgm:constrLst>
+            <dgm:ruleLst>
+              <dgm:rule type="primFontSz" val="5" fact="NaN" max="NaN"/>
+            </dgm:ruleLst>
+          </dgm:layoutNode>
+        </dgm:forEach>
+        <dgm:layoutNode name="funnel" styleLbl="trAlignAcc1">
+          <dgm:alg type="sp"/>
+          <dgm:shape xmlns:r="http://schemas.openxmlformats.org/officeDocument/2006/relationships" type="funnel" r:blip="">
+            <dgm:adjLst/>
+          </dgm:shape>
+          <dgm:presOf/>
+          <dgm:constrLst/>
+          <dgm:ruleLst/>
+        </dgm:layoutNode>
+      </dgm:if>
+      <dgm:else name="Name29"/>
+    </dgm:choose>
+  </dgm:layoutNode>
+</dgm:layoutDef>
+</file>
+
+<file path=ppt/diagrams/layout5.xml><?xml version="1.0" encoding="utf-8"?>
 <dgm:layoutDef xmlns:dgm="http://schemas.openxmlformats.org/drawingml/2006/diagram" xmlns:a="http://schemas.openxmlformats.org/drawingml/2006/main" uniqueId="urn:diagrams.loki3.com/VaryingWidthList">
   <dgm:title val="Varying Width List"/>
   <dgm:desc val="Use for emphasizing items of different weights.  Good for large amounts of Level 1 text.  The width of each shape is independently determined based on its text."/>
@@ -8296,7 +10114,7 @@
 </dgm:layoutDef>
 </file>
 
-<file path=ppt/diagrams/layout5.xml><?xml version="1.0" encoding="utf-8"?>
+<file path=ppt/diagrams/layout6.xml><?xml version="1.0" encoding="utf-8"?>
 <dgm:layoutDef xmlns:dgm="http://schemas.openxmlformats.org/drawingml/2006/diagram" xmlns:a="http://schemas.openxmlformats.org/drawingml/2006/main" uniqueId="urn:diagrams.loki3.com/VaryingWidthList">
   <dgm:title val="Varying Width List"/>
   <dgm:desc val="Use for emphasizing items of different weights.  Good for large amounts of Level 1 text.  The width of each shape is independently determined based on its text."/>
@@ -12519,6 +14337,1040 @@
 </file>
 
 <file path=ppt/diagrams/quickStyle5.xml><?xml version="1.0" encoding="utf-8"?>
+<dgm:styleDef xmlns:dgm="http://schemas.openxmlformats.org/drawingml/2006/diagram" xmlns:a="http://schemas.openxmlformats.org/drawingml/2006/main" uniqueId="urn:microsoft.com/office/officeart/2005/8/quickstyle/simple1">
+  <dgm:title val=""/>
+  <dgm:desc val=""/>
+  <dgm:catLst>
+    <dgm:cat type="simple" pri="10100"/>
+  </dgm:catLst>
+  <dgm:scene3d>
+    <a:camera prst="orthographicFront"/>
+    <a:lightRig rig="threePt" dir="t"/>
+  </dgm:scene3d>
+  <dgm:styleLbl name="node0">
+    <dgm:scene3d>
+      <a:camera prst="orthographicFront"/>
+      <a:lightRig rig="threePt" dir="t"/>
+    </dgm:scene3d>
+    <dgm:sp3d/>
+    <dgm:txPr/>
+    <dgm:style>
+      <a:lnRef idx="2">
+        <a:scrgbClr r="0" g="0" b="0"/>
+      </a:lnRef>
+      <a:fillRef idx="1">
+        <a:scrgbClr r="0" g="0" b="0"/>
+      </a:fillRef>
+      <a:effectRef idx="0">
+        <a:scrgbClr r="0" g="0" b="0"/>
+      </a:effectRef>
+      <a:fontRef idx="minor">
+        <a:schemeClr val="lt1"/>
+      </a:fontRef>
+    </dgm:style>
+  </dgm:styleLbl>
+  <dgm:styleLbl name="lnNode1">
+    <dgm:scene3d>
+      <a:camera prst="orthographicFront"/>
+      <a:lightRig rig="threePt" dir="t"/>
+    </dgm:scene3d>
+    <dgm:sp3d/>
+    <dgm:txPr/>
+    <dgm:style>
+      <a:lnRef idx="2">
+        <a:scrgbClr r="0" g="0" b="0"/>
+      </a:lnRef>
+      <a:fillRef idx="1">
+        <a:scrgbClr r="0" g="0" b="0"/>
+      </a:fillRef>
+      <a:effectRef idx="0">
+        <a:scrgbClr r="0" g="0" b="0"/>
+      </a:effectRef>
+      <a:fontRef idx="minor">
+        <a:schemeClr val="lt1"/>
+      </a:fontRef>
+    </dgm:style>
+  </dgm:styleLbl>
+  <dgm:styleLbl name="vennNode1">
+    <dgm:scene3d>
+      <a:camera prst="orthographicFront"/>
+      <a:lightRig rig="threePt" dir="t"/>
+    </dgm:scene3d>
+    <dgm:sp3d/>
+    <dgm:txPr/>
+    <dgm:style>
+      <a:lnRef idx="2">
+        <a:scrgbClr r="0" g="0" b="0"/>
+      </a:lnRef>
+      <a:fillRef idx="1">
+        <a:scrgbClr r="0" g="0" b="0"/>
+      </a:fillRef>
+      <a:effectRef idx="0">
+        <a:scrgbClr r="0" g="0" b="0"/>
+      </a:effectRef>
+      <a:fontRef idx="minor">
+        <a:schemeClr val="tx1"/>
+      </a:fontRef>
+    </dgm:style>
+  </dgm:styleLbl>
+  <dgm:styleLbl name="alignNode1">
+    <dgm:scene3d>
+      <a:camera prst="orthographicFront"/>
+      <a:lightRig rig="threePt" dir="t"/>
+    </dgm:scene3d>
+    <dgm:sp3d/>
+    <dgm:txPr/>
+    <dgm:style>
+      <a:lnRef idx="2">
+        <a:scrgbClr r="0" g="0" b="0"/>
+      </a:lnRef>
+      <a:fillRef idx="1">
+        <a:scrgbClr r="0" g="0" b="0"/>
+      </a:fillRef>
+      <a:effectRef idx="0">
+        <a:scrgbClr r="0" g="0" b="0"/>
+      </a:effectRef>
+      <a:fontRef idx="minor">
+        <a:schemeClr val="lt1"/>
+      </a:fontRef>
+    </dgm:style>
+  </dgm:styleLbl>
+  <dgm:styleLbl name="node1">
+    <dgm:scene3d>
+      <a:camera prst="orthographicFront"/>
+      <a:lightRig rig="threePt" dir="t"/>
+    </dgm:scene3d>
+    <dgm:sp3d/>
+    <dgm:txPr/>
+    <dgm:style>
+      <a:lnRef idx="2">
+        <a:scrgbClr r="0" g="0" b="0"/>
+      </a:lnRef>
+      <a:fillRef idx="1">
+        <a:scrgbClr r="0" g="0" b="0"/>
+      </a:fillRef>
+      <a:effectRef idx="0">
+        <a:scrgbClr r="0" g="0" b="0"/>
+      </a:effectRef>
+      <a:fontRef idx="minor">
+        <a:schemeClr val="lt1"/>
+      </a:fontRef>
+    </dgm:style>
+  </dgm:styleLbl>
+  <dgm:styleLbl name="node2">
+    <dgm:scene3d>
+      <a:camera prst="orthographicFront"/>
+      <a:lightRig rig="threePt" dir="t"/>
+    </dgm:scene3d>
+    <dgm:sp3d/>
+    <dgm:txPr/>
+    <dgm:style>
+      <a:lnRef idx="2">
+        <a:scrgbClr r="0" g="0" b="0"/>
+      </a:lnRef>
+      <a:fillRef idx="1">
+        <a:scrgbClr r="0" g="0" b="0"/>
+      </a:fillRef>
+      <a:effectRef idx="0">
+        <a:scrgbClr r="0" g="0" b="0"/>
+      </a:effectRef>
+      <a:fontRef idx="minor">
+        <a:schemeClr val="lt1"/>
+      </a:fontRef>
+    </dgm:style>
+  </dgm:styleLbl>
+  <dgm:styleLbl name="node3">
+    <dgm:scene3d>
+      <a:camera prst="orthographicFront"/>
+      <a:lightRig rig="threePt" dir="t"/>
+    </dgm:scene3d>
+    <dgm:sp3d/>
+    <dgm:txPr/>
+    <dgm:style>
+      <a:lnRef idx="2">
+        <a:scrgbClr r="0" g="0" b="0"/>
+      </a:lnRef>
+      <a:fillRef idx="1">
+        <a:scrgbClr r="0" g="0" b="0"/>
+      </a:fillRef>
+      <a:effectRef idx="0">
+        <a:scrgbClr r="0" g="0" b="0"/>
+      </a:effectRef>
+      <a:fontRef idx="minor">
+        <a:schemeClr val="lt1"/>
+      </a:fontRef>
+    </dgm:style>
+  </dgm:styleLbl>
+  <dgm:styleLbl name="node4">
+    <dgm:scene3d>
+      <a:camera prst="orthographicFront"/>
+      <a:lightRig rig="threePt" dir="t"/>
+    </dgm:scene3d>
+    <dgm:sp3d/>
+    <dgm:txPr/>
+    <dgm:style>
+      <a:lnRef idx="2">
+        <a:scrgbClr r="0" g="0" b="0"/>
+      </a:lnRef>
+      <a:fillRef idx="1">
+        <a:scrgbClr r="0" g="0" b="0"/>
+      </a:fillRef>
+      <a:effectRef idx="0">
+        <a:scrgbClr r="0" g="0" b="0"/>
+      </a:effectRef>
+      <a:fontRef idx="minor">
+        <a:schemeClr val="lt1"/>
+      </a:fontRef>
+    </dgm:style>
+  </dgm:styleLbl>
+  <dgm:styleLbl name="fgImgPlace1">
+    <dgm:scene3d>
+      <a:camera prst="orthographicFront"/>
+      <a:lightRig rig="threePt" dir="t"/>
+    </dgm:scene3d>
+    <dgm:sp3d/>
+    <dgm:txPr/>
+    <dgm:style>
+      <a:lnRef idx="2">
+        <a:scrgbClr r="0" g="0" b="0"/>
+      </a:lnRef>
+      <a:fillRef idx="1">
+        <a:scrgbClr r="0" g="0" b="0"/>
+      </a:fillRef>
+      <a:effectRef idx="0">
+        <a:scrgbClr r="0" g="0" b="0"/>
+      </a:effectRef>
+      <a:fontRef idx="minor"/>
+    </dgm:style>
+  </dgm:styleLbl>
+  <dgm:styleLbl name="alignImgPlace1">
+    <dgm:scene3d>
+      <a:camera prst="orthographicFront"/>
+      <a:lightRig rig="threePt" dir="t"/>
+    </dgm:scene3d>
+    <dgm:sp3d/>
+    <dgm:txPr/>
+    <dgm:style>
+      <a:lnRef idx="2">
+        <a:scrgbClr r="0" g="0" b="0"/>
+      </a:lnRef>
+      <a:fillRef idx="1">
+        <a:scrgbClr r="0" g="0" b="0"/>
+      </a:fillRef>
+      <a:effectRef idx="0">
+        <a:scrgbClr r="0" g="0" b="0"/>
+      </a:effectRef>
+      <a:fontRef idx="minor"/>
+    </dgm:style>
+  </dgm:styleLbl>
+  <dgm:styleLbl name="bgImgPlace1">
+    <dgm:scene3d>
+      <a:camera prst="orthographicFront"/>
+      <a:lightRig rig="threePt" dir="t"/>
+    </dgm:scene3d>
+    <dgm:sp3d/>
+    <dgm:txPr/>
+    <dgm:style>
+      <a:lnRef idx="2">
+        <a:scrgbClr r="0" g="0" b="0"/>
+      </a:lnRef>
+      <a:fillRef idx="1">
+        <a:scrgbClr r="0" g="0" b="0"/>
+      </a:fillRef>
+      <a:effectRef idx="0">
+        <a:scrgbClr r="0" g="0" b="0"/>
+      </a:effectRef>
+      <a:fontRef idx="minor"/>
+    </dgm:style>
+  </dgm:styleLbl>
+  <dgm:styleLbl name="sibTrans2D1">
+    <dgm:scene3d>
+      <a:camera prst="orthographicFront"/>
+      <a:lightRig rig="threePt" dir="t"/>
+    </dgm:scene3d>
+    <dgm:sp3d/>
+    <dgm:txPr/>
+    <dgm:style>
+      <a:lnRef idx="0">
+        <a:scrgbClr r="0" g="0" b="0"/>
+      </a:lnRef>
+      <a:fillRef idx="1">
+        <a:scrgbClr r="0" g="0" b="0"/>
+      </a:fillRef>
+      <a:effectRef idx="0">
+        <a:scrgbClr r="0" g="0" b="0"/>
+      </a:effectRef>
+      <a:fontRef idx="minor">
+        <a:schemeClr val="lt1"/>
+      </a:fontRef>
+    </dgm:style>
+  </dgm:styleLbl>
+  <dgm:styleLbl name="fgSibTrans2D1">
+    <dgm:scene3d>
+      <a:camera prst="orthographicFront"/>
+      <a:lightRig rig="threePt" dir="t"/>
+    </dgm:scene3d>
+    <dgm:sp3d/>
+    <dgm:txPr/>
+    <dgm:style>
+      <a:lnRef idx="0">
+        <a:scrgbClr r="0" g="0" b="0"/>
+      </a:lnRef>
+      <a:fillRef idx="1">
+        <a:scrgbClr r="0" g="0" b="0"/>
+      </a:fillRef>
+      <a:effectRef idx="0">
+        <a:scrgbClr r="0" g="0" b="0"/>
+      </a:effectRef>
+      <a:fontRef idx="minor">
+        <a:schemeClr val="lt1"/>
+      </a:fontRef>
+    </dgm:style>
+  </dgm:styleLbl>
+  <dgm:styleLbl name="bgSibTrans2D1">
+    <dgm:scene3d>
+      <a:camera prst="orthographicFront"/>
+      <a:lightRig rig="threePt" dir="t"/>
+    </dgm:scene3d>
+    <dgm:sp3d/>
+    <dgm:txPr/>
+    <dgm:style>
+      <a:lnRef idx="0">
+        <a:scrgbClr r="0" g="0" b="0"/>
+      </a:lnRef>
+      <a:fillRef idx="1">
+        <a:scrgbClr r="0" g="0" b="0"/>
+      </a:fillRef>
+      <a:effectRef idx="0">
+        <a:scrgbClr r="0" g="0" b="0"/>
+      </a:effectRef>
+      <a:fontRef idx="minor">
+        <a:schemeClr val="lt1"/>
+      </a:fontRef>
+    </dgm:style>
+  </dgm:styleLbl>
+  <dgm:styleLbl name="sibTrans1D1">
+    <dgm:scene3d>
+      <a:camera prst="orthographicFront"/>
+      <a:lightRig rig="threePt" dir="t"/>
+    </dgm:scene3d>
+    <dgm:sp3d/>
+    <dgm:txPr/>
+    <dgm:style>
+      <a:lnRef idx="1">
+        <a:scrgbClr r="0" g="0" b="0"/>
+      </a:lnRef>
+      <a:fillRef idx="0">
+        <a:scrgbClr r="0" g="0" b="0"/>
+      </a:fillRef>
+      <a:effectRef idx="0">
+        <a:scrgbClr r="0" g="0" b="0"/>
+      </a:effectRef>
+      <a:fontRef idx="minor"/>
+    </dgm:style>
+  </dgm:styleLbl>
+  <dgm:styleLbl name="callout">
+    <dgm:scene3d>
+      <a:camera prst="orthographicFront"/>
+      <a:lightRig rig="threePt" dir="t"/>
+    </dgm:scene3d>
+    <dgm:sp3d/>
+    <dgm:txPr/>
+    <dgm:style>
+      <a:lnRef idx="2">
+        <a:scrgbClr r="0" g="0" b="0"/>
+      </a:lnRef>
+      <a:fillRef idx="1">
+        <a:scrgbClr r="0" g="0" b="0"/>
+      </a:fillRef>
+      <a:effectRef idx="0">
+        <a:scrgbClr r="0" g="0" b="0"/>
+      </a:effectRef>
+      <a:fontRef idx="minor"/>
+    </dgm:style>
+  </dgm:styleLbl>
+  <dgm:styleLbl name="asst0">
+    <dgm:scene3d>
+      <a:camera prst="orthographicFront"/>
+      <a:lightRig rig="threePt" dir="t"/>
+    </dgm:scene3d>
+    <dgm:sp3d/>
+    <dgm:txPr/>
+    <dgm:style>
+      <a:lnRef idx="2">
+        <a:scrgbClr r="0" g="0" b="0"/>
+      </a:lnRef>
+      <a:fillRef idx="1">
+        <a:scrgbClr r="0" g="0" b="0"/>
+      </a:fillRef>
+      <a:effectRef idx="0">
+        <a:scrgbClr r="0" g="0" b="0"/>
+      </a:effectRef>
+      <a:fontRef idx="minor">
+        <a:schemeClr val="lt1"/>
+      </a:fontRef>
+    </dgm:style>
+  </dgm:styleLbl>
+  <dgm:styleLbl name="asst1">
+    <dgm:scene3d>
+      <a:camera prst="orthographicFront"/>
+      <a:lightRig rig="threePt" dir="t"/>
+    </dgm:scene3d>
+    <dgm:sp3d/>
+    <dgm:txPr/>
+    <dgm:style>
+      <a:lnRef idx="2">
+        <a:scrgbClr r="0" g="0" b="0"/>
+      </a:lnRef>
+      <a:fillRef idx="1">
+        <a:scrgbClr r="0" g="0" b="0"/>
+      </a:fillRef>
+      <a:effectRef idx="0">
+        <a:scrgbClr r="0" g="0" b="0"/>
+      </a:effectRef>
+      <a:fontRef idx="minor">
+        <a:schemeClr val="lt1"/>
+      </a:fontRef>
+    </dgm:style>
+  </dgm:styleLbl>
+  <dgm:styleLbl name="asst2">
+    <dgm:scene3d>
+      <a:camera prst="orthographicFront"/>
+      <a:lightRig rig="threePt" dir="t"/>
+    </dgm:scene3d>
+    <dgm:sp3d/>
+    <dgm:txPr/>
+    <dgm:style>
+      <a:lnRef idx="2">
+        <a:scrgbClr r="0" g="0" b="0"/>
+      </a:lnRef>
+      <a:fillRef idx="1">
+        <a:scrgbClr r="0" g="0" b="0"/>
+      </a:fillRef>
+      <a:effectRef idx="0">
+        <a:scrgbClr r="0" g="0" b="0"/>
+      </a:effectRef>
+      <a:fontRef idx="minor">
+        <a:schemeClr val="lt1"/>
+      </a:fontRef>
+    </dgm:style>
+  </dgm:styleLbl>
+  <dgm:styleLbl name="asst3">
+    <dgm:scene3d>
+      <a:camera prst="orthographicFront"/>
+      <a:lightRig rig="threePt" dir="t"/>
+    </dgm:scene3d>
+    <dgm:sp3d/>
+    <dgm:txPr/>
+    <dgm:style>
+      <a:lnRef idx="2">
+        <a:scrgbClr r="0" g="0" b="0"/>
+      </a:lnRef>
+      <a:fillRef idx="1">
+        <a:scrgbClr r="0" g="0" b="0"/>
+      </a:fillRef>
+      <a:effectRef idx="0">
+        <a:scrgbClr r="0" g="0" b="0"/>
+      </a:effectRef>
+      <a:fontRef idx="minor">
+        <a:schemeClr val="lt1"/>
+      </a:fontRef>
+    </dgm:style>
+  </dgm:styleLbl>
+  <dgm:styleLbl name="asst4">
+    <dgm:scene3d>
+      <a:camera prst="orthographicFront"/>
+      <a:lightRig rig="threePt" dir="t"/>
+    </dgm:scene3d>
+    <dgm:sp3d/>
+    <dgm:txPr/>
+    <dgm:style>
+      <a:lnRef idx="2">
+        <a:scrgbClr r="0" g="0" b="0"/>
+      </a:lnRef>
+      <a:fillRef idx="1">
+        <a:scrgbClr r="0" g="0" b="0"/>
+      </a:fillRef>
+      <a:effectRef idx="0">
+        <a:scrgbClr r="0" g="0" b="0"/>
+      </a:effectRef>
+      <a:fontRef idx="minor">
+        <a:schemeClr val="lt1"/>
+      </a:fontRef>
+    </dgm:style>
+  </dgm:styleLbl>
+  <dgm:styleLbl name="parChTrans2D1">
+    <dgm:scene3d>
+      <a:camera prst="orthographicFront"/>
+      <a:lightRig rig="threePt" dir="t"/>
+    </dgm:scene3d>
+    <dgm:sp3d/>
+    <dgm:txPr/>
+    <dgm:style>
+      <a:lnRef idx="2">
+        <a:scrgbClr r="0" g="0" b="0"/>
+      </a:lnRef>
+      <a:fillRef idx="1">
+        <a:scrgbClr r="0" g="0" b="0"/>
+      </a:fillRef>
+      <a:effectRef idx="0">
+        <a:scrgbClr r="0" g="0" b="0"/>
+      </a:effectRef>
+      <a:fontRef idx="minor">
+        <a:schemeClr val="lt1"/>
+      </a:fontRef>
+    </dgm:style>
+  </dgm:styleLbl>
+  <dgm:styleLbl name="parChTrans2D2">
+    <dgm:scene3d>
+      <a:camera prst="orthographicFront"/>
+      <a:lightRig rig="threePt" dir="t"/>
+    </dgm:scene3d>
+    <dgm:sp3d/>
+    <dgm:txPr/>
+    <dgm:style>
+      <a:lnRef idx="2">
+        <a:scrgbClr r="0" g="0" b="0"/>
+      </a:lnRef>
+      <a:fillRef idx="1">
+        <a:scrgbClr r="0" g="0" b="0"/>
+      </a:fillRef>
+      <a:effectRef idx="0">
+        <a:scrgbClr r="0" g="0" b="0"/>
+      </a:effectRef>
+      <a:fontRef idx="minor">
+        <a:schemeClr val="lt1"/>
+      </a:fontRef>
+    </dgm:style>
+  </dgm:styleLbl>
+  <dgm:styleLbl name="parChTrans2D3">
+    <dgm:scene3d>
+      <a:camera prst="orthographicFront"/>
+      <a:lightRig rig="threePt" dir="t"/>
+    </dgm:scene3d>
+    <dgm:sp3d/>
+    <dgm:txPr/>
+    <dgm:style>
+      <a:lnRef idx="2">
+        <a:scrgbClr r="0" g="0" b="0"/>
+      </a:lnRef>
+      <a:fillRef idx="1">
+        <a:scrgbClr r="0" g="0" b="0"/>
+      </a:fillRef>
+      <a:effectRef idx="0">
+        <a:scrgbClr r="0" g="0" b="0"/>
+      </a:effectRef>
+      <a:fontRef idx="minor">
+        <a:schemeClr val="lt1"/>
+      </a:fontRef>
+    </dgm:style>
+  </dgm:styleLbl>
+  <dgm:styleLbl name="parChTrans2D4">
+    <dgm:scene3d>
+      <a:camera prst="orthographicFront"/>
+      <a:lightRig rig="threePt" dir="t"/>
+    </dgm:scene3d>
+    <dgm:sp3d/>
+    <dgm:txPr/>
+    <dgm:style>
+      <a:lnRef idx="2">
+        <a:scrgbClr r="0" g="0" b="0"/>
+      </a:lnRef>
+      <a:fillRef idx="1">
+        <a:scrgbClr r="0" g="0" b="0"/>
+      </a:fillRef>
+      <a:effectRef idx="0">
+        <a:scrgbClr r="0" g="0" b="0"/>
+      </a:effectRef>
+      <a:fontRef idx="minor">
+        <a:schemeClr val="lt1"/>
+      </a:fontRef>
+    </dgm:style>
+  </dgm:styleLbl>
+  <dgm:styleLbl name="parChTrans1D1">
+    <dgm:scene3d>
+      <a:camera prst="orthographicFront"/>
+      <a:lightRig rig="threePt" dir="t"/>
+    </dgm:scene3d>
+    <dgm:sp3d/>
+    <dgm:txPr/>
+    <dgm:style>
+      <a:lnRef idx="2">
+        <a:scrgbClr r="0" g="0" b="0"/>
+      </a:lnRef>
+      <a:fillRef idx="0">
+        <a:scrgbClr r="0" g="0" b="0"/>
+      </a:fillRef>
+      <a:effectRef idx="0">
+        <a:scrgbClr r="0" g="0" b="0"/>
+      </a:effectRef>
+      <a:fontRef idx="minor"/>
+    </dgm:style>
+  </dgm:styleLbl>
+  <dgm:styleLbl name="parChTrans1D2">
+    <dgm:scene3d>
+      <a:camera prst="orthographicFront"/>
+      <a:lightRig rig="threePt" dir="t"/>
+    </dgm:scene3d>
+    <dgm:sp3d/>
+    <dgm:txPr/>
+    <dgm:style>
+      <a:lnRef idx="2">
+        <a:scrgbClr r="0" g="0" b="0"/>
+      </a:lnRef>
+      <a:fillRef idx="0">
+        <a:scrgbClr r="0" g="0" b="0"/>
+      </a:fillRef>
+      <a:effectRef idx="0">
+        <a:scrgbClr r="0" g="0" b="0"/>
+      </a:effectRef>
+      <a:fontRef idx="minor"/>
+    </dgm:style>
+  </dgm:styleLbl>
+  <dgm:styleLbl name="parChTrans1D3">
+    <dgm:scene3d>
+      <a:camera prst="orthographicFront"/>
+      <a:lightRig rig="threePt" dir="t"/>
+    </dgm:scene3d>
+    <dgm:sp3d/>
+    <dgm:txPr/>
+    <dgm:style>
+      <a:lnRef idx="2">
+        <a:scrgbClr r="0" g="0" b="0"/>
+      </a:lnRef>
+      <a:fillRef idx="0">
+        <a:scrgbClr r="0" g="0" b="0"/>
+      </a:fillRef>
+      <a:effectRef idx="0">
+        <a:scrgbClr r="0" g="0" b="0"/>
+      </a:effectRef>
+      <a:fontRef idx="minor"/>
+    </dgm:style>
+  </dgm:styleLbl>
+  <dgm:styleLbl name="parChTrans1D4">
+    <dgm:scene3d>
+      <a:camera prst="orthographicFront"/>
+      <a:lightRig rig="threePt" dir="t"/>
+    </dgm:scene3d>
+    <dgm:sp3d/>
+    <dgm:txPr/>
+    <dgm:style>
+      <a:lnRef idx="2">
+        <a:scrgbClr r="0" g="0" b="0"/>
+      </a:lnRef>
+      <a:fillRef idx="0">
+        <a:scrgbClr r="0" g="0" b="0"/>
+      </a:fillRef>
+      <a:effectRef idx="0">
+        <a:scrgbClr r="0" g="0" b="0"/>
+      </a:effectRef>
+      <a:fontRef idx="minor"/>
+    </dgm:style>
+  </dgm:styleLbl>
+  <dgm:styleLbl name="fgAcc1">
+    <dgm:scene3d>
+      <a:camera prst="orthographicFront"/>
+      <a:lightRig rig="threePt" dir="t"/>
+    </dgm:scene3d>
+    <dgm:sp3d/>
+    <dgm:txPr/>
+    <dgm:style>
+      <a:lnRef idx="2">
+        <a:scrgbClr r="0" g="0" b="0"/>
+      </a:lnRef>
+      <a:fillRef idx="1">
+        <a:scrgbClr r="0" g="0" b="0"/>
+      </a:fillRef>
+      <a:effectRef idx="0">
+        <a:scrgbClr r="0" g="0" b="0"/>
+      </a:effectRef>
+      <a:fontRef idx="minor"/>
+    </dgm:style>
+  </dgm:styleLbl>
+  <dgm:styleLbl name="conFgAcc1">
+    <dgm:scene3d>
+      <a:camera prst="orthographicFront"/>
+      <a:lightRig rig="threePt" dir="t"/>
+    </dgm:scene3d>
+    <dgm:sp3d/>
+    <dgm:txPr/>
+    <dgm:style>
+      <a:lnRef idx="2">
+        <a:scrgbClr r="0" g="0" b="0"/>
+      </a:lnRef>
+      <a:fillRef idx="1">
+        <a:scrgbClr r="0" g="0" b="0"/>
+      </a:fillRef>
+      <a:effectRef idx="0">
+        <a:scrgbClr r="0" g="0" b="0"/>
+      </a:effectRef>
+      <a:fontRef idx="minor"/>
+    </dgm:style>
+  </dgm:styleLbl>
+  <dgm:styleLbl name="alignAcc1">
+    <dgm:scene3d>
+      <a:camera prst="orthographicFront"/>
+      <a:lightRig rig="threePt" dir="t"/>
+    </dgm:scene3d>
+    <dgm:sp3d/>
+    <dgm:txPr/>
+    <dgm:style>
+      <a:lnRef idx="2">
+        <a:scrgbClr r="0" g="0" b="0"/>
+      </a:lnRef>
+      <a:fillRef idx="1">
+        <a:scrgbClr r="0" g="0" b="0"/>
+      </a:fillRef>
+      <a:effectRef idx="0">
+        <a:scrgbClr r="0" g="0" b="0"/>
+      </a:effectRef>
+      <a:fontRef idx="minor"/>
+    </dgm:style>
+  </dgm:styleLbl>
+  <dgm:styleLbl name="trAlignAcc1">
+    <dgm:scene3d>
+      <a:camera prst="orthographicFront"/>
+      <a:lightRig rig="threePt" dir="t"/>
+    </dgm:scene3d>
+    <dgm:sp3d/>
+    <dgm:txPr/>
+    <dgm:style>
+      <a:lnRef idx="1">
+        <a:scrgbClr r="0" g="0" b="0"/>
+      </a:lnRef>
+      <a:fillRef idx="1">
+        <a:scrgbClr r="0" g="0" b="0"/>
+      </a:fillRef>
+      <a:effectRef idx="0">
+        <a:scrgbClr r="0" g="0" b="0"/>
+      </a:effectRef>
+      <a:fontRef idx="minor"/>
+    </dgm:style>
+  </dgm:styleLbl>
+  <dgm:styleLbl name="bgAcc1">
+    <dgm:scene3d>
+      <a:camera prst="orthographicFront"/>
+      <a:lightRig rig="threePt" dir="t"/>
+    </dgm:scene3d>
+    <dgm:sp3d/>
+    <dgm:txPr/>
+    <dgm:style>
+      <a:lnRef idx="2">
+        <a:scrgbClr r="0" g="0" b="0"/>
+      </a:lnRef>
+      <a:fillRef idx="1">
+        <a:scrgbClr r="0" g="0" b="0"/>
+      </a:fillRef>
+      <a:effectRef idx="0">
+        <a:scrgbClr r="0" g="0" b="0"/>
+      </a:effectRef>
+      <a:fontRef idx="minor"/>
+    </dgm:style>
+  </dgm:styleLbl>
+  <dgm:styleLbl name="solidFgAcc1">
+    <dgm:scene3d>
+      <a:camera prst="orthographicFront"/>
+      <a:lightRig rig="threePt" dir="t"/>
+    </dgm:scene3d>
+    <dgm:sp3d/>
+    <dgm:txPr/>
+    <dgm:style>
+      <a:lnRef idx="2">
+        <a:scrgbClr r="0" g="0" b="0"/>
+      </a:lnRef>
+      <a:fillRef idx="1">
+        <a:scrgbClr r="0" g="0" b="0"/>
+      </a:fillRef>
+      <a:effectRef idx="0">
+        <a:scrgbClr r="0" g="0" b="0"/>
+      </a:effectRef>
+      <a:fontRef idx="minor"/>
+    </dgm:style>
+  </dgm:styleLbl>
+  <dgm:styleLbl name="solidAlignAcc1">
+    <dgm:scene3d>
+      <a:camera prst="orthographicFront"/>
+      <a:lightRig rig="threePt" dir="t"/>
+    </dgm:scene3d>
+    <dgm:sp3d/>
+    <dgm:txPr/>
+    <dgm:style>
+      <a:lnRef idx="2">
+        <a:scrgbClr r="0" g="0" b="0"/>
+      </a:lnRef>
+      <a:fillRef idx="1">
+        <a:scrgbClr r="0" g="0" b="0"/>
+      </a:fillRef>
+      <a:effectRef idx="0">
+        <a:scrgbClr r="0" g="0" b="0"/>
+      </a:effectRef>
+      <a:fontRef idx="minor"/>
+    </dgm:style>
+  </dgm:styleLbl>
+  <dgm:styleLbl name="solidBgAcc1">
+    <dgm:scene3d>
+      <a:camera prst="orthographicFront"/>
+      <a:lightRig rig="threePt" dir="t"/>
+    </dgm:scene3d>
+    <dgm:sp3d/>
+    <dgm:txPr/>
+    <dgm:style>
+      <a:lnRef idx="2">
+        <a:scrgbClr r="0" g="0" b="0"/>
+      </a:lnRef>
+      <a:fillRef idx="1">
+        <a:scrgbClr r="0" g="0" b="0"/>
+      </a:fillRef>
+      <a:effectRef idx="0">
+        <a:scrgbClr r="0" g="0" b="0"/>
+      </a:effectRef>
+      <a:fontRef idx="minor"/>
+    </dgm:style>
+  </dgm:styleLbl>
+  <dgm:styleLbl name="fgAccFollowNode1">
+    <dgm:scene3d>
+      <a:camera prst="orthographicFront"/>
+      <a:lightRig rig="threePt" dir="t"/>
+    </dgm:scene3d>
+    <dgm:sp3d/>
+    <dgm:txPr/>
+    <dgm:style>
+      <a:lnRef idx="2">
+        <a:scrgbClr r="0" g="0" b="0"/>
+      </a:lnRef>
+      <a:fillRef idx="1">
+        <a:scrgbClr r="0" g="0" b="0"/>
+      </a:fillRef>
+      <a:effectRef idx="0">
+        <a:scrgbClr r="0" g="0" b="0"/>
+      </a:effectRef>
+      <a:fontRef idx="minor"/>
+    </dgm:style>
+  </dgm:styleLbl>
+  <dgm:styleLbl name="alignAccFollowNode1">
+    <dgm:scene3d>
+      <a:camera prst="orthographicFront"/>
+      <a:lightRig rig="threePt" dir="t"/>
+    </dgm:scene3d>
+    <dgm:sp3d/>
+    <dgm:txPr/>
+    <dgm:style>
+      <a:lnRef idx="2">
+        <a:scrgbClr r="0" g="0" b="0"/>
+      </a:lnRef>
+      <a:fillRef idx="1">
+        <a:scrgbClr r="0" g="0" b="0"/>
+      </a:fillRef>
+      <a:effectRef idx="0">
+        <a:scrgbClr r="0" g="0" b="0"/>
+      </a:effectRef>
+      <a:fontRef idx="minor"/>
+    </dgm:style>
+  </dgm:styleLbl>
+  <dgm:styleLbl name="bgAccFollowNode1">
+    <dgm:scene3d>
+      <a:camera prst="orthographicFront"/>
+      <a:lightRig rig="threePt" dir="t"/>
+    </dgm:scene3d>
+    <dgm:sp3d/>
+    <dgm:txPr/>
+    <dgm:style>
+      <a:lnRef idx="2">
+        <a:scrgbClr r="0" g="0" b="0"/>
+      </a:lnRef>
+      <a:fillRef idx="1">
+        <a:scrgbClr r="0" g="0" b="0"/>
+      </a:fillRef>
+      <a:effectRef idx="0">
+        <a:scrgbClr r="0" g="0" b="0"/>
+      </a:effectRef>
+      <a:fontRef idx="minor"/>
+    </dgm:style>
+  </dgm:styleLbl>
+  <dgm:styleLbl name="fgAcc0">
+    <dgm:scene3d>
+      <a:camera prst="orthographicFront"/>
+      <a:lightRig rig="threePt" dir="t"/>
+    </dgm:scene3d>
+    <dgm:sp3d/>
+    <dgm:txPr/>
+    <dgm:style>
+      <a:lnRef idx="2">
+        <a:scrgbClr r="0" g="0" b="0"/>
+      </a:lnRef>
+      <a:fillRef idx="1">
+        <a:scrgbClr r="0" g="0" b="0"/>
+      </a:fillRef>
+      <a:effectRef idx="0">
+        <a:scrgbClr r="0" g="0" b="0"/>
+      </a:effectRef>
+      <a:fontRef idx="minor"/>
+    </dgm:style>
+  </dgm:styleLbl>
+  <dgm:styleLbl name="fgAcc2">
+    <dgm:scene3d>
+      <a:camera prst="orthographicFront"/>
+      <a:lightRig rig="threePt" dir="t"/>
+    </dgm:scene3d>
+    <dgm:sp3d/>
+    <dgm:txPr/>
+    <dgm:style>
+      <a:lnRef idx="2">
+        <a:scrgbClr r="0" g="0" b="0"/>
+      </a:lnRef>
+      <a:fillRef idx="1">
+        <a:scrgbClr r="0" g="0" b="0"/>
+      </a:fillRef>
+      <a:effectRef idx="0">
+        <a:scrgbClr r="0" g="0" b="0"/>
+      </a:effectRef>
+      <a:fontRef idx="minor"/>
+    </dgm:style>
+  </dgm:styleLbl>
+  <dgm:styleLbl name="fgAcc3">
+    <dgm:scene3d>
+      <a:camera prst="orthographicFront"/>
+      <a:lightRig rig="threePt" dir="t"/>
+    </dgm:scene3d>
+    <dgm:sp3d/>
+    <dgm:txPr/>
+    <dgm:style>
+      <a:lnRef idx="2">
+        <a:scrgbClr r="0" g="0" b="0"/>
+      </a:lnRef>
+      <a:fillRef idx="1">
+        <a:scrgbClr r="0" g="0" b="0"/>
+      </a:fillRef>
+      <a:effectRef idx="0">
+        <a:scrgbClr r="0" g="0" b="0"/>
+      </a:effectRef>
+      <a:fontRef idx="minor"/>
+    </dgm:style>
+  </dgm:styleLbl>
+  <dgm:styleLbl name="fgAcc4">
+    <dgm:scene3d>
+      <a:camera prst="orthographicFront"/>
+      <a:lightRig rig="threePt" dir="t"/>
+    </dgm:scene3d>
+    <dgm:sp3d/>
+    <dgm:txPr/>
+    <dgm:style>
+      <a:lnRef idx="2">
+        <a:scrgbClr r="0" g="0" b="0"/>
+      </a:lnRef>
+      <a:fillRef idx="1">
+        <a:scrgbClr r="0" g="0" b="0"/>
+      </a:fillRef>
+      <a:effectRef idx="0">
+        <a:scrgbClr r="0" g="0" b="0"/>
+      </a:effectRef>
+      <a:fontRef idx="minor"/>
+    </dgm:style>
+  </dgm:styleLbl>
+  <dgm:styleLbl name="bgShp">
+    <dgm:scene3d>
+      <a:camera prst="orthographicFront"/>
+      <a:lightRig rig="threePt" dir="t"/>
+    </dgm:scene3d>
+    <dgm:sp3d/>
+    <dgm:txPr/>
+    <dgm:style>
+      <a:lnRef idx="0">
+        <a:scrgbClr r="0" g="0" b="0"/>
+      </a:lnRef>
+      <a:fillRef idx="1">
+        <a:scrgbClr r="0" g="0" b="0"/>
+      </a:fillRef>
+      <a:effectRef idx="0">
+        <a:scrgbClr r="0" g="0" b="0"/>
+      </a:effectRef>
+      <a:fontRef idx="minor"/>
+    </dgm:style>
+  </dgm:styleLbl>
+  <dgm:styleLbl name="dkBgShp">
+    <dgm:scene3d>
+      <a:camera prst="orthographicFront"/>
+      <a:lightRig rig="threePt" dir="t"/>
+    </dgm:scene3d>
+    <dgm:sp3d/>
+    <dgm:txPr/>
+    <dgm:style>
+      <a:lnRef idx="0">
+        <a:scrgbClr r="0" g="0" b="0"/>
+      </a:lnRef>
+      <a:fillRef idx="1">
+        <a:scrgbClr r="0" g="0" b="0"/>
+      </a:fillRef>
+      <a:effectRef idx="0">
+        <a:scrgbClr r="0" g="0" b="0"/>
+      </a:effectRef>
+      <a:fontRef idx="minor"/>
+    </dgm:style>
+  </dgm:styleLbl>
+  <dgm:styleLbl name="trBgShp">
+    <dgm:scene3d>
+      <a:camera prst="orthographicFront"/>
+      <a:lightRig rig="threePt" dir="t"/>
+    </dgm:scene3d>
+    <dgm:sp3d/>
+    <dgm:txPr/>
+    <dgm:style>
+      <a:lnRef idx="0">
+        <a:scrgbClr r="0" g="0" b="0"/>
+      </a:lnRef>
+      <a:fillRef idx="1">
+        <a:scrgbClr r="0" g="0" b="0"/>
+      </a:fillRef>
+      <a:effectRef idx="0">
+        <a:scrgbClr r="0" g="0" b="0"/>
+      </a:effectRef>
+      <a:fontRef idx="minor"/>
+    </dgm:style>
+  </dgm:styleLbl>
+  <dgm:styleLbl name="fgShp">
+    <dgm:scene3d>
+      <a:camera prst="orthographicFront"/>
+      <a:lightRig rig="threePt" dir="t"/>
+    </dgm:scene3d>
+    <dgm:sp3d/>
+    <dgm:txPr/>
+    <dgm:style>
+      <a:lnRef idx="2">
+        <a:scrgbClr r="0" g="0" b="0"/>
+      </a:lnRef>
+      <a:fillRef idx="1">
+        <a:scrgbClr r="0" g="0" b="0"/>
+      </a:fillRef>
+      <a:effectRef idx="0">
+        <a:scrgbClr r="0" g="0" b="0"/>
+      </a:effectRef>
+      <a:fontRef idx="minor"/>
+    </dgm:style>
+  </dgm:styleLbl>
+  <dgm:styleLbl name="revTx">
+    <dgm:scene3d>
+      <a:camera prst="orthographicFront"/>
+      <a:lightRig rig="threePt" dir="t"/>
+    </dgm:scene3d>
+    <dgm:sp3d/>
+    <dgm:txPr/>
+    <dgm:style>
+      <a:lnRef idx="0">
+        <a:scrgbClr r="0" g="0" b="0"/>
+      </a:lnRef>
+      <a:fillRef idx="0">
+        <a:scrgbClr r="0" g="0" b="0"/>
+      </a:fillRef>
+      <a:effectRef idx="0">
+        <a:scrgbClr r="0" g="0" b="0"/>
+      </a:effectRef>
+      <a:fontRef idx="minor"/>
+    </dgm:style>
+  </dgm:styleLbl>
+</dgm:styleDef>
+</file>
+
+<file path=ppt/diagrams/quickStyle6.xml><?xml version="1.0" encoding="utf-8"?>
 <dgm:styleDef xmlns:dgm="http://schemas.openxmlformats.org/drawingml/2006/diagram" xmlns:a="http://schemas.openxmlformats.org/drawingml/2006/main" uniqueId="urn:microsoft.com/office/officeart/2005/8/quickstyle/simple1">
   <dgm:title val=""/>
   <dgm:desc val=""/>
@@ -14179,6 +17031,298 @@
 </p:notes>
 </file>
 
+<file path=ppt/notesSlides/notesSlide10.xml><?xml version="1.0" encoding="utf-8"?>
+<p:notes xmlns:a="http://schemas.openxmlformats.org/drawingml/2006/main" xmlns:r="http://schemas.openxmlformats.org/officeDocument/2006/relationships" xmlns:p="http://schemas.openxmlformats.org/presentationml/2006/main">
+  <p:cSld>
+    <p:spTree>
+      <p:nvGrpSpPr>
+        <p:cNvPr id="1" name=""/>
+        <p:cNvGrpSpPr/>
+        <p:nvPr/>
+      </p:nvGrpSpPr>
+      <p:grpSpPr>
+        <a:xfrm>
+          <a:off x="0" y="0"/>
+          <a:ext cx="0" cy="0"/>
+          <a:chOff x="0" y="0"/>
+          <a:chExt cx="0" cy="0"/>
+        </a:xfrm>
+      </p:grpSpPr>
+      <p:sp>
+        <p:nvSpPr>
+          <p:cNvPr id="2" name="Slide Image Placeholder 1"/>
+          <p:cNvSpPr>
+            <a:spLocks noGrp="1" noRot="1" noChangeAspect="1"/>
+          </p:cNvSpPr>
+          <p:nvPr>
+            <p:ph type="sldImg"/>
+          </p:nvPr>
+        </p:nvSpPr>
+        <p:spPr/>
+      </p:sp>
+      <p:sp>
+        <p:nvSpPr>
+          <p:cNvPr id="3" name="Notes Placeholder 2"/>
+          <p:cNvSpPr>
+            <a:spLocks noGrp="1"/>
+          </p:cNvSpPr>
+          <p:nvPr>
+            <p:ph type="body" idx="1"/>
+          </p:nvPr>
+        </p:nvSpPr>
+        <p:spPr/>
+        <p:txBody>
+          <a:bodyPr/>
+          <a:lstStyle/>
+          <a:p>
+            <a:r>
+              <a:rPr lang="en-US" dirty="0" err="1"/>
+              <a:t>Hiwalay</a:t>
+            </a:r>
+            <a:r>
+              <a:rPr lang="en-US" dirty="0"/>
+              <a:t> </a:t>
+            </a:r>
+            <a:r>
+              <a:rPr lang="en-US" dirty="0" err="1"/>
+              <a:t>yung</a:t>
+            </a:r>
+            <a:r>
+              <a:rPr lang="en-US" dirty="0"/>
+              <a:t> development</a:t>
+            </a:r>
+            <a:r>
+              <a:rPr lang="en-US" baseline="0" dirty="0"/>
+              <a:t> phase.</a:t>
+            </a:r>
+          </a:p>
+          <a:p>
+            <a:r>
+              <a:rPr lang="en-US" baseline="0" dirty="0"/>
+              <a:t>Include </a:t>
+            </a:r>
+            <a:r>
+              <a:rPr lang="en-US" baseline="0" dirty="0" err="1"/>
+              <a:t>yung</a:t>
+            </a:r>
+            <a:r>
+              <a:rPr lang="en-US" baseline="0" dirty="0"/>
+              <a:t> capitalization</a:t>
+            </a:r>
+          </a:p>
+          <a:p>
+            <a:r>
+              <a:rPr lang="en-US" baseline="0" dirty="0"/>
+              <a:t>	- pre op cost + 18 months</a:t>
+            </a:r>
+          </a:p>
+          <a:p>
+            <a:r>
+              <a:rPr lang="en-US" baseline="0" dirty="0"/>
+              <a:t>Revenue</a:t>
+            </a:r>
+          </a:p>
+          <a:p>
+            <a:r>
+              <a:rPr lang="en-US" baseline="0" dirty="0"/>
+              <a:t>	- Net profit, pre op cost + 18 months and extend(3 years)</a:t>
+            </a:r>
+          </a:p>
+          <a:p>
+            <a:endParaRPr lang="en-US" baseline="0" dirty="0"/>
+          </a:p>
+          <a:p>
+            <a:r>
+              <a:rPr lang="en-US" b="1" baseline="0" dirty="0"/>
+              <a:t>IMPORTANT</a:t>
+            </a:r>
+          </a:p>
+          <a:p>
+            <a:r>
+              <a:rPr lang="en-US" b="0" baseline="0" dirty="0"/>
+              <a:t>	-wag </a:t>
+            </a:r>
+            <a:r>
+              <a:rPr lang="en-US" b="0" baseline="0" dirty="0" err="1"/>
+              <a:t>tanggalin</a:t>
+            </a:r>
+            <a:r>
+              <a:rPr lang="en-US" b="0" baseline="0" dirty="0"/>
+              <a:t> </a:t>
+            </a:r>
+            <a:r>
+              <a:rPr lang="en-US" b="0" baseline="0" dirty="0" err="1"/>
+              <a:t>yung</a:t>
+            </a:r>
+            <a:r>
+              <a:rPr lang="en-US" b="0" baseline="0" dirty="0"/>
+              <a:t> marketing and advertisement cost</a:t>
+            </a:r>
+          </a:p>
+          <a:p>
+            <a:endParaRPr lang="en-US" b="0" baseline="0" dirty="0"/>
+          </a:p>
+          <a:p>
+            <a:r>
+              <a:rPr lang="en-US" b="0" baseline="0" dirty="0"/>
+              <a:t>&gt;&gt;&gt;&gt;&gt;&gt;&gt;&gt;&gt;&gt;&gt;&gt;&gt;&gt;&gt;&gt;&gt;&gt;&gt;&gt;&gt;GOVERNMENT cost</a:t>
+            </a:r>
+          </a:p>
+          <a:p>
+            <a:r>
+              <a:rPr lang="en-US" b="0" baseline="0" dirty="0"/>
+              <a:t>	-license fee… </a:t>
+            </a:r>
+          </a:p>
+          <a:p>
+            <a:endParaRPr lang="en-US" baseline="0" dirty="0"/>
+          </a:p>
+        </p:txBody>
+      </p:sp>
+      <p:sp>
+        <p:nvSpPr>
+          <p:cNvPr id="4" name="Slide Number Placeholder 3"/>
+          <p:cNvSpPr>
+            <a:spLocks noGrp="1"/>
+          </p:cNvSpPr>
+          <p:nvPr>
+            <p:ph type="sldNum" sz="quarter" idx="10"/>
+          </p:nvPr>
+        </p:nvSpPr>
+        <p:spPr/>
+        <p:txBody>
+          <a:bodyPr/>
+          <a:lstStyle/>
+          <a:p>
+            <a:fld id="{BE1686F5-D9B0-4B87-9E68-28AD15F2A4F1}" type="slidenum">
+              <a:rPr lang="en-US" smtClean="0"/>
+              <a:pPr/>
+              <a:t>17</a:t>
+            </a:fld>
+            <a:endParaRPr lang="en-US"/>
+          </a:p>
+        </p:txBody>
+      </p:sp>
+    </p:spTree>
+    <p:extLst>
+      <p:ext uri="{BB962C8B-B14F-4D97-AF65-F5344CB8AC3E}">
+        <p14:creationId xmlns:p14="http://schemas.microsoft.com/office/powerpoint/2010/main" val="1610532550"/>
+      </p:ext>
+    </p:extLst>
+  </p:cSld>
+  <p:clrMapOvr>
+    <a:masterClrMapping/>
+  </p:clrMapOvr>
+</p:notes>
+</file>
+
+<file path=ppt/notesSlides/notesSlide11.xml><?xml version="1.0" encoding="utf-8"?>
+<p:notes xmlns:a="http://schemas.openxmlformats.org/drawingml/2006/main" xmlns:r="http://schemas.openxmlformats.org/officeDocument/2006/relationships" xmlns:p="http://schemas.openxmlformats.org/presentationml/2006/main">
+  <p:cSld>
+    <p:spTree>
+      <p:nvGrpSpPr>
+        <p:cNvPr id="1" name=""/>
+        <p:cNvGrpSpPr/>
+        <p:nvPr/>
+      </p:nvGrpSpPr>
+      <p:grpSpPr>
+        <a:xfrm>
+          <a:off x="0" y="0"/>
+          <a:ext cx="0" cy="0"/>
+          <a:chOff x="0" y="0"/>
+          <a:chExt cx="0" cy="0"/>
+        </a:xfrm>
+      </p:grpSpPr>
+      <p:sp>
+        <p:nvSpPr>
+          <p:cNvPr id="2" name="Slide Image Placeholder 1"/>
+          <p:cNvSpPr>
+            <a:spLocks noGrp="1" noRot="1" noChangeAspect="1"/>
+          </p:cNvSpPr>
+          <p:nvPr>
+            <p:ph type="sldImg"/>
+          </p:nvPr>
+        </p:nvSpPr>
+        <p:spPr/>
+      </p:sp>
+      <p:sp>
+        <p:nvSpPr>
+          <p:cNvPr id="3" name="Notes Placeholder 2"/>
+          <p:cNvSpPr>
+            <a:spLocks noGrp="1"/>
+          </p:cNvSpPr>
+          <p:nvPr>
+            <p:ph type="body" idx="1"/>
+          </p:nvPr>
+        </p:nvSpPr>
+        <p:spPr/>
+        <p:txBody>
+          <a:bodyPr/>
+          <a:lstStyle/>
+          <a:p>
+            <a:r>
+              <a:rPr lang="en-US" dirty="0"/>
+              <a:t>Base</a:t>
+            </a:r>
+            <a:r>
+              <a:rPr lang="en-US" baseline="0" dirty="0"/>
+              <a:t>d </a:t>
+            </a:r>
+            <a:r>
+              <a:rPr lang="en-US" baseline="0" dirty="0" err="1"/>
+              <a:t>sa</a:t>
+            </a:r>
+            <a:r>
+              <a:rPr lang="en-US" baseline="0" dirty="0"/>
+              <a:t> demographics(no. of users)</a:t>
+            </a:r>
+          </a:p>
+          <a:p>
+            <a:r>
+              <a:rPr lang="en-US" baseline="0" dirty="0"/>
+              <a:t>Demographics*price = Revenue cost</a:t>
+            </a:r>
+            <a:endParaRPr lang="en-US" dirty="0"/>
+          </a:p>
+        </p:txBody>
+      </p:sp>
+      <p:sp>
+        <p:nvSpPr>
+          <p:cNvPr id="4" name="Slide Number Placeholder 3"/>
+          <p:cNvSpPr>
+            <a:spLocks noGrp="1"/>
+          </p:cNvSpPr>
+          <p:nvPr>
+            <p:ph type="sldNum" sz="quarter" idx="10"/>
+          </p:nvPr>
+        </p:nvSpPr>
+        <p:spPr/>
+        <p:txBody>
+          <a:bodyPr/>
+          <a:lstStyle/>
+          <a:p>
+            <a:fld id="{BE1686F5-D9B0-4B87-9E68-28AD15F2A4F1}" type="slidenum">
+              <a:rPr lang="en-US" smtClean="0"/>
+              <a:pPr/>
+              <a:t>19</a:t>
+            </a:fld>
+            <a:endParaRPr lang="en-US"/>
+          </a:p>
+        </p:txBody>
+      </p:sp>
+    </p:spTree>
+    <p:extLst>
+      <p:ext uri="{BB962C8B-B14F-4D97-AF65-F5344CB8AC3E}">
+        <p14:creationId xmlns:p14="http://schemas.microsoft.com/office/powerpoint/2010/main" val="3212508722"/>
+      </p:ext>
+    </p:extLst>
+  </p:cSld>
+  <p:clrMapOvr>
+    <a:masterClrMapping/>
+  </p:clrMapOvr>
+</p:notes>
+</file>
+
 <file path=ppt/notesSlides/notesSlide2.xml><?xml version="1.0" encoding="utf-8"?>
 <p:notes xmlns:a="http://schemas.openxmlformats.org/drawingml/2006/main" xmlns:r="http://schemas.openxmlformats.org/officeDocument/2006/relationships" xmlns:p="http://schemas.openxmlformats.org/presentationml/2006/main">
   <p:cSld>
@@ -14444,7 +17588,7 @@
             <a:fld id="{BE1686F5-D9B0-4B87-9E68-28AD15F2A4F1}" type="slidenum">
               <a:rPr lang="en-US" smtClean="0"/>
               <a:pPr/>
-              <a:t>6</a:t>
+              <a:t>4</a:t>
             </a:fld>
             <a:endParaRPr lang="en-US"/>
           </a:p>
@@ -14528,7 +17672,15 @@
           <a:bodyPr/>
           <a:lstStyle/>
           <a:p>
-            <a:endParaRPr lang="en-US"/>
+            <a:r>
+              <a:rPr lang="en-US" dirty="0"/>
+              <a:t>No more language barrier,</a:t>
+            </a:r>
+            <a:r>
+              <a:rPr lang="en-US" baseline="0" dirty="0"/>
+              <a:t> Improve communication, lessen misunderstanding</a:t>
+            </a:r>
+            <a:endParaRPr lang="en-US" dirty="0"/>
           </a:p>
         </p:txBody>
       </p:sp>
@@ -14804,6 +17956,105 @@
       </p:grpSpPr>
       <p:sp>
         <p:nvSpPr>
+          <p:cNvPr id="2" name="Slide Image Placeholder 1"/>
+          <p:cNvSpPr>
+            <a:spLocks noGrp="1" noRot="1" noChangeAspect="1"/>
+          </p:cNvSpPr>
+          <p:nvPr>
+            <p:ph type="sldImg"/>
+          </p:nvPr>
+        </p:nvSpPr>
+        <p:spPr/>
+      </p:sp>
+      <p:sp>
+        <p:nvSpPr>
+          <p:cNvPr id="3" name="Notes Placeholder 2"/>
+          <p:cNvSpPr>
+            <a:spLocks noGrp="1"/>
+          </p:cNvSpPr>
+          <p:nvPr>
+            <p:ph type="body" idx="1"/>
+          </p:nvPr>
+        </p:nvSpPr>
+        <p:spPr/>
+        <p:txBody>
+          <a:bodyPr/>
+          <a:lstStyle/>
+          <a:p>
+            <a:r>
+              <a:rPr lang="en-US" dirty="0"/>
+              <a:t>Improve</a:t>
+            </a:r>
+            <a:r>
+              <a:rPr lang="en-US" baseline="0" dirty="0"/>
+              <a:t> vocabulary, build self confidence in talking to other people using other dialect/languages – Benefits… </a:t>
+            </a:r>
+          </a:p>
+          <a:p>
+            <a:r>
+              <a:rPr lang="en-US" baseline="0" dirty="0"/>
+              <a:t>The rest capabilities</a:t>
+            </a:r>
+            <a:endParaRPr lang="en-US" dirty="0"/>
+          </a:p>
+        </p:txBody>
+      </p:sp>
+      <p:sp>
+        <p:nvSpPr>
+          <p:cNvPr id="4" name="Slide Number Placeholder 3"/>
+          <p:cNvSpPr>
+            <a:spLocks noGrp="1"/>
+          </p:cNvSpPr>
+          <p:nvPr>
+            <p:ph type="sldNum" sz="quarter" idx="10"/>
+          </p:nvPr>
+        </p:nvSpPr>
+        <p:spPr/>
+        <p:txBody>
+          <a:bodyPr/>
+          <a:lstStyle/>
+          <a:p>
+            <a:fld id="{BE1686F5-D9B0-4B87-9E68-28AD15F2A4F1}" type="slidenum">
+              <a:rPr lang="en-US" smtClean="0"/>
+              <a:pPr/>
+              <a:t>9</a:t>
+            </a:fld>
+            <a:endParaRPr lang="en-US"/>
+          </a:p>
+        </p:txBody>
+      </p:sp>
+    </p:spTree>
+    <p:extLst>
+      <p:ext uri="{BB962C8B-B14F-4D97-AF65-F5344CB8AC3E}">
+        <p14:creationId xmlns:p14="http://schemas.microsoft.com/office/powerpoint/2010/main" val="2735471581"/>
+      </p:ext>
+    </p:extLst>
+  </p:cSld>
+  <p:clrMapOvr>
+    <a:masterClrMapping/>
+  </p:clrMapOvr>
+</p:notes>
+</file>
+
+<file path=ppt/notesSlides/notesSlide7.xml><?xml version="1.0" encoding="utf-8"?>
+<p:notes xmlns:a="http://schemas.openxmlformats.org/drawingml/2006/main" xmlns:r="http://schemas.openxmlformats.org/officeDocument/2006/relationships" xmlns:p="http://schemas.openxmlformats.org/presentationml/2006/main">
+  <p:cSld>
+    <p:spTree>
+      <p:nvGrpSpPr>
+        <p:cNvPr id="1" name=""/>
+        <p:cNvGrpSpPr/>
+        <p:nvPr/>
+      </p:nvGrpSpPr>
+      <p:grpSpPr>
+        <a:xfrm>
+          <a:off x="0" y="0"/>
+          <a:ext cx="0" cy="0"/>
+          <a:chOff x="0" y="0"/>
+          <a:chExt cx="0" cy="0"/>
+        </a:xfrm>
+      </p:grpSpPr>
+      <p:sp>
+        <p:nvSpPr>
           <p:cNvPr id="2" name="Rectangle 2"/>
           <p:cNvSpPr>
             <a:spLocks noGrp="1" noRot="1" noChangeAspect="1"/>
@@ -14930,6 +18181,382 @@
     <p:extLst>
       <p:ext uri="{BB962C8B-B14F-4D97-AF65-F5344CB8AC3E}">
         <p14:creationId xmlns:p14="http://schemas.microsoft.com/office/powerpoint/2010/main" val="1333241851"/>
+      </p:ext>
+    </p:extLst>
+  </p:cSld>
+  <p:clrMapOvr>
+    <a:masterClrMapping/>
+  </p:clrMapOvr>
+</p:notes>
+</file>
+
+<file path=ppt/notesSlides/notesSlide8.xml><?xml version="1.0" encoding="utf-8"?>
+<p:notes xmlns:a="http://schemas.openxmlformats.org/drawingml/2006/main" xmlns:r="http://schemas.openxmlformats.org/officeDocument/2006/relationships" xmlns:p="http://schemas.openxmlformats.org/presentationml/2006/main">
+  <p:cSld>
+    <p:spTree>
+      <p:nvGrpSpPr>
+        <p:cNvPr id="1" name=""/>
+        <p:cNvGrpSpPr/>
+        <p:nvPr/>
+      </p:nvGrpSpPr>
+      <p:grpSpPr>
+        <a:xfrm>
+          <a:off x="0" y="0"/>
+          <a:ext cx="0" cy="0"/>
+          <a:chOff x="0" y="0"/>
+          <a:chExt cx="0" cy="0"/>
+        </a:xfrm>
+      </p:grpSpPr>
+      <p:sp>
+        <p:nvSpPr>
+          <p:cNvPr id="2" name="Slide Image Placeholder 1"/>
+          <p:cNvSpPr>
+            <a:spLocks noGrp="1" noRot="1" noChangeAspect="1"/>
+          </p:cNvSpPr>
+          <p:nvPr>
+            <p:ph type="sldImg"/>
+          </p:nvPr>
+        </p:nvSpPr>
+        <p:spPr/>
+      </p:sp>
+      <p:sp>
+        <p:nvSpPr>
+          <p:cNvPr id="3" name="Notes Placeholder 2"/>
+          <p:cNvSpPr>
+            <a:spLocks noGrp="1"/>
+          </p:cNvSpPr>
+          <p:nvPr>
+            <p:ph type="body" idx="1"/>
+          </p:nvPr>
+        </p:nvSpPr>
+        <p:spPr/>
+        <p:txBody>
+          <a:bodyPr/>
+          <a:lstStyle/>
+          <a:p>
+            <a:r>
+              <a:rPr lang="en-US" dirty="0"/>
+              <a:t>Explain how</a:t>
+            </a:r>
+            <a:r>
+              <a:rPr lang="en-US" baseline="0" dirty="0"/>
+              <a:t> the influencer, </a:t>
+            </a:r>
+          </a:p>
+          <a:p>
+            <a:r>
+              <a:rPr lang="en-US" baseline="0" dirty="0"/>
+              <a:t>travel agency, company will benefit using the app. (</a:t>
+            </a:r>
+            <a:r>
+              <a:rPr lang="en-US" baseline="0" dirty="0" err="1"/>
+              <a:t>Ano</a:t>
+            </a:r>
+            <a:r>
+              <a:rPr lang="en-US" baseline="0" dirty="0"/>
+              <a:t> </a:t>
+            </a:r>
+            <a:r>
+              <a:rPr lang="en-US" baseline="0" dirty="0" err="1"/>
+              <a:t>yung</a:t>
+            </a:r>
+            <a:r>
+              <a:rPr lang="en-US" baseline="0" dirty="0"/>
+              <a:t> benefit </a:t>
+            </a:r>
+            <a:r>
+              <a:rPr lang="en-US" baseline="0" dirty="0" err="1"/>
+              <a:t>na</a:t>
+            </a:r>
+            <a:r>
+              <a:rPr lang="en-US" baseline="0" dirty="0"/>
+              <a:t> </a:t>
+            </a:r>
+            <a:r>
+              <a:rPr lang="en-US" baseline="0" dirty="0" err="1"/>
+              <a:t>makukuha</a:t>
+            </a:r>
+            <a:r>
+              <a:rPr lang="en-US" baseline="0" dirty="0"/>
+              <a:t> </a:t>
+            </a:r>
+            <a:r>
+              <a:rPr lang="en-US" baseline="0" dirty="0" err="1"/>
+              <a:t>nila</a:t>
+            </a:r>
+            <a:r>
+              <a:rPr lang="en-US" baseline="0" dirty="0"/>
+              <a:t>)</a:t>
+            </a:r>
+          </a:p>
+          <a:p>
+            <a:r>
+              <a:rPr lang="en-US" baseline="0" dirty="0"/>
+              <a:t>-Strategy </a:t>
+            </a:r>
+            <a:r>
+              <a:rPr lang="en-US" baseline="0" dirty="0" err="1"/>
+              <a:t>natin</a:t>
+            </a:r>
+            <a:r>
+              <a:rPr lang="en-US" baseline="0" dirty="0"/>
+              <a:t> </a:t>
+            </a:r>
+            <a:r>
+              <a:rPr lang="en-US" baseline="0" dirty="0" err="1"/>
+              <a:t>paano</a:t>
+            </a:r>
+            <a:r>
+              <a:rPr lang="en-US" baseline="0" dirty="0"/>
+              <a:t> </a:t>
+            </a:r>
+            <a:r>
+              <a:rPr lang="en-US" baseline="0" dirty="0" err="1"/>
+              <a:t>mako</a:t>
+            </a:r>
+            <a:r>
+              <a:rPr lang="en-US" baseline="0" dirty="0"/>
+              <a:t>-convince </a:t>
+            </a:r>
+            <a:r>
+              <a:rPr lang="en-US" baseline="0" dirty="0" err="1"/>
+              <a:t>yung</a:t>
+            </a:r>
+            <a:r>
+              <a:rPr lang="en-US" baseline="0" dirty="0"/>
+              <a:t> influencer </a:t>
+            </a:r>
+            <a:r>
+              <a:rPr lang="en-US" baseline="0" dirty="0" err="1"/>
+              <a:t>na</a:t>
+            </a:r>
+            <a:r>
+              <a:rPr lang="en-US" baseline="0" dirty="0"/>
+              <a:t> </a:t>
+            </a:r>
+            <a:r>
+              <a:rPr lang="en-US" baseline="0" dirty="0" err="1"/>
+              <a:t>gamitin</a:t>
+            </a:r>
+            <a:r>
+              <a:rPr lang="en-US" baseline="0" dirty="0"/>
+              <a:t>/advertise </a:t>
+            </a:r>
+            <a:r>
+              <a:rPr lang="en-US" baseline="0" dirty="0" err="1"/>
+              <a:t>yung</a:t>
+            </a:r>
+            <a:r>
+              <a:rPr lang="en-US" baseline="0" dirty="0"/>
+              <a:t> app </a:t>
+            </a:r>
+            <a:r>
+              <a:rPr lang="en-US" baseline="0" dirty="0" err="1"/>
+              <a:t>natin</a:t>
+            </a:r>
+            <a:r>
+              <a:rPr lang="en-US" baseline="0" dirty="0"/>
+              <a:t>.</a:t>
+            </a:r>
+          </a:p>
+          <a:p>
+            <a:r>
+              <a:rPr lang="en-US" baseline="0" dirty="0"/>
+              <a:t>	&gt; free trials</a:t>
+            </a:r>
+          </a:p>
+          <a:p>
+            <a:r>
+              <a:rPr lang="en-US" baseline="0" dirty="0"/>
+              <a:t>-Travel agency, specify </a:t>
+            </a:r>
+            <a:r>
+              <a:rPr lang="en-US" baseline="0" dirty="0" err="1"/>
+              <a:t>yung</a:t>
+            </a:r>
+            <a:r>
+              <a:rPr lang="en-US" baseline="0" dirty="0"/>
+              <a:t> percentage </a:t>
+            </a:r>
+            <a:r>
+              <a:rPr lang="en-US" baseline="0" dirty="0" err="1"/>
+              <a:t>na</a:t>
+            </a:r>
+            <a:r>
+              <a:rPr lang="en-US" baseline="0" dirty="0"/>
+              <a:t> </a:t>
+            </a:r>
+            <a:r>
+              <a:rPr lang="en-US" baseline="0" dirty="0" err="1"/>
+              <a:t>makukuha</a:t>
+            </a:r>
+            <a:r>
+              <a:rPr lang="en-US" baseline="0" dirty="0"/>
+              <a:t> </a:t>
+            </a:r>
+            <a:r>
+              <a:rPr lang="en-US" baseline="0" dirty="0" err="1"/>
+              <a:t>nila</a:t>
+            </a:r>
+            <a:r>
+              <a:rPr lang="en-US" baseline="0" dirty="0"/>
+              <a:t>.</a:t>
+            </a:r>
+          </a:p>
+          <a:p>
+            <a:r>
+              <a:rPr lang="en-US" baseline="0" dirty="0"/>
+              <a:t>	&gt;redirect to </a:t>
+            </a:r>
+            <a:r>
+              <a:rPr lang="en-US" baseline="0" dirty="0" err="1"/>
+              <a:t>playstore</a:t>
+            </a:r>
+            <a:endParaRPr lang="en-US" baseline="0" dirty="0"/>
+          </a:p>
+          <a:p>
+            <a:r>
+              <a:rPr lang="en-US" baseline="0" dirty="0"/>
+              <a:t>	&gt;I-include </a:t>
+            </a:r>
+            <a:r>
+              <a:rPr lang="en-US" baseline="0" dirty="0" err="1"/>
+              <a:t>yung</a:t>
+            </a:r>
+            <a:r>
+              <a:rPr lang="en-US" baseline="0" dirty="0"/>
+              <a:t> app </a:t>
+            </a:r>
+            <a:r>
+              <a:rPr lang="en-US" baseline="0" dirty="0" err="1"/>
+              <a:t>sa</a:t>
+            </a:r>
+            <a:r>
+              <a:rPr lang="en-US" baseline="0" dirty="0"/>
+              <a:t> package/promo</a:t>
+            </a:r>
+          </a:p>
+          <a:p>
+            <a:endParaRPr lang="en-US" baseline="0" dirty="0"/>
+          </a:p>
+          <a:p>
+            <a:endParaRPr lang="en-US" dirty="0"/>
+          </a:p>
+        </p:txBody>
+      </p:sp>
+      <p:sp>
+        <p:nvSpPr>
+          <p:cNvPr id="4" name="Slide Number Placeholder 3"/>
+          <p:cNvSpPr>
+            <a:spLocks noGrp="1"/>
+          </p:cNvSpPr>
+          <p:nvPr>
+            <p:ph type="sldNum" sz="quarter" idx="10"/>
+          </p:nvPr>
+        </p:nvSpPr>
+        <p:spPr/>
+        <p:txBody>
+          <a:bodyPr/>
+          <a:lstStyle/>
+          <a:p>
+            <a:fld id="{BE1686F5-D9B0-4B87-9E68-28AD15F2A4F1}" type="slidenum">
+              <a:rPr lang="en-US" smtClean="0"/>
+              <a:pPr/>
+              <a:t>13</a:t>
+            </a:fld>
+            <a:endParaRPr lang="en-US"/>
+          </a:p>
+        </p:txBody>
+      </p:sp>
+    </p:spTree>
+    <p:extLst>
+      <p:ext uri="{BB962C8B-B14F-4D97-AF65-F5344CB8AC3E}">
+        <p14:creationId xmlns:p14="http://schemas.microsoft.com/office/powerpoint/2010/main" val="3133502777"/>
+      </p:ext>
+    </p:extLst>
+  </p:cSld>
+  <p:clrMapOvr>
+    <a:masterClrMapping/>
+  </p:clrMapOvr>
+</p:notes>
+</file>
+
+<file path=ppt/notesSlides/notesSlide9.xml><?xml version="1.0" encoding="utf-8"?>
+<p:notes xmlns:a="http://schemas.openxmlformats.org/drawingml/2006/main" xmlns:r="http://schemas.openxmlformats.org/officeDocument/2006/relationships" xmlns:p="http://schemas.openxmlformats.org/presentationml/2006/main">
+  <p:cSld>
+    <p:spTree>
+      <p:nvGrpSpPr>
+        <p:cNvPr id="1" name=""/>
+        <p:cNvGrpSpPr/>
+        <p:nvPr/>
+      </p:nvGrpSpPr>
+      <p:grpSpPr>
+        <a:xfrm>
+          <a:off x="0" y="0"/>
+          <a:ext cx="0" cy="0"/>
+          <a:chOff x="0" y="0"/>
+          <a:chExt cx="0" cy="0"/>
+        </a:xfrm>
+      </p:grpSpPr>
+      <p:sp>
+        <p:nvSpPr>
+          <p:cNvPr id="2" name="Slide Image Placeholder 1"/>
+          <p:cNvSpPr>
+            <a:spLocks noGrp="1" noRot="1" noChangeAspect="1"/>
+          </p:cNvSpPr>
+          <p:nvPr>
+            <p:ph type="sldImg"/>
+          </p:nvPr>
+        </p:nvSpPr>
+        <p:spPr/>
+      </p:sp>
+      <p:sp>
+        <p:nvSpPr>
+          <p:cNvPr id="3" name="Notes Placeholder 2"/>
+          <p:cNvSpPr>
+            <a:spLocks noGrp="1"/>
+          </p:cNvSpPr>
+          <p:nvPr>
+            <p:ph type="body" idx="1"/>
+          </p:nvPr>
+        </p:nvSpPr>
+        <p:spPr/>
+        <p:txBody>
+          <a:bodyPr/>
+          <a:lstStyle/>
+          <a:p>
+            <a:endParaRPr lang="en-US" dirty="0"/>
+          </a:p>
+        </p:txBody>
+      </p:sp>
+      <p:sp>
+        <p:nvSpPr>
+          <p:cNvPr id="4" name="Slide Number Placeholder 3"/>
+          <p:cNvSpPr>
+            <a:spLocks noGrp="1"/>
+          </p:cNvSpPr>
+          <p:nvPr>
+            <p:ph type="sldNum" sz="quarter" idx="10"/>
+          </p:nvPr>
+        </p:nvSpPr>
+        <p:spPr/>
+        <p:txBody>
+          <a:bodyPr/>
+          <a:lstStyle/>
+          <a:p>
+            <a:fld id="{BE1686F5-D9B0-4B87-9E68-28AD15F2A4F1}" type="slidenum">
+              <a:rPr lang="en-US" smtClean="0"/>
+              <a:pPr/>
+              <a:t>14</a:t>
+            </a:fld>
+            <a:endParaRPr lang="en-US"/>
+          </a:p>
+        </p:txBody>
+      </p:sp>
+    </p:spTree>
+    <p:extLst>
+      <p:ext uri="{BB962C8B-B14F-4D97-AF65-F5344CB8AC3E}">
+        <p14:creationId xmlns:p14="http://schemas.microsoft.com/office/powerpoint/2010/main" val="3534022148"/>
       </p:ext>
     </p:extLst>
   </p:cSld>
@@ -17822,6 +21449,61 @@
           <a:chExt cx="0" cy="0"/>
         </a:xfrm>
       </p:grpSpPr>
+      <p:graphicFrame>
+        <p:nvGraphicFramePr>
+          <p:cNvPr id="4" name="Content Placeholder 3"/>
+          <p:cNvGraphicFramePr>
+            <a:graphicFrameLocks noGrp="1"/>
+          </p:cNvGraphicFramePr>
+          <p:nvPr>
+            <p:ph idx="1"/>
+            <p:extLst>
+              <p:ext uri="{D42A27DB-BD31-4B8C-83A1-F6EECF244321}">
+                <p14:modId xmlns:p14="http://schemas.microsoft.com/office/powerpoint/2010/main" val="429898103"/>
+              </p:ext>
+            </p:extLst>
+          </p:nvPr>
+        </p:nvGraphicFramePr>
+        <p:xfrm>
+          <a:off x="467544" y="476672"/>
+          <a:ext cx="8208912" cy="5688632"/>
+        </p:xfrm>
+        <a:graphic>
+          <a:graphicData uri="http://schemas.openxmlformats.org/drawingml/2006/diagram">
+            <dgm:relIds xmlns:dgm="http://schemas.openxmlformats.org/drawingml/2006/diagram" xmlns:r="http://schemas.openxmlformats.org/officeDocument/2006/relationships" r:dm="rId3" r:lo="rId4" r:qs="rId5" r:cs="rId6"/>
+          </a:graphicData>
+        </a:graphic>
+      </p:graphicFrame>
+    </p:spTree>
+    <p:extLst>
+      <p:ext uri="{BB962C8B-B14F-4D97-AF65-F5344CB8AC3E}">
+        <p14:creationId xmlns:p14="http://schemas.microsoft.com/office/powerpoint/2010/main" val="3914691018"/>
+      </p:ext>
+    </p:extLst>
+  </p:cSld>
+  <p:clrMapOvr>
+    <a:masterClrMapping/>
+  </p:clrMapOvr>
+</p:sld>
+</file>
+
+<file path=ppt/slides/slide14.xml><?xml version="1.0" encoding="utf-8"?>
+<p:sld xmlns:a="http://schemas.openxmlformats.org/drawingml/2006/main" xmlns:r="http://schemas.openxmlformats.org/officeDocument/2006/relationships" xmlns:p="http://schemas.openxmlformats.org/presentationml/2006/main">
+  <p:cSld>
+    <p:spTree>
+      <p:nvGrpSpPr>
+        <p:cNvPr id="1" name=""/>
+        <p:cNvGrpSpPr/>
+        <p:nvPr/>
+      </p:nvGrpSpPr>
+      <p:grpSpPr>
+        <a:xfrm>
+          <a:off x="0" y="0"/>
+          <a:ext cx="0" cy="0"/>
+          <a:chOff x="0" y="0"/>
+          <a:chExt cx="0" cy="0"/>
+        </a:xfrm>
+      </p:grpSpPr>
       <p:sp>
         <p:nvSpPr>
           <p:cNvPr id="2" name="Title 1"/>
@@ -17867,7 +21549,7 @@
         </p:xfrm>
         <a:graphic>
           <a:graphicData uri="http://schemas.openxmlformats.org/drawingml/2006/diagram">
-            <dgm:relIds xmlns:dgm="http://schemas.openxmlformats.org/drawingml/2006/diagram" xmlns:r="http://schemas.openxmlformats.org/officeDocument/2006/relationships" r:dm="rId2" r:lo="rId3" r:qs="rId4" r:cs="rId5"/>
+            <dgm:relIds xmlns:dgm="http://schemas.openxmlformats.org/drawingml/2006/diagram" xmlns:r="http://schemas.openxmlformats.org/officeDocument/2006/relationships" r:dm="rId3" r:lo="rId4" r:qs="rId5" r:cs="rId6"/>
           </a:graphicData>
         </a:graphic>
       </p:graphicFrame>
@@ -17884,7 +21566,7 @@
 </p:sld>
 </file>
 
-<file path=ppt/slides/slide14.xml><?xml version="1.0" encoding="utf-8"?>
+<file path=ppt/slides/slide15.xml><?xml version="1.0" encoding="utf-8"?>
 <p:sld xmlns:a="http://schemas.openxmlformats.org/drawingml/2006/main" xmlns:r="http://schemas.openxmlformats.org/officeDocument/2006/relationships" xmlns:p="http://schemas.openxmlformats.org/presentationml/2006/main">
   <p:cSld>
     <p:spTree>
@@ -17963,7 +21645,7 @@
 </p:sld>
 </file>
 
-<file path=ppt/slides/slide15.xml><?xml version="1.0" encoding="utf-8"?>
+<file path=ppt/slides/slide16.xml><?xml version="1.0" encoding="utf-8"?>
 <p:sld xmlns:a="http://schemas.openxmlformats.org/drawingml/2006/main" xmlns:r="http://schemas.openxmlformats.org/officeDocument/2006/relationships" xmlns:p="http://schemas.openxmlformats.org/presentationml/2006/main">
   <p:cSld>
     <p:spTree>
@@ -18023,7 +21705,7 @@
 </p:sld>
 </file>
 
-<file path=ppt/slides/slide16.xml><?xml version="1.0" encoding="utf-8"?>
+<file path=ppt/slides/slide17.xml><?xml version="1.0" encoding="utf-8"?>
 <p:sld xmlns:a="http://schemas.openxmlformats.org/drawingml/2006/main" xmlns:r="http://schemas.openxmlformats.org/officeDocument/2006/relationships" xmlns:p="http://schemas.openxmlformats.org/presentationml/2006/main">
   <p:cSld>
     <p:spTree>
@@ -18050,14 +21732,14 @@
             <p:ph idx="1"/>
             <p:extLst>
               <p:ext uri="{D42A27DB-BD31-4B8C-83A1-F6EECF244321}">
-                <p14:modId xmlns:p14="http://schemas.microsoft.com/office/powerpoint/2010/main" val="943439799"/>
+                <p14:modId xmlns:p14="http://schemas.microsoft.com/office/powerpoint/2010/main" val="3097590641"/>
               </p:ext>
             </p:extLst>
           </p:nvPr>
         </p:nvGraphicFramePr>
         <p:xfrm>
-          <a:off x="467544" y="626333"/>
-          <a:ext cx="6121401" cy="1642110"/>
+          <a:off x="467544" y="420097"/>
+          <a:ext cx="6552727" cy="1487805"/>
         </p:xfrm>
         <a:graphic>
           <a:graphicData uri="http://schemas.openxmlformats.org/drawingml/2006/table">
@@ -18066,28 +21748,28 @@
                 <a:tableStyleId>{B301B821-A1FF-4177-AEE7-76D212191A09}</a:tableStyleId>
               </a:tblPr>
               <a:tblGrid>
-                <a:gridCol w="2579937">
+                <a:gridCol w="2761723">
                   <a:extLst>
                     <a:ext uri="{9D8B030D-6E8A-4147-A177-3AD203B41FA5}">
                       <a16:colId xmlns:a16="http://schemas.microsoft.com/office/drawing/2014/main" val="60524709"/>
                     </a:ext>
                   </a:extLst>
                 </a:gridCol>
-                <a:gridCol w="1180488">
+                <a:gridCol w="1263668">
                   <a:extLst>
                     <a:ext uri="{9D8B030D-6E8A-4147-A177-3AD203B41FA5}">
                       <a16:colId xmlns:a16="http://schemas.microsoft.com/office/drawing/2014/main" val="3400164603"/>
                     </a:ext>
                   </a:extLst>
                 </a:gridCol>
-                <a:gridCol w="1180488">
+                <a:gridCol w="1263668">
                   <a:extLst>
                     <a:ext uri="{9D8B030D-6E8A-4147-A177-3AD203B41FA5}">
                       <a16:colId xmlns:a16="http://schemas.microsoft.com/office/drawing/2014/main" val="517197909"/>
                     </a:ext>
                   </a:extLst>
                 </a:gridCol>
-                <a:gridCol w="1180488">
+                <a:gridCol w="1263668">
                   <a:extLst>
                     <a:ext uri="{9D8B030D-6E8A-4147-A177-3AD203B41FA5}">
                       <a16:colId xmlns:a16="http://schemas.microsoft.com/office/drawing/2014/main" val="2116990143"/>
@@ -18301,12 +21983,12 @@
                     <a:p>
                       <a:pPr algn="l" fontAlgn="b"/>
                       <a:r>
-                        <a:rPr lang="en-PH" sz="1100" u="none" strike="noStrike">
+                        <a:rPr lang="en-PH" sz="1100" u="none" strike="noStrike" dirty="0">
                           <a:effectLst/>
                         </a:rPr>
                         <a:t>Business Analyst</a:t>
                       </a:r>
-                      <a:endParaRPr lang="en-PH" sz="1100" b="0" i="0" u="none" strike="noStrike">
+                      <a:endParaRPr lang="en-PH" sz="1100" b="0" i="0" u="none" strike="noStrike" dirty="0">
                         <a:solidFill>
                           <a:srgbClr val="000000"/>
                         </a:solidFill>
@@ -18499,12 +22181,12 @@
                     <a:p>
                       <a:pPr algn="l" fontAlgn="b"/>
                       <a:r>
-                        <a:rPr lang="en-PH" sz="1100" u="none" strike="noStrike">
+                        <a:rPr lang="en-PH" sz="1100" u="none" strike="noStrike" dirty="0">
                           <a:effectLst/>
                         </a:rPr>
                         <a:t>Database Developer</a:t>
                       </a:r>
-                      <a:endParaRPr lang="en-PH" sz="1100" b="0" i="0" u="none" strike="noStrike">
+                      <a:endParaRPr lang="en-PH" sz="1100" b="0" i="0" u="none" strike="noStrike" dirty="0">
                         <a:solidFill>
                           <a:srgbClr val="000000"/>
                         </a:solidFill>
@@ -18783,14 +22465,14 @@
           <p:nvPr>
             <p:extLst>
               <p:ext uri="{D42A27DB-BD31-4B8C-83A1-F6EECF244321}">
-                <p14:modId xmlns:p14="http://schemas.microsoft.com/office/powerpoint/2010/main" val="4178551948"/>
+                <p14:modId xmlns:p14="http://schemas.microsoft.com/office/powerpoint/2010/main" val="2974890608"/>
               </p:ext>
             </p:extLst>
           </p:nvPr>
         </p:nvGraphicFramePr>
         <p:xfrm>
-          <a:off x="2555776" y="2268443"/>
-          <a:ext cx="6121401" cy="1106805"/>
+          <a:off x="2123729" y="1907902"/>
+          <a:ext cx="6552632" cy="952500"/>
         </p:xfrm>
         <a:graphic>
           <a:graphicData uri="http://schemas.openxmlformats.org/drawingml/2006/table">
@@ -18799,28 +22481,28 @@
                 <a:tableStyleId>{B301B821-A1FF-4177-AEE7-76D212191A09}</a:tableStyleId>
               </a:tblPr>
               <a:tblGrid>
-                <a:gridCol w="2579937">
+                <a:gridCol w="2761685">
                   <a:extLst>
                     <a:ext uri="{9D8B030D-6E8A-4147-A177-3AD203B41FA5}">
                       <a16:colId xmlns:a16="http://schemas.microsoft.com/office/drawing/2014/main" val="2166273623"/>
                     </a:ext>
                   </a:extLst>
                 </a:gridCol>
-                <a:gridCol w="1180488">
+                <a:gridCol w="1263649">
                   <a:extLst>
                     <a:ext uri="{9D8B030D-6E8A-4147-A177-3AD203B41FA5}">
                       <a16:colId xmlns:a16="http://schemas.microsoft.com/office/drawing/2014/main" val="2034104171"/>
                     </a:ext>
                   </a:extLst>
                 </a:gridCol>
-                <a:gridCol w="1180488">
+                <a:gridCol w="1263649">
                   <a:extLst>
                     <a:ext uri="{9D8B030D-6E8A-4147-A177-3AD203B41FA5}">
                       <a16:colId xmlns:a16="http://schemas.microsoft.com/office/drawing/2014/main" val="3603715156"/>
                     </a:ext>
                   </a:extLst>
                 </a:gridCol>
-                <a:gridCol w="1180488">
+                <a:gridCol w="1263649">
                   <a:extLst>
                     <a:ext uri="{9D8B030D-6E8A-4147-A177-3AD203B41FA5}">
                       <a16:colId xmlns:a16="http://schemas.microsoft.com/office/drawing/2014/main" val="2573753868"/>
@@ -18836,12 +22518,12 @@
                     <a:p>
                       <a:pPr algn="ctr" fontAlgn="ctr"/>
                       <a:r>
-                        <a:rPr lang="en-PH" sz="1100" u="none" strike="noStrike">
+                        <a:rPr lang="en-PH" sz="1100" u="none" strike="noStrike" dirty="0">
                           <a:effectLst/>
                         </a:rPr>
                         <a:t>Software</a:t>
                       </a:r>
-                      <a:endParaRPr lang="en-PH" sz="1100" b="1" i="0" u="none" strike="noStrike">
+                      <a:endParaRPr lang="en-PH" sz="1100" b="1" i="0" u="none" strike="noStrike" dirty="0">
                         <a:solidFill>
                           <a:srgbClr val="000000"/>
                         </a:solidFill>
@@ -19034,12 +22716,12 @@
                     <a:p>
                       <a:pPr algn="l" fontAlgn="b"/>
                       <a:r>
-                        <a:rPr lang="en-PH" sz="1100" u="none" strike="noStrike">
+                        <a:rPr lang="en-PH" sz="1100" u="none" strike="noStrike" dirty="0">
                           <a:effectLst/>
                         </a:rPr>
                         <a:t>Firebase</a:t>
                       </a:r>
-                      <a:endParaRPr lang="en-PH" sz="1100" b="0" i="0" u="none" strike="noStrike">
+                      <a:endParaRPr lang="en-PH" sz="1100" b="0" i="0" u="none" strike="noStrike" dirty="0">
                         <a:solidFill>
                           <a:srgbClr val="000000"/>
                         </a:solidFill>
@@ -19318,13 +23000,13 @@
           <p:nvPr>
             <p:extLst>
               <p:ext uri="{D42A27DB-BD31-4B8C-83A1-F6EECF244321}">
-                <p14:modId xmlns:p14="http://schemas.microsoft.com/office/powerpoint/2010/main" val="931078111"/>
+                <p14:modId xmlns:p14="http://schemas.microsoft.com/office/powerpoint/2010/main" val="1509471500"/>
               </p:ext>
             </p:extLst>
           </p:nvPr>
         </p:nvGraphicFramePr>
         <p:xfrm>
-          <a:off x="467544" y="3375248"/>
+          <a:off x="467544" y="2860402"/>
           <a:ext cx="6552727" cy="1905000"/>
         </p:xfrm>
         <a:graphic>
@@ -19767,12 +23449,12 @@
                     <a:p>
                       <a:pPr algn="l" fontAlgn="b"/>
                       <a:r>
-                        <a:rPr lang="en-PH" sz="1100" u="none" strike="noStrike">
+                        <a:rPr lang="en-PH" sz="1100" u="none" strike="noStrike" dirty="0">
                           <a:effectLst/>
                         </a:rPr>
                         <a:t>Tables (4)</a:t>
                       </a:r>
-                      <a:endParaRPr lang="en-PH" sz="1100" b="0" i="0" u="none" strike="noStrike">
+                      <a:endParaRPr lang="en-PH" sz="1100" b="0" i="0" u="none" strike="noStrike" dirty="0">
                         <a:solidFill>
                           <a:srgbClr val="000000"/>
                         </a:solidFill>
@@ -20261,7 +23943,7 @@
                     <a:lstStyle/>
                     <a:p>
                       <a:pPr algn="l" fontAlgn="b"/>
-                      <a:endParaRPr lang="en-PH" sz="1100" b="0" i="0" u="none" strike="noStrike">
+                      <a:endParaRPr lang="en-PH" sz="1100" b="0" i="0" u="none" strike="noStrike" dirty="0">
                         <a:solidFill>
                           <a:srgbClr val="000000"/>
                         </a:solidFill>
@@ -20341,21 +24023,21 @@
       </p:graphicFrame>
       <p:graphicFrame>
         <p:nvGraphicFramePr>
-          <p:cNvPr id="7" name="Table 6"/>
+          <p:cNvPr id="2" name="Table 1"/>
           <p:cNvGraphicFramePr>
             <a:graphicFrameLocks noGrp="1"/>
           </p:cNvGraphicFramePr>
           <p:nvPr>
             <p:extLst>
               <p:ext uri="{D42A27DB-BD31-4B8C-83A1-F6EECF244321}">
-                <p14:modId xmlns:p14="http://schemas.microsoft.com/office/powerpoint/2010/main" val="2984709355"/>
+                <p14:modId xmlns:p14="http://schemas.microsoft.com/office/powerpoint/2010/main" val="626895024"/>
               </p:ext>
             </p:extLst>
           </p:nvPr>
         </p:nvGraphicFramePr>
         <p:xfrm>
-          <a:off x="4917977" y="5280248"/>
-          <a:ext cx="3759200" cy="381000"/>
+          <a:off x="2123729" y="4765402"/>
+          <a:ext cx="6552630" cy="762000"/>
         </p:xfrm>
         <a:graphic>
           <a:graphicData uri="http://schemas.openxmlformats.org/drawingml/2006/table">
@@ -20364,17 +24046,31 @@
                 <a:tableStyleId>{B301B821-A1FF-4177-AEE7-76D212191A09}</a:tableStyleId>
               </a:tblPr>
               <a:tblGrid>
-                <a:gridCol w="2579097">
+                <a:gridCol w="2761683">
                   <a:extLst>
                     <a:ext uri="{9D8B030D-6E8A-4147-A177-3AD203B41FA5}">
-                      <a16:colId xmlns:a16="http://schemas.microsoft.com/office/drawing/2014/main" val="2254254819"/>
+                      <a16:colId xmlns:a16="http://schemas.microsoft.com/office/drawing/2014/main" val="3905968808"/>
                     </a:ext>
                   </a:extLst>
                 </a:gridCol>
-                <a:gridCol w="1180103">
+                <a:gridCol w="1263649">
                   <a:extLst>
                     <a:ext uri="{9D8B030D-6E8A-4147-A177-3AD203B41FA5}">
-                      <a16:colId xmlns:a16="http://schemas.microsoft.com/office/drawing/2014/main" val="2640615775"/>
+                      <a16:colId xmlns:a16="http://schemas.microsoft.com/office/drawing/2014/main" val="950089543"/>
+                    </a:ext>
+                  </a:extLst>
+                </a:gridCol>
+                <a:gridCol w="1263649">
+                  <a:extLst>
+                    <a:ext uri="{9D8B030D-6E8A-4147-A177-3AD203B41FA5}">
+                      <a16:colId xmlns:a16="http://schemas.microsoft.com/office/drawing/2014/main" val="1875688787"/>
+                    </a:ext>
+                  </a:extLst>
+                </a:gridCol>
+                <a:gridCol w="1263649">
+                  <a:extLst>
+                    <a:ext uri="{9D8B030D-6E8A-4147-A177-3AD203B41FA5}">
+                      <a16:colId xmlns:a16="http://schemas.microsoft.com/office/drawing/2014/main" val="3387656776"/>
                     </a:ext>
                   </a:extLst>
                 </a:gridCol>
@@ -20387,10 +24083,56 @@
                     <a:p>
                       <a:pPr algn="l" fontAlgn="b"/>
                       <a:r>
+                        <a:rPr lang="en-PH" sz="1100" u="none" strike="noStrike" dirty="0">
+                          <a:effectLst/>
+                        </a:rPr>
+                        <a:t>Advertisement</a:t>
+                      </a:r>
+                      <a:endParaRPr lang="en-PH" sz="1100" b="1" i="0" u="none" strike="noStrike" dirty="0">
+                        <a:solidFill>
+                          <a:srgbClr val="000000"/>
+                        </a:solidFill>
+                        <a:effectLst/>
+                        <a:latin typeface="Calibri" panose="020F0502020204030204" pitchFamily="34" charset="0"/>
+                      </a:endParaRPr>
+                    </a:p>
+                  </a:txBody>
+                  <a:tcPr marL="9525" marR="9525" marT="9525" marB="0" anchor="b"/>
+                </a:tc>
+                <a:tc>
+                  <a:txBody>
+                    <a:bodyPr/>
+                    <a:lstStyle/>
+                    <a:p>
+                      <a:pPr algn="ctr" fontAlgn="ctr"/>
+                      <a:r>
                         <a:rPr lang="en-PH" sz="1100" u="none" strike="noStrike">
                           <a:effectLst/>
                         </a:rPr>
-                        <a:t>Contingency Cost</a:t>
+                        <a:t>Price</a:t>
+                      </a:r>
+                      <a:endParaRPr lang="en-PH" sz="1100" b="1" i="0" u="none" strike="noStrike">
+                        <a:solidFill>
+                          <a:srgbClr val="000000"/>
+                        </a:solidFill>
+                        <a:effectLst/>
+                        <a:latin typeface="Calibri" panose="020F0502020204030204" pitchFamily="34" charset="0"/>
+                      </a:endParaRPr>
+                    </a:p>
+                  </a:txBody>
+                  <a:tcPr marL="9525" marR="9525" marT="9525" marB="0" anchor="ctr"/>
+                </a:tc>
+                <a:tc>
+                  <a:txBody>
+                    <a:bodyPr/>
+                    <a:lstStyle/>
+                    <a:p>
+                      <a:pPr algn="ctr" fontAlgn="b"/>
+                      <a:r>
+                        <a:rPr lang="en-PH" sz="1100" u="none" strike="noStrike">
+                          <a:effectLst/>
+                        </a:rPr>
+                        <a:t>Duration (month)</a:t>
                       </a:r>
                       <a:endParaRPr lang="en-PH" sz="1100" b="1" i="0" u="none" strike="noStrike">
                         <a:solidFill>
@@ -20408,14 +24150,293 @@
                     <a:bodyPr/>
                     <a:lstStyle/>
                     <a:p>
-                      <a:pPr algn="r" fontAlgn="b"/>
+                      <a:pPr algn="ctr" fontAlgn="b"/>
                       <a:r>
                         <a:rPr lang="en-PH" sz="1100" u="none" strike="noStrike">
                           <a:effectLst/>
                         </a:rPr>
-                        <a:t>₱53,236.52</a:t>
+                        <a:t>Total</a:t>
                       </a:r>
                       <a:endParaRPr lang="en-PH" sz="1100" b="1" i="0" u="none" strike="noStrike">
+                        <a:solidFill>
+                          <a:srgbClr val="000000"/>
+                        </a:solidFill>
+                        <a:effectLst/>
+                        <a:latin typeface="Calibri" panose="020F0502020204030204" pitchFamily="34" charset="0"/>
+                      </a:endParaRPr>
+                    </a:p>
+                  </a:txBody>
+                  <a:tcPr marL="9525" marR="9525" marT="9525" marB="0" anchor="b"/>
+                </a:tc>
+                <a:extLst>
+                  <a:ext uri="{0D108BD9-81ED-4DB2-BD59-A6C34878D82A}">
+                    <a16:rowId xmlns:a16="http://schemas.microsoft.com/office/drawing/2014/main" val="3423506802"/>
+                  </a:ext>
+                </a:extLst>
+              </a:tr>
+              <a:tr h="190500">
+                <a:tc>
+                  <a:txBody>
+                    <a:bodyPr/>
+                    <a:lstStyle/>
+                    <a:p>
+                      <a:pPr algn="l" fontAlgn="b"/>
+                      <a:r>
+                        <a:rPr lang="en-PH" sz="1100" u="none" strike="noStrike" dirty="0">
+                          <a:effectLst/>
+                        </a:rPr>
+                        <a:t>Advertising</a:t>
+                      </a:r>
+                      <a:endParaRPr lang="en-PH" sz="1100" b="0" i="0" u="none" strike="noStrike" dirty="0">
+                        <a:solidFill>
+                          <a:srgbClr val="000000"/>
+                        </a:solidFill>
+                        <a:effectLst/>
+                        <a:latin typeface="Calibri" panose="020F0502020204030204" pitchFamily="34" charset="0"/>
+                      </a:endParaRPr>
+                    </a:p>
+                  </a:txBody>
+                  <a:tcPr marL="9525" marR="9525" marT="9525" marB="0" anchor="b"/>
+                </a:tc>
+                <a:tc>
+                  <a:txBody>
+                    <a:bodyPr/>
+                    <a:lstStyle/>
+                    <a:p>
+                      <a:pPr algn="ctr" fontAlgn="ctr"/>
+                      <a:r>
+                        <a:rPr lang="en-PH" sz="1100" u="none" strike="noStrike">
+                          <a:effectLst/>
+                        </a:rPr>
+                        <a:t>₱10,000</a:t>
+                      </a:r>
+                      <a:endParaRPr lang="en-PH" sz="1100" b="0" i="0" u="none" strike="noStrike">
+                        <a:solidFill>
+                          <a:srgbClr val="000000"/>
+                        </a:solidFill>
+                        <a:effectLst/>
+                        <a:latin typeface="Calibri" panose="020F0502020204030204" pitchFamily="34" charset="0"/>
+                      </a:endParaRPr>
+                    </a:p>
+                  </a:txBody>
+                  <a:tcPr marL="9525" marR="9525" marT="9525" marB="0" anchor="ctr"/>
+                </a:tc>
+                <a:tc>
+                  <a:txBody>
+                    <a:bodyPr/>
+                    <a:lstStyle/>
+                    <a:p>
+                      <a:pPr algn="ctr" fontAlgn="b"/>
+                      <a:r>
+                        <a:rPr lang="en-PH" sz="1100" u="none" strike="noStrike">
+                          <a:effectLst/>
+                        </a:rPr>
+                        <a:t>18</a:t>
+                      </a:r>
+                      <a:endParaRPr lang="en-PH" sz="1100" b="0" i="0" u="none" strike="noStrike">
+                        <a:solidFill>
+                          <a:srgbClr val="000000"/>
+                        </a:solidFill>
+                        <a:effectLst/>
+                        <a:latin typeface="Calibri" panose="020F0502020204030204" pitchFamily="34" charset="0"/>
+                      </a:endParaRPr>
+                    </a:p>
+                  </a:txBody>
+                  <a:tcPr marL="9525" marR="9525" marT="9525" marB="0" anchor="b"/>
+                </a:tc>
+                <a:tc>
+                  <a:txBody>
+                    <a:bodyPr/>
+                    <a:lstStyle/>
+                    <a:p>
+                      <a:pPr algn="ctr" fontAlgn="b"/>
+                      <a:r>
+                        <a:rPr lang="en-PH" sz="1100" u="none" strike="noStrike" dirty="0">
+                          <a:effectLst/>
+                        </a:rPr>
+                        <a:t>₱180,000</a:t>
+                      </a:r>
+                      <a:endParaRPr lang="en-PH" sz="1100" b="0" i="0" u="none" strike="noStrike" dirty="0">
+                        <a:solidFill>
+                          <a:srgbClr val="000000"/>
+                        </a:solidFill>
+                        <a:effectLst/>
+                        <a:latin typeface="Calibri" panose="020F0502020204030204" pitchFamily="34" charset="0"/>
+                      </a:endParaRPr>
+                    </a:p>
+                  </a:txBody>
+                  <a:tcPr marL="9525" marR="9525" marT="9525" marB="0" anchor="b"/>
+                </a:tc>
+                <a:extLst>
+                  <a:ext uri="{0D108BD9-81ED-4DB2-BD59-A6C34878D82A}">
+                    <a16:rowId xmlns:a16="http://schemas.microsoft.com/office/drawing/2014/main" val="4051400856"/>
+                  </a:ext>
+                </a:extLst>
+              </a:tr>
+              <a:tr h="190500">
+                <a:tc>
+                  <a:txBody>
+                    <a:bodyPr/>
+                    <a:lstStyle/>
+                    <a:p>
+                      <a:pPr algn="l" fontAlgn="b"/>
+                      <a:r>
+                        <a:rPr lang="en-PH" sz="1100" u="none" strike="noStrike">
+                          <a:effectLst/>
+                        </a:rPr>
+                        <a:t>Marketing</a:t>
+                      </a:r>
+                      <a:endParaRPr lang="en-PH" sz="1100" b="0" i="0" u="none" strike="noStrike">
+                        <a:solidFill>
+                          <a:srgbClr val="000000"/>
+                        </a:solidFill>
+                        <a:effectLst/>
+                        <a:latin typeface="Calibri" panose="020F0502020204030204" pitchFamily="34" charset="0"/>
+                      </a:endParaRPr>
+                    </a:p>
+                  </a:txBody>
+                  <a:tcPr marL="9525" marR="9525" marT="9525" marB="0" anchor="b"/>
+                </a:tc>
+                <a:tc>
+                  <a:txBody>
+                    <a:bodyPr/>
+                    <a:lstStyle/>
+                    <a:p>
+                      <a:pPr algn="ctr" fontAlgn="ctr"/>
+                      <a:r>
+                        <a:rPr lang="en-PH" sz="1100" u="none" strike="noStrike">
+                          <a:effectLst/>
+                        </a:rPr>
+                        <a:t>₱20,000</a:t>
+                      </a:r>
+                      <a:endParaRPr lang="en-PH" sz="1100" b="0" i="0" u="none" strike="noStrike">
+                        <a:solidFill>
+                          <a:srgbClr val="000000"/>
+                        </a:solidFill>
+                        <a:effectLst/>
+                        <a:latin typeface="Calibri" panose="020F0502020204030204" pitchFamily="34" charset="0"/>
+                      </a:endParaRPr>
+                    </a:p>
+                  </a:txBody>
+                  <a:tcPr marL="9525" marR="9525" marT="9525" marB="0" anchor="ctr"/>
+                </a:tc>
+                <a:tc>
+                  <a:txBody>
+                    <a:bodyPr/>
+                    <a:lstStyle/>
+                    <a:p>
+                      <a:pPr algn="ctr" fontAlgn="b"/>
+                      <a:r>
+                        <a:rPr lang="en-PH" sz="1100" u="none" strike="noStrike">
+                          <a:effectLst/>
+                        </a:rPr>
+                        <a:t>18</a:t>
+                      </a:r>
+                      <a:endParaRPr lang="en-PH" sz="1100" b="0" i="0" u="none" strike="noStrike">
+                        <a:solidFill>
+                          <a:srgbClr val="000000"/>
+                        </a:solidFill>
+                        <a:effectLst/>
+                        <a:latin typeface="Calibri" panose="020F0502020204030204" pitchFamily="34" charset="0"/>
+                      </a:endParaRPr>
+                    </a:p>
+                  </a:txBody>
+                  <a:tcPr marL="9525" marR="9525" marT="9525" marB="0" anchor="b"/>
+                </a:tc>
+                <a:tc>
+                  <a:txBody>
+                    <a:bodyPr/>
+                    <a:lstStyle/>
+                    <a:p>
+                      <a:pPr algn="ctr" fontAlgn="b"/>
+                      <a:r>
+                        <a:rPr lang="en-PH" sz="1100" u="none" strike="noStrike">
+                          <a:effectLst/>
+                        </a:rPr>
+                        <a:t>₱360,000</a:t>
+                      </a:r>
+                      <a:endParaRPr lang="en-PH" sz="1100" b="0" i="0" u="none" strike="noStrike">
+                        <a:solidFill>
+                          <a:srgbClr val="000000"/>
+                        </a:solidFill>
+                        <a:effectLst/>
+                        <a:latin typeface="Calibri" panose="020F0502020204030204" pitchFamily="34" charset="0"/>
+                      </a:endParaRPr>
+                    </a:p>
+                  </a:txBody>
+                  <a:tcPr marL="9525" marR="9525" marT="9525" marB="0" anchor="b"/>
+                </a:tc>
+                <a:extLst>
+                  <a:ext uri="{0D108BD9-81ED-4DB2-BD59-A6C34878D82A}">
+                    <a16:rowId xmlns:a16="http://schemas.microsoft.com/office/drawing/2014/main" val="1281090943"/>
+                  </a:ext>
+                </a:extLst>
+              </a:tr>
+              <a:tr h="190500">
+                <a:tc>
+                  <a:txBody>
+                    <a:bodyPr/>
+                    <a:lstStyle/>
+                    <a:p>
+                      <a:pPr algn="l" fontAlgn="b"/>
+                      <a:endParaRPr lang="en-PH" sz="1100" b="0" i="0" u="none" strike="noStrike">
+                        <a:solidFill>
+                          <a:srgbClr val="000000"/>
+                        </a:solidFill>
+                        <a:effectLst/>
+                        <a:latin typeface="Calibri" panose="020F0502020204030204" pitchFamily="34" charset="0"/>
+                      </a:endParaRPr>
+                    </a:p>
+                  </a:txBody>
+                  <a:tcPr marL="9525" marR="9525" marT="9525" marB="0" anchor="b"/>
+                </a:tc>
+                <a:tc>
+                  <a:txBody>
+                    <a:bodyPr/>
+                    <a:lstStyle/>
+                    <a:p>
+                      <a:pPr algn="l" fontAlgn="b"/>
+                      <a:endParaRPr lang="en-PH" sz="1100" b="0" i="0" u="none" strike="noStrike">
+                        <a:solidFill>
+                          <a:srgbClr val="000000"/>
+                        </a:solidFill>
+                        <a:effectLst/>
+                        <a:latin typeface="Calibri" panose="020F0502020204030204" pitchFamily="34" charset="0"/>
+                      </a:endParaRPr>
+                    </a:p>
+                  </a:txBody>
+                  <a:tcPr marL="9525" marR="9525" marT="9525" marB="0" anchor="b"/>
+                </a:tc>
+                <a:tc>
+                  <a:txBody>
+                    <a:bodyPr/>
+                    <a:lstStyle/>
+                    <a:p>
+                      <a:pPr algn="l" fontAlgn="b"/>
+                      <a:endParaRPr lang="en-PH" sz="1100" b="0" i="0" u="none" strike="noStrike">
+                        <a:solidFill>
+                          <a:srgbClr val="000000"/>
+                        </a:solidFill>
+                        <a:effectLst/>
+                        <a:latin typeface="Calibri" panose="020F0502020204030204" pitchFamily="34" charset="0"/>
+                      </a:endParaRPr>
+                    </a:p>
+                  </a:txBody>
+                  <a:tcPr marL="9525" marR="9525" marT="9525" marB="0" anchor="b"/>
+                </a:tc>
+                <a:tc>
+                  <a:txBody>
+                    <a:bodyPr/>
+                    <a:lstStyle/>
+                    <a:p>
+                      <a:pPr algn="ctr" fontAlgn="b"/>
+                      <a:r>
+                        <a:rPr lang="en-PH" sz="1100" u="none" strike="noStrike" dirty="0">
+                          <a:effectLst/>
+                        </a:rPr>
+                        <a:t>₱540,000</a:t>
+                      </a:r>
+                      <a:endParaRPr lang="en-PH" sz="1100" b="1" i="0" u="none" strike="noStrike" dirty="0">
                         <a:solidFill>
                           <a:srgbClr val="FA7D00"/>
                         </a:solidFill>
@@ -20428,7 +24449,104 @@
                 </a:tc>
                 <a:extLst>
                   <a:ext uri="{0D108BD9-81ED-4DB2-BD59-A6C34878D82A}">
-                    <a16:rowId xmlns:a16="http://schemas.microsoft.com/office/drawing/2014/main" val="2128628274"/>
+                    <a16:rowId xmlns:a16="http://schemas.microsoft.com/office/drawing/2014/main" val="4007918301"/>
+                  </a:ext>
+                </a:extLst>
+              </a:tr>
+            </a:tbl>
+          </a:graphicData>
+        </a:graphic>
+      </p:graphicFrame>
+      <p:graphicFrame>
+        <p:nvGraphicFramePr>
+          <p:cNvPr id="3" name="Table 2"/>
+          <p:cNvGraphicFramePr>
+            <a:graphicFrameLocks noGrp="1"/>
+          </p:cNvGraphicFramePr>
+          <p:nvPr>
+            <p:extLst>
+              <p:ext uri="{D42A27DB-BD31-4B8C-83A1-F6EECF244321}">
+                <p14:modId xmlns:p14="http://schemas.microsoft.com/office/powerpoint/2010/main" val="153232980"/>
+              </p:ext>
+            </p:extLst>
+          </p:nvPr>
+        </p:nvGraphicFramePr>
+        <p:xfrm>
+          <a:off x="467544" y="5527402"/>
+          <a:ext cx="3759200" cy="381000"/>
+        </p:xfrm>
+        <a:graphic>
+          <a:graphicData uri="http://schemas.openxmlformats.org/drawingml/2006/table">
+            <a:tbl>
+              <a:tblPr>
+                <a:tableStyleId>{B301B821-A1FF-4177-AEE7-76D212191A09}</a:tableStyleId>
+              </a:tblPr>
+              <a:tblGrid>
+                <a:gridCol w="2579097">
+                  <a:extLst>
+                    <a:ext uri="{9D8B030D-6E8A-4147-A177-3AD203B41FA5}">
+                      <a16:colId xmlns:a16="http://schemas.microsoft.com/office/drawing/2014/main" val="1006029942"/>
+                    </a:ext>
+                  </a:extLst>
+                </a:gridCol>
+                <a:gridCol w="1180103">
+                  <a:extLst>
+                    <a:ext uri="{9D8B030D-6E8A-4147-A177-3AD203B41FA5}">
+                      <a16:colId xmlns:a16="http://schemas.microsoft.com/office/drawing/2014/main" val="2224279971"/>
+                    </a:ext>
+                  </a:extLst>
+                </a:gridCol>
+              </a:tblGrid>
+              <a:tr h="190500">
+                <a:tc>
+                  <a:txBody>
+                    <a:bodyPr/>
+                    <a:lstStyle/>
+                    <a:p>
+                      <a:pPr algn="l" fontAlgn="b"/>
+                      <a:r>
+                        <a:rPr lang="en-PH" sz="1100" u="none" strike="noStrike" dirty="0">
+                          <a:effectLst/>
+                        </a:rPr>
+                        <a:t>Contingency Cost</a:t>
+                      </a:r>
+                      <a:endParaRPr lang="en-PH" sz="1100" b="1" i="0" u="none" strike="noStrike" dirty="0">
+                        <a:solidFill>
+                          <a:srgbClr val="000000"/>
+                        </a:solidFill>
+                        <a:effectLst/>
+                        <a:latin typeface="Calibri" panose="020F0502020204030204" pitchFamily="34" charset="0"/>
+                      </a:endParaRPr>
+                    </a:p>
+                  </a:txBody>
+                  <a:tcPr marL="9525" marR="9525" marT="9525" marB="0" anchor="b"/>
+                </a:tc>
+                <a:tc>
+                  <a:txBody>
+                    <a:bodyPr/>
+                    <a:lstStyle/>
+                    <a:p>
+                      <a:pPr algn="r" fontAlgn="b"/>
+                      <a:r>
+                        <a:rPr lang="en-PH" sz="1100" u="none" strike="noStrike" dirty="0">
+                          <a:effectLst/>
+                        </a:rPr>
+                        <a:t>₱53,236.52</a:t>
+                      </a:r>
+                      <a:endParaRPr lang="en-PH" sz="1100" b="1" i="0" u="none" strike="noStrike" dirty="0">
+                        <a:solidFill>
+                          <a:srgbClr val="FA7D00"/>
+                        </a:solidFill>
+                        <a:effectLst/>
+                        <a:latin typeface="Calibri" panose="020F0502020204030204" pitchFamily="34" charset="0"/>
+                      </a:endParaRPr>
+                    </a:p>
+                  </a:txBody>
+                  <a:tcPr marL="9525" marR="9525" marT="9525" marB="0" anchor="b"/>
+                </a:tc>
+                <a:extLst>
+                  <a:ext uri="{0D108BD9-81ED-4DB2-BD59-A6C34878D82A}">
+                    <a16:rowId xmlns:a16="http://schemas.microsoft.com/office/drawing/2014/main" val="3429289717"/>
                   </a:ext>
                 </a:extLst>
               </a:tr>
@@ -20466,7 +24584,7 @@
                         <a:rPr lang="en-PH" sz="1100" u="none" strike="noStrike" dirty="0">
                           <a:effectLst/>
                         </a:rPr>
-                        <a:t>₱1,774,550.68</a:t>
+                        <a:t>₱2,367,787.20</a:t>
                       </a:r>
                       <a:endParaRPr lang="en-PH" sz="1100" b="1" i="0" u="none" strike="noStrike" dirty="0">
                         <a:solidFill>
@@ -20481,7 +24599,7 @@
                 </a:tc>
                 <a:extLst>
                   <a:ext uri="{0D108BD9-81ED-4DB2-BD59-A6C34878D82A}">
-                    <a16:rowId xmlns:a16="http://schemas.microsoft.com/office/drawing/2014/main" val="304040242"/>
+                    <a16:rowId xmlns:a16="http://schemas.microsoft.com/office/drawing/2014/main" val="2405503429"/>
                   </a:ext>
                 </a:extLst>
               </a:tr>
@@ -20502,7 +24620,7 @@
 </p:sld>
 </file>
 
-<file path=ppt/slides/slide17.xml><?xml version="1.0" encoding="utf-8"?>
+<file path=ppt/slides/slide18.xml><?xml version="1.0" encoding="utf-8"?>
 <p:sld xmlns:a="http://schemas.openxmlformats.org/drawingml/2006/main" xmlns:r="http://schemas.openxmlformats.org/officeDocument/2006/relationships" xmlns:p="http://schemas.openxmlformats.org/presentationml/2006/main">
   <p:cSld>
     <p:spTree>
@@ -20562,7 +24680,7 @@
 </p:sld>
 </file>
 
-<file path=ppt/slides/slide18.xml><?xml version="1.0" encoding="utf-8"?>
+<file path=ppt/slides/slide19.xml><?xml version="1.0" encoding="utf-8"?>
 <p:sld xmlns:a="http://schemas.openxmlformats.org/drawingml/2006/main" xmlns:r="http://schemas.openxmlformats.org/officeDocument/2006/relationships" xmlns:p="http://schemas.openxmlformats.org/presentationml/2006/main">
   <p:cSld>
     <p:spTree>
@@ -20620,8 +24738,16 @@
               <a:buNone/>
             </a:pPr>
             <a:r>
+              <a:rPr lang="en-PH" sz="3000" dirty="0">
+                <a:solidFill>
+                  <a:srgbClr val="FF0000"/>
+                </a:solidFill>
+              </a:rPr>
+              <a:t>₱1,774,550.68 </a:t>
+            </a:r>
+            <a:r>
               <a:rPr lang="en-PH" sz="3000" dirty="0"/>
-              <a:t>₱1,774,550.68 in sales within 548 days</a:t>
+              <a:t>in sales within 548 days</a:t>
             </a:r>
           </a:p>
           <a:p>
@@ -20665,66 +24791,6 @@
     <p:extLst>
       <p:ext uri="{BB962C8B-B14F-4D97-AF65-F5344CB8AC3E}">
         <p14:creationId xmlns:p14="http://schemas.microsoft.com/office/powerpoint/2010/main" val="3764293800"/>
-      </p:ext>
-    </p:extLst>
-  </p:cSld>
-  <p:clrMapOvr>
-    <a:masterClrMapping/>
-  </p:clrMapOvr>
-</p:sld>
-</file>
-
-<file path=ppt/slides/slide19.xml><?xml version="1.0" encoding="utf-8"?>
-<p:sld xmlns:a="http://schemas.openxmlformats.org/drawingml/2006/main" xmlns:r="http://schemas.openxmlformats.org/officeDocument/2006/relationships" xmlns:p="http://schemas.openxmlformats.org/presentationml/2006/main" show="0">
-  <p:cSld>
-    <p:spTree>
-      <p:nvGrpSpPr>
-        <p:cNvPr id="1" name=""/>
-        <p:cNvGrpSpPr/>
-        <p:nvPr/>
-      </p:nvGrpSpPr>
-      <p:grpSpPr>
-        <a:xfrm>
-          <a:off x="0" y="0"/>
-          <a:ext cx="0" cy="0"/>
-          <a:chOff x="0" y="0"/>
-          <a:chExt cx="0" cy="0"/>
-        </a:xfrm>
-      </p:grpSpPr>
-      <p:sp>
-        <p:nvSpPr>
-          <p:cNvPr id="2" name="Title 1"/>
-          <p:cNvSpPr>
-            <a:spLocks noGrp="1"/>
-          </p:cNvSpPr>
-          <p:nvPr>
-            <p:ph type="title"/>
-          </p:nvPr>
-        </p:nvSpPr>
-        <p:spPr>
-          <a:xfrm>
-            <a:off x="502920" y="2903220"/>
-            <a:ext cx="8183880" cy="1051560"/>
-          </a:xfrm>
-        </p:spPr>
-        <p:txBody>
-          <a:bodyPr anchor="ctr">
-            <a:normAutofit/>
-          </a:bodyPr>
-          <a:lstStyle/>
-          <a:p>
-            <a:r>
-              <a:rPr lang="en-US" sz="5300" dirty="0"/>
-              <a:t>Online Surveys</a:t>
-            </a:r>
-            <a:endParaRPr lang="en-PH" sz="5300" dirty="0"/>
-          </a:p>
-        </p:txBody>
-      </p:sp>
-    </p:spTree>
-    <p:extLst>
-      <p:ext uri="{BB962C8B-B14F-4D97-AF65-F5344CB8AC3E}">
-        <p14:creationId xmlns:p14="http://schemas.microsoft.com/office/powerpoint/2010/main" val="3095079818"/>
       </p:ext>
     </p:extLst>
   </p:cSld>
@@ -20837,6 +24903,66 @@
         </p:nvSpPr>
         <p:spPr>
           <a:xfrm>
+            <a:off x="502920" y="2903220"/>
+            <a:ext cx="8183880" cy="1051560"/>
+          </a:xfrm>
+        </p:spPr>
+        <p:txBody>
+          <a:bodyPr anchor="ctr">
+            <a:normAutofit/>
+          </a:bodyPr>
+          <a:lstStyle/>
+          <a:p>
+            <a:r>
+              <a:rPr lang="en-US" sz="5300" dirty="0"/>
+              <a:t>Online Surveys</a:t>
+            </a:r>
+            <a:endParaRPr lang="en-PH" sz="5300" dirty="0"/>
+          </a:p>
+        </p:txBody>
+      </p:sp>
+    </p:spTree>
+    <p:extLst>
+      <p:ext uri="{BB962C8B-B14F-4D97-AF65-F5344CB8AC3E}">
+        <p14:creationId xmlns:p14="http://schemas.microsoft.com/office/powerpoint/2010/main" val="3095079818"/>
+      </p:ext>
+    </p:extLst>
+  </p:cSld>
+  <p:clrMapOvr>
+    <a:masterClrMapping/>
+  </p:clrMapOvr>
+</p:sld>
+</file>
+
+<file path=ppt/slides/slide21.xml><?xml version="1.0" encoding="utf-8"?>
+<p:sld xmlns:a="http://schemas.openxmlformats.org/drawingml/2006/main" xmlns:r="http://schemas.openxmlformats.org/officeDocument/2006/relationships" xmlns:p="http://schemas.openxmlformats.org/presentationml/2006/main" show="0">
+  <p:cSld>
+    <p:spTree>
+      <p:nvGrpSpPr>
+        <p:cNvPr id="1" name=""/>
+        <p:cNvGrpSpPr/>
+        <p:nvPr/>
+      </p:nvGrpSpPr>
+      <p:grpSpPr>
+        <a:xfrm>
+          <a:off x="0" y="0"/>
+          <a:ext cx="0" cy="0"/>
+          <a:chOff x="0" y="0"/>
+          <a:chExt cx="0" cy="0"/>
+        </a:xfrm>
+      </p:grpSpPr>
+      <p:sp>
+        <p:nvSpPr>
+          <p:cNvPr id="2" name="Title 1"/>
+          <p:cNvSpPr>
+            <a:spLocks noGrp="1"/>
+          </p:cNvSpPr>
+          <p:nvPr>
+            <p:ph type="title"/>
+          </p:nvPr>
+        </p:nvSpPr>
+        <p:spPr>
+          <a:xfrm>
             <a:off x="502920" y="2420888"/>
             <a:ext cx="8183880" cy="1533892"/>
           </a:xfrm>
@@ -20869,7 +24995,7 @@
 </p:sld>
 </file>
 
-<file path=ppt/slides/slide21.xml><?xml version="1.0" encoding="utf-8"?>
+<file path=ppt/slides/slide22.xml><?xml version="1.0" encoding="utf-8"?>
 <p:sld xmlns:a="http://schemas.openxmlformats.org/drawingml/2006/main" xmlns:r="http://schemas.openxmlformats.org/officeDocument/2006/relationships" xmlns:p="http://schemas.openxmlformats.org/presentationml/2006/main" show="0">
   <p:cSld>
     <p:spTree>
@@ -20957,7 +25083,7 @@
 </p:sld>
 </file>
 
-<file path=ppt/slides/slide22.xml><?xml version="1.0" encoding="utf-8"?>
+<file path=ppt/slides/slide23.xml><?xml version="1.0" encoding="utf-8"?>
 <p:sld xmlns:a="http://schemas.openxmlformats.org/drawingml/2006/main" xmlns:r="http://schemas.openxmlformats.org/officeDocument/2006/relationships" xmlns:p="http://schemas.openxmlformats.org/presentationml/2006/main" show="0">
   <p:cSld>
     <p:spTree>
@@ -21047,7 +25173,7 @@
 </p:sld>
 </file>
 
-<file path=ppt/slides/slide23.xml><?xml version="1.0" encoding="utf-8"?>
+<file path=ppt/slides/slide24.xml><?xml version="1.0" encoding="utf-8"?>
 <p:sld xmlns:a="http://schemas.openxmlformats.org/drawingml/2006/main" xmlns:r="http://schemas.openxmlformats.org/officeDocument/2006/relationships" xmlns:p="http://schemas.openxmlformats.org/presentationml/2006/main" show="0">
   <p:cSld>
     <p:spTree>
@@ -21137,7 +25263,7 @@
 </p:sld>
 </file>
 
-<file path=ppt/slides/slide24.xml><?xml version="1.0" encoding="utf-8"?>
+<file path=ppt/slides/slide25.xml><?xml version="1.0" encoding="utf-8"?>
 <p:sld xmlns:a="http://schemas.openxmlformats.org/drawingml/2006/main" xmlns:r="http://schemas.openxmlformats.org/officeDocument/2006/relationships" xmlns:p="http://schemas.openxmlformats.org/presentationml/2006/main" show="0">
   <p:cSld>
     <p:spTree>
@@ -21198,7 +25324,7 @@
 </p:sld>
 </file>
 
-<file path=ppt/slides/slide25.xml><?xml version="1.0" encoding="utf-8"?>
+<file path=ppt/slides/slide26.xml><?xml version="1.0" encoding="utf-8"?>
 <p:sld xmlns:a="http://schemas.openxmlformats.org/drawingml/2006/main" xmlns:r="http://schemas.openxmlformats.org/officeDocument/2006/relationships" xmlns:p="http://schemas.openxmlformats.org/presentationml/2006/main" show="0">
   <p:cSld>
     <p:spTree>
@@ -21288,7 +25414,7 @@
 </p:sld>
 </file>
 
-<file path=ppt/slides/slide26.xml><?xml version="1.0" encoding="utf-8"?>
+<file path=ppt/slides/slide27.xml><?xml version="1.0" encoding="utf-8"?>
 <p:sld xmlns:a="http://schemas.openxmlformats.org/drawingml/2006/main" xmlns:r="http://schemas.openxmlformats.org/officeDocument/2006/relationships" xmlns:p="http://schemas.openxmlformats.org/presentationml/2006/main" show="0">
   <p:cSld>
     <p:spTree>
@@ -21378,7 +25504,7 @@
 </p:sld>
 </file>
 
-<file path=ppt/slides/slide27.xml><?xml version="1.0" encoding="utf-8"?>
+<file path=ppt/slides/slide28.xml><?xml version="1.0" encoding="utf-8"?>
 <p:sld xmlns:a="http://schemas.openxmlformats.org/drawingml/2006/main" xmlns:r="http://schemas.openxmlformats.org/officeDocument/2006/relationships" xmlns:p="http://schemas.openxmlformats.org/presentationml/2006/main" show="0">
   <p:cSld>
     <p:spTree>
@@ -21468,7 +25594,7 @@
 </p:sld>
 </file>
 
-<file path=ppt/slides/slide28.xml><?xml version="1.0" encoding="utf-8"?>
+<file path=ppt/slides/slide29.xml><?xml version="1.0" encoding="utf-8"?>
 <p:sld xmlns:a="http://schemas.openxmlformats.org/drawingml/2006/main" xmlns:r="http://schemas.openxmlformats.org/officeDocument/2006/relationships" xmlns:p="http://schemas.openxmlformats.org/presentationml/2006/main" show="0">
   <p:cSld>
     <p:spTree>
@@ -21585,7 +25711,67 @@
 </p:sld>
 </file>
 
-<file path=ppt/slides/slide29.xml><?xml version="1.0" encoding="utf-8"?>
+<file path=ppt/slides/slide3.xml><?xml version="1.0" encoding="utf-8"?>
+<p:sld xmlns:a="http://schemas.openxmlformats.org/drawingml/2006/main" xmlns:r="http://schemas.openxmlformats.org/officeDocument/2006/relationships" xmlns:p="http://schemas.openxmlformats.org/presentationml/2006/main">
+  <p:cSld>
+    <p:spTree>
+      <p:nvGrpSpPr>
+        <p:cNvPr id="1" name=""/>
+        <p:cNvGrpSpPr/>
+        <p:nvPr/>
+      </p:nvGrpSpPr>
+      <p:grpSpPr>
+        <a:xfrm>
+          <a:off x="0" y="0"/>
+          <a:ext cx="0" cy="0"/>
+          <a:chOff x="0" y="0"/>
+          <a:chExt cx="0" cy="0"/>
+        </a:xfrm>
+      </p:grpSpPr>
+      <p:sp>
+        <p:nvSpPr>
+          <p:cNvPr id="2" name="Title 1"/>
+          <p:cNvSpPr>
+            <a:spLocks noGrp="1"/>
+          </p:cNvSpPr>
+          <p:nvPr>
+            <p:ph type="title"/>
+          </p:nvPr>
+        </p:nvSpPr>
+        <p:spPr>
+          <a:xfrm>
+            <a:off x="502920" y="2903220"/>
+            <a:ext cx="8183880" cy="1051560"/>
+          </a:xfrm>
+        </p:spPr>
+        <p:txBody>
+          <a:bodyPr anchor="ctr">
+            <a:normAutofit/>
+          </a:bodyPr>
+          <a:lstStyle/>
+          <a:p>
+            <a:r>
+              <a:rPr lang="en-US" sz="5300" dirty="0"/>
+              <a:t>Lean Canvas</a:t>
+            </a:r>
+            <a:endParaRPr lang="en-PH" sz="5300" dirty="0"/>
+          </a:p>
+        </p:txBody>
+      </p:sp>
+    </p:spTree>
+    <p:extLst>
+      <p:ext uri="{BB962C8B-B14F-4D97-AF65-F5344CB8AC3E}">
+        <p14:creationId xmlns:p14="http://schemas.microsoft.com/office/powerpoint/2010/main" val="715577245"/>
+      </p:ext>
+    </p:extLst>
+  </p:cSld>
+  <p:clrMapOvr>
+    <a:masterClrMapping/>
+  </p:clrMapOvr>
+</p:sld>
+</file>
+
+<file path=ppt/slides/slide30.xml><?xml version="1.0" encoding="utf-8"?>
 <p:sld xmlns:a="http://schemas.openxmlformats.org/drawingml/2006/main" xmlns:r="http://schemas.openxmlformats.org/officeDocument/2006/relationships" xmlns:p="http://schemas.openxmlformats.org/presentationml/2006/main" show="0">
   <p:cSld>
     <p:spTree>
@@ -21702,7 +25888,7 @@
 </p:sld>
 </file>
 
-<file path=ppt/slides/slide3.xml><?xml version="1.0" encoding="utf-8"?>
+<file path=ppt/slides/slide4.xml><?xml version="1.0" encoding="utf-8"?>
 <p:sld xmlns:a="http://schemas.openxmlformats.org/drawingml/2006/main" xmlns:r="http://schemas.openxmlformats.org/officeDocument/2006/relationships" xmlns:p="http://schemas.openxmlformats.org/presentationml/2006/main">
   <p:cSld>
     <p:spTree>
@@ -21721,7 +25907,7 @@
       </p:grpSpPr>
       <p:sp>
         <p:nvSpPr>
-          <p:cNvPr id="2" name="Title 1"/>
+          <p:cNvPr id="2" name="Rectangle 2"/>
           <p:cNvSpPr>
             <a:spLocks noGrp="1"/>
           </p:cNvSpPr>
@@ -21731,30 +25917,84 @@
         </p:nvSpPr>
         <p:spPr>
           <a:xfrm>
-            <a:off x="502920" y="2903220"/>
-            <a:ext cx="8183880" cy="1051560"/>
+            <a:off x="502920" y="5373216"/>
+            <a:ext cx="8183880" cy="661824"/>
           </a:xfrm>
         </p:spPr>
         <p:txBody>
-          <a:bodyPr anchor="ctr">
-            <a:normAutofit/>
+          <a:bodyPr>
+            <a:noAutofit/>
           </a:bodyPr>
           <a:lstStyle/>
           <a:p>
             <a:r>
-              <a:rPr lang="en-US" sz="5300" dirty="0"/>
-              <a:t>Lean Canvas</a:t>
+              <a:rPr lang="en-US" sz="4500" dirty="0"/>
+              <a:t>Problems</a:t>
             </a:r>
-            <a:endParaRPr lang="en-PH" sz="5300" dirty="0"/>
           </a:p>
         </p:txBody>
       </p:sp>
+      <p:pic>
+        <p:nvPicPr>
+          <p:cNvPr id="6" name="Picture 5"/>
+          <p:cNvPicPr>
+            <a:picLocks noChangeAspect="1"/>
+          </p:cNvPicPr>
+          <p:nvPr/>
+        </p:nvPicPr>
+        <p:blipFill>
+          <a:blip r:embed="rId3" cstate="print">
+            <a:extLst>
+              <a:ext uri="{28A0092B-C50C-407E-A947-70E740481C1C}">
+                <a14:useLocalDpi xmlns:a14="http://schemas.microsoft.com/office/drawing/2010/main" val="0"/>
+              </a:ext>
+            </a:extLst>
+          </a:blip>
+          <a:stretch>
+            <a:fillRect/>
+          </a:stretch>
+        </p:blipFill>
+        <p:spPr>
+          <a:xfrm>
+            <a:off x="3923928" y="2924944"/>
+            <a:ext cx="4762872" cy="2448272"/>
+          </a:xfrm>
+          <a:prstGeom prst="rect">
+            <a:avLst/>
+          </a:prstGeom>
+        </p:spPr>
+      </p:pic>
+      <p:pic>
+        <p:nvPicPr>
+          <p:cNvPr id="8" name="Picture 7"/>
+          <p:cNvPicPr>
+            <a:picLocks noChangeAspect="1"/>
+          </p:cNvPicPr>
+          <p:nvPr/>
+        </p:nvPicPr>
+        <p:blipFill>
+          <a:blip r:embed="rId4">
+            <a:extLst>
+              <a:ext uri="{28A0092B-C50C-407E-A947-70E740481C1C}">
+                <a14:useLocalDpi xmlns:a14="http://schemas.microsoft.com/office/drawing/2010/main" val="0"/>
+              </a:ext>
+            </a:extLst>
+          </a:blip>
+          <a:stretch>
+            <a:fillRect/>
+          </a:stretch>
+        </p:blipFill>
+        <p:spPr>
+          <a:xfrm>
+            <a:off x="502920" y="470457"/>
+            <a:ext cx="4762872" cy="2448272"/>
+          </a:xfrm>
+          <a:prstGeom prst="rect">
+            <a:avLst/>
+          </a:prstGeom>
+        </p:spPr>
+      </p:pic>
     </p:spTree>
-    <p:extLst>
-      <p:ext uri="{BB962C8B-B14F-4D97-AF65-F5344CB8AC3E}">
-        <p14:creationId xmlns:p14="http://schemas.microsoft.com/office/powerpoint/2010/main" val="715577245"/>
-      </p:ext>
-    </p:extLst>
   </p:cSld>
   <p:clrMapOvr>
     <a:masterClrMapping/>
@@ -21762,7 +26002,7 @@
 </p:sld>
 </file>
 
-<file path=ppt/slides/slide4.xml><?xml version="1.0" encoding="utf-8"?>
+<file path=ppt/slides/slide5.xml><?xml version="1.0" encoding="utf-8"?>
 <p:sld xmlns:a="http://schemas.openxmlformats.org/drawingml/2006/main" xmlns:r="http://schemas.openxmlformats.org/officeDocument/2006/relationships" xmlns:p="http://schemas.openxmlformats.org/presentationml/2006/main">
   <p:cSld>
     <p:spTree>
@@ -21821,7 +26061,7 @@
 </p:sld>
 </file>
 
-<file path=ppt/slides/slide5.xml><?xml version="1.0" encoding="utf-8"?>
+<file path=ppt/slides/slide6.xml><?xml version="1.0" encoding="utf-8"?>
 <p:sld xmlns:a="http://schemas.openxmlformats.org/drawingml/2006/main" xmlns:r="http://schemas.openxmlformats.org/officeDocument/2006/relationships" xmlns:p="http://schemas.openxmlformats.org/presentationml/2006/main">
   <p:cSld>
     <p:spTree>
@@ -21958,120 +26198,6 @@
         <p14:creationId xmlns:p14="http://schemas.microsoft.com/office/powerpoint/2010/main" val="1310963388"/>
       </p:ext>
     </p:extLst>
-  </p:cSld>
-  <p:clrMapOvr>
-    <a:masterClrMapping/>
-  </p:clrMapOvr>
-</p:sld>
-</file>
-
-<file path=ppt/slides/slide6.xml><?xml version="1.0" encoding="utf-8"?>
-<p:sld xmlns:a="http://schemas.openxmlformats.org/drawingml/2006/main" xmlns:r="http://schemas.openxmlformats.org/officeDocument/2006/relationships" xmlns:p="http://schemas.openxmlformats.org/presentationml/2006/main">
-  <p:cSld>
-    <p:spTree>
-      <p:nvGrpSpPr>
-        <p:cNvPr id="1" name=""/>
-        <p:cNvGrpSpPr/>
-        <p:nvPr/>
-      </p:nvGrpSpPr>
-      <p:grpSpPr>
-        <a:xfrm>
-          <a:off x="0" y="0"/>
-          <a:ext cx="0" cy="0"/>
-          <a:chOff x="0" y="0"/>
-          <a:chExt cx="0" cy="0"/>
-        </a:xfrm>
-      </p:grpSpPr>
-      <p:sp>
-        <p:nvSpPr>
-          <p:cNvPr id="2" name="Rectangle 2"/>
-          <p:cNvSpPr>
-            <a:spLocks noGrp="1"/>
-          </p:cNvSpPr>
-          <p:nvPr>
-            <p:ph type="title"/>
-          </p:nvPr>
-        </p:nvSpPr>
-        <p:spPr>
-          <a:xfrm>
-            <a:off x="502920" y="5373216"/>
-            <a:ext cx="8183880" cy="661824"/>
-          </a:xfrm>
-        </p:spPr>
-        <p:txBody>
-          <a:bodyPr>
-            <a:noAutofit/>
-          </a:bodyPr>
-          <a:lstStyle/>
-          <a:p>
-            <a:r>
-              <a:rPr lang="en-US" sz="4500" dirty="0"/>
-              <a:t>Problems</a:t>
-            </a:r>
-          </a:p>
-        </p:txBody>
-      </p:sp>
-      <p:pic>
-        <p:nvPicPr>
-          <p:cNvPr id="6" name="Picture 5"/>
-          <p:cNvPicPr>
-            <a:picLocks noChangeAspect="1"/>
-          </p:cNvPicPr>
-          <p:nvPr/>
-        </p:nvPicPr>
-        <p:blipFill>
-          <a:blip r:embed="rId3" cstate="print">
-            <a:extLst>
-              <a:ext uri="{28A0092B-C50C-407E-A947-70E740481C1C}">
-                <a14:useLocalDpi xmlns:a14="http://schemas.microsoft.com/office/drawing/2010/main" val="0"/>
-              </a:ext>
-            </a:extLst>
-          </a:blip>
-          <a:stretch>
-            <a:fillRect/>
-          </a:stretch>
-        </p:blipFill>
-        <p:spPr>
-          <a:xfrm>
-            <a:off x="3923928" y="2924944"/>
-            <a:ext cx="4762872" cy="2448272"/>
-          </a:xfrm>
-          <a:prstGeom prst="rect">
-            <a:avLst/>
-          </a:prstGeom>
-        </p:spPr>
-      </p:pic>
-      <p:pic>
-        <p:nvPicPr>
-          <p:cNvPr id="8" name="Picture 7"/>
-          <p:cNvPicPr>
-            <a:picLocks noChangeAspect="1"/>
-          </p:cNvPicPr>
-          <p:nvPr/>
-        </p:nvPicPr>
-        <p:blipFill>
-          <a:blip r:embed="rId4">
-            <a:extLst>
-              <a:ext uri="{28A0092B-C50C-407E-A947-70E740481C1C}">
-                <a14:useLocalDpi xmlns:a14="http://schemas.microsoft.com/office/drawing/2010/main" val="0"/>
-              </a:ext>
-            </a:extLst>
-          </a:blip>
-          <a:stretch>
-            <a:fillRect/>
-          </a:stretch>
-        </p:blipFill>
-        <p:spPr>
-          <a:xfrm>
-            <a:off x="502920" y="470457"/>
-            <a:ext cx="4762872" cy="2448272"/>
-          </a:xfrm>
-          <a:prstGeom prst="rect">
-            <a:avLst/>
-          </a:prstGeom>
-        </p:spPr>
-      </p:pic>
-    </p:spTree>
   </p:cSld>
   <p:clrMapOvr>
     <a:masterClrMapping/>
@@ -22375,7 +26501,7 @@
               <a:buChar char=""/>
             </a:pPr>
             <a:r>
-              <a:rPr lang="en-US" sz="2850" dirty="0"/>
+              <a:rPr lang="en-US" sz="3000" dirty="0"/>
               <a:t>Translate Philippine dialects into English or Filipino languages and vice versa</a:t>
             </a:r>
           </a:p>
@@ -22385,8 +26511,8 @@
               <a:buChar char=""/>
             </a:pPr>
             <a:r>
-              <a:rPr lang="en-US" sz="2850" dirty="0"/>
-              <a:t>Improve vocabulary and check pronunciation</a:t>
+              <a:rPr lang="en-US" sz="3000" dirty="0"/>
+              <a:t>Improve vocabulary </a:t>
             </a:r>
           </a:p>
           <a:p>
@@ -22395,7 +26521,7 @@
               <a:buChar char=""/>
             </a:pPr>
             <a:r>
-              <a:rPr lang="en-US" sz="2850" dirty="0"/>
+              <a:rPr lang="en-US" sz="3000" dirty="0"/>
               <a:t>Auto-respond to any set of phrases</a:t>
             </a:r>
           </a:p>
@@ -22405,28 +26531,8 @@
               <a:buChar char=""/>
             </a:pPr>
             <a:r>
-              <a:rPr lang="en-US" sz="2850" dirty="0"/>
-              <a:t>Direct voice delivery as a better experience</a:t>
-            </a:r>
-          </a:p>
-          <a:p>
-            <a:pPr>
-              <a:buFont typeface="Wingdings 2" panose="05020102010507070707" pitchFamily="18" charset="2"/>
-              <a:buChar char=""/>
-            </a:pPr>
-            <a:r>
-              <a:rPr lang="en-US" sz="2850" dirty="0"/>
-              <a:t>The app will pronounce the word</a:t>
-            </a:r>
-          </a:p>
-          <a:p>
-            <a:pPr>
-              <a:buFont typeface="Wingdings 2" panose="05020102010507070707" pitchFamily="18" charset="2"/>
-              <a:buChar char=""/>
-            </a:pPr>
-            <a:r>
-              <a:rPr lang="en-US" sz="2850" dirty="0"/>
-              <a:t>Ask someone, in the forum, for correction</a:t>
+              <a:rPr lang="en-US" sz="3000" dirty="0"/>
+              <a:t>Ask someone in the forum for correction</a:t>
             </a:r>
           </a:p>
         </p:txBody>
